--- a/Docs/Introduction to Proramming Using Python.pptx
+++ b/Docs/Introduction to Proramming Using Python.pptx
@@ -5,10 +5,10 @@
     <p:sldMasterId id="2147483687" r:id="rId1"/>
   </p:sldMasterIdLst>
   <p:notesMasterIdLst>
-    <p:notesMasterId r:id="rId104"/>
+    <p:notesMasterId r:id="rId107"/>
   </p:notesMasterIdLst>
   <p:handoutMasterIdLst>
-    <p:handoutMasterId r:id="rId105"/>
+    <p:handoutMasterId r:id="rId108"/>
   </p:handoutMasterIdLst>
   <p:sldIdLst>
     <p:sldId id="256" r:id="rId2"/>
@@ -91,28 +91,31 @@
     <p:sldId id="303" r:id="rId79"/>
     <p:sldId id="304" r:id="rId80"/>
     <p:sldId id="305" r:id="rId81"/>
-    <p:sldId id="306" r:id="rId82"/>
-    <p:sldId id="309" r:id="rId83"/>
-    <p:sldId id="310" r:id="rId84"/>
-    <p:sldId id="311" r:id="rId85"/>
-    <p:sldId id="307" r:id="rId86"/>
-    <p:sldId id="308" r:id="rId87"/>
-    <p:sldId id="329" r:id="rId88"/>
-    <p:sldId id="330" r:id="rId89"/>
-    <p:sldId id="331" r:id="rId90"/>
-    <p:sldId id="332" r:id="rId91"/>
-    <p:sldId id="333" r:id="rId92"/>
-    <p:sldId id="312" r:id="rId93"/>
-    <p:sldId id="313" r:id="rId94"/>
-    <p:sldId id="314" r:id="rId95"/>
-    <p:sldId id="315" r:id="rId96"/>
-    <p:sldId id="316" r:id="rId97"/>
-    <p:sldId id="317" r:id="rId98"/>
-    <p:sldId id="318" r:id="rId99"/>
-    <p:sldId id="319" r:id="rId100"/>
-    <p:sldId id="320" r:id="rId101"/>
-    <p:sldId id="321" r:id="rId102"/>
-    <p:sldId id="325" r:id="rId103"/>
+    <p:sldId id="358" r:id="rId82"/>
+    <p:sldId id="359" r:id="rId83"/>
+    <p:sldId id="360" r:id="rId84"/>
+    <p:sldId id="306" r:id="rId85"/>
+    <p:sldId id="309" r:id="rId86"/>
+    <p:sldId id="310" r:id="rId87"/>
+    <p:sldId id="311" r:id="rId88"/>
+    <p:sldId id="307" r:id="rId89"/>
+    <p:sldId id="308" r:id="rId90"/>
+    <p:sldId id="329" r:id="rId91"/>
+    <p:sldId id="330" r:id="rId92"/>
+    <p:sldId id="331" r:id="rId93"/>
+    <p:sldId id="332" r:id="rId94"/>
+    <p:sldId id="333" r:id="rId95"/>
+    <p:sldId id="312" r:id="rId96"/>
+    <p:sldId id="313" r:id="rId97"/>
+    <p:sldId id="314" r:id="rId98"/>
+    <p:sldId id="315" r:id="rId99"/>
+    <p:sldId id="316" r:id="rId100"/>
+    <p:sldId id="317" r:id="rId101"/>
+    <p:sldId id="318" r:id="rId102"/>
+    <p:sldId id="319" r:id="rId103"/>
+    <p:sldId id="320" r:id="rId104"/>
+    <p:sldId id="321" r:id="rId105"/>
+    <p:sldId id="325" r:id="rId106"/>
   </p:sldIdLst>
   <p:sldSz cx="12192000" cy="6858000"/>
   <p:notesSz cx="6858000" cy="9144000"/>
@@ -322,7 +325,7 @@
           <a:p>
             <a:fld id="{A7D9A7DC-F1CD-4708-A473-876A4B3B8934}" type="datetime1">
               <a:rPr lang="en-US" smtClean="0"/>
-              <a:t>6/11/2020</a:t>
+              <a:t>6/18/2020</a:t>
             </a:fld>
             <a:endParaRPr lang="en-US" dirty="0"/>
           </a:p>
@@ -506,7 +509,7 @@
           <a:p>
             <a:fld id="{A596092B-28C7-44D1-B902-5437B333DFB7}" type="datetime1">
               <a:rPr lang="en-US" smtClean="0"/>
-              <a:t>6/11/2020</a:t>
+              <a:t>6/18/2020</a:t>
             </a:fld>
             <a:endParaRPr lang="en-US" dirty="0"/>
           </a:p>
@@ -873,7 +876,7 @@
           <a:p>
             <a:fld id="{A596092B-28C7-44D1-B902-5437B333DFB7}" type="datetime1">
               <a:rPr lang="en-US" smtClean="0"/>
-              <a:t>6/11/2020</a:t>
+              <a:t>6/18/2020</a:t>
             </a:fld>
             <a:endParaRPr lang="en-US" dirty="0"/>
           </a:p>
@@ -1039,7 +1042,7 @@
           <a:p>
             <a:fld id="{A596092B-28C7-44D1-B902-5437B333DFB7}" type="datetime1">
               <a:rPr lang="en-US" smtClean="0"/>
-              <a:t>6/11/2020</a:t>
+              <a:t>6/18/2020</a:t>
             </a:fld>
             <a:endParaRPr lang="en-US" dirty="0"/>
           </a:p>
@@ -1191,7 +1194,7 @@
           <a:p>
             <a:fld id="{A596092B-28C7-44D1-B902-5437B333DFB7}" type="datetime1">
               <a:rPr lang="en-US" smtClean="0"/>
-              <a:t>6/11/2020</a:t>
+              <a:t>6/18/2020</a:t>
             </a:fld>
             <a:endParaRPr lang="en-US" dirty="0"/>
           </a:p>
@@ -1352,7 +1355,7 @@
           <a:p>
             <a:fld id="{A596092B-28C7-44D1-B902-5437B333DFB7}" type="datetime1">
               <a:rPr lang="en-US" smtClean="0"/>
-              <a:t>6/11/2020</a:t>
+              <a:t>6/18/2020</a:t>
             </a:fld>
             <a:endParaRPr lang="en-US" dirty="0"/>
           </a:p>
@@ -1506,7 +1509,7 @@
           <a:p>
             <a:fld id="{A596092B-28C7-44D1-B902-5437B333DFB7}" type="datetime1">
               <a:rPr lang="en-US" smtClean="0"/>
-              <a:t>6/11/2020</a:t>
+              <a:t>6/18/2020</a:t>
             </a:fld>
             <a:endParaRPr lang="en-US" dirty="0"/>
           </a:p>
@@ -1657,7 +1660,7 @@
           <a:p>
             <a:fld id="{A596092B-28C7-44D1-B902-5437B333DFB7}" type="datetime1">
               <a:rPr lang="en-US" smtClean="0"/>
-              <a:t>6/11/2020</a:t>
+              <a:t>6/18/2020</a:t>
             </a:fld>
             <a:endParaRPr lang="en-US" dirty="0"/>
           </a:p>
@@ -1817,7 +1820,7 @@
           <a:p>
             <a:fld id="{A596092B-28C7-44D1-B902-5437B333DFB7}" type="datetime1">
               <a:rPr lang="en-US" smtClean="0"/>
-              <a:t>6/11/2020</a:t>
+              <a:t>6/18/2020</a:t>
             </a:fld>
             <a:endParaRPr lang="en-US" dirty="0"/>
           </a:p>
@@ -1977,7 +1980,7 @@
           <a:p>
             <a:fld id="{A596092B-28C7-44D1-B902-5437B333DFB7}" type="datetime1">
               <a:rPr lang="en-US" smtClean="0"/>
-              <a:t>6/11/2020</a:t>
+              <a:t>6/18/2020</a:t>
             </a:fld>
             <a:endParaRPr lang="en-US" dirty="0"/>
           </a:p>
@@ -2131,7 +2134,7 @@
           <a:p>
             <a:fld id="{A596092B-28C7-44D1-B902-5437B333DFB7}" type="datetime1">
               <a:rPr lang="en-US" smtClean="0"/>
-              <a:t>6/11/2020</a:t>
+              <a:t>6/18/2020</a:t>
             </a:fld>
             <a:endParaRPr lang="en-US" dirty="0"/>
           </a:p>
@@ -2282,7 +2285,7 @@
           <a:p>
             <a:fld id="{A596092B-28C7-44D1-B902-5437B333DFB7}" type="datetime1">
               <a:rPr lang="en-US" smtClean="0"/>
-              <a:t>6/11/2020</a:t>
+              <a:t>6/18/2020</a:t>
             </a:fld>
             <a:endParaRPr lang="en-US" dirty="0"/>
           </a:p>
@@ -2433,7 +2436,7 @@
           <a:p>
             <a:fld id="{A596092B-28C7-44D1-B902-5437B333DFB7}" type="datetime1">
               <a:rPr lang="en-US" smtClean="0"/>
-              <a:t>6/11/2020</a:t>
+              <a:t>6/18/2020</a:t>
             </a:fld>
             <a:endParaRPr lang="en-US" dirty="0"/>
           </a:p>
@@ -2593,7 +2596,7 @@
           <a:p>
             <a:fld id="{A596092B-28C7-44D1-B902-5437B333DFB7}" type="datetime1">
               <a:rPr lang="en-US" smtClean="0"/>
-              <a:t>6/11/2020</a:t>
+              <a:t>6/18/2020</a:t>
             </a:fld>
             <a:endParaRPr lang="en-US" dirty="0"/>
           </a:p>
@@ -2744,7 +2747,7 @@
           <a:p>
             <a:fld id="{A596092B-28C7-44D1-B902-5437B333DFB7}" type="datetime1">
               <a:rPr lang="en-US" smtClean="0"/>
-              <a:t>6/11/2020</a:t>
+              <a:t>6/18/2020</a:t>
             </a:fld>
             <a:endParaRPr lang="en-US" dirty="0"/>
           </a:p>
@@ -2895,7 +2898,7 @@
           <a:p>
             <a:fld id="{A596092B-28C7-44D1-B902-5437B333DFB7}" type="datetime1">
               <a:rPr lang="en-US" smtClean="0"/>
-              <a:t>6/11/2020</a:t>
+              <a:t>6/18/2020</a:t>
             </a:fld>
             <a:endParaRPr lang="en-US" dirty="0"/>
           </a:p>
@@ -3046,7 +3049,7 @@
           <a:p>
             <a:fld id="{A596092B-28C7-44D1-B902-5437B333DFB7}" type="datetime1">
               <a:rPr lang="en-US" smtClean="0"/>
-              <a:t>6/11/2020</a:t>
+              <a:t>6/18/2020</a:t>
             </a:fld>
             <a:endParaRPr lang="en-US" dirty="0"/>
           </a:p>
@@ -3197,7 +3200,7 @@
           <a:p>
             <a:fld id="{A596092B-28C7-44D1-B902-5437B333DFB7}" type="datetime1">
               <a:rPr lang="en-US" smtClean="0"/>
-              <a:t>6/11/2020</a:t>
+              <a:t>6/18/2020</a:t>
             </a:fld>
             <a:endParaRPr lang="en-US" dirty="0"/>
           </a:p>
@@ -3348,7 +3351,7 @@
           <a:p>
             <a:fld id="{A596092B-28C7-44D1-B902-5437B333DFB7}" type="datetime1">
               <a:rPr lang="en-US" smtClean="0"/>
-              <a:t>6/11/2020</a:t>
+              <a:t>6/18/2020</a:t>
             </a:fld>
             <a:endParaRPr lang="en-US" dirty="0"/>
           </a:p>
@@ -3499,7 +3502,7 @@
           <a:p>
             <a:fld id="{A596092B-28C7-44D1-B902-5437B333DFB7}" type="datetime1">
               <a:rPr lang="en-US" smtClean="0"/>
-              <a:t>6/11/2020</a:t>
+              <a:t>6/18/2020</a:t>
             </a:fld>
             <a:endParaRPr lang="en-US" dirty="0"/>
           </a:p>
@@ -3650,7 +3653,7 @@
           <a:p>
             <a:fld id="{A596092B-28C7-44D1-B902-5437B333DFB7}" type="datetime1">
               <a:rPr lang="en-US" smtClean="0"/>
-              <a:t>6/11/2020</a:t>
+              <a:t>6/18/2020</a:t>
             </a:fld>
             <a:endParaRPr lang="en-US" dirty="0"/>
           </a:p>
@@ -3801,7 +3804,7 @@
           <a:p>
             <a:fld id="{A596092B-28C7-44D1-B902-5437B333DFB7}" type="datetime1">
               <a:rPr lang="en-US" smtClean="0"/>
-              <a:t>6/11/2020</a:t>
+              <a:t>6/18/2020</a:t>
             </a:fld>
             <a:endParaRPr lang="en-US" dirty="0"/>
           </a:p>
@@ -3952,7 +3955,7 @@
           <a:p>
             <a:fld id="{A596092B-28C7-44D1-B902-5437B333DFB7}" type="datetime1">
               <a:rPr lang="en-US" smtClean="0"/>
-              <a:t>6/11/2020</a:t>
+              <a:t>6/18/2020</a:t>
             </a:fld>
             <a:endParaRPr lang="en-US" dirty="0"/>
           </a:p>
@@ -4103,7 +4106,7 @@
           <a:p>
             <a:fld id="{A596092B-28C7-44D1-B902-5437B333DFB7}" type="datetime1">
               <a:rPr lang="en-US" smtClean="0"/>
-              <a:t>6/11/2020</a:t>
+              <a:t>6/18/2020</a:t>
             </a:fld>
             <a:endParaRPr lang="en-US" dirty="0"/>
           </a:p>
@@ -4257,7 +4260,7 @@
           <a:p>
             <a:fld id="{A596092B-28C7-44D1-B902-5437B333DFB7}" type="datetime1">
               <a:rPr lang="en-US" smtClean="0"/>
-              <a:t>6/11/2020</a:t>
+              <a:t>6/18/2020</a:t>
             </a:fld>
             <a:endParaRPr lang="en-US" dirty="0"/>
           </a:p>
@@ -4408,7 +4411,7 @@
           <a:p>
             <a:fld id="{A596092B-28C7-44D1-B902-5437B333DFB7}" type="datetime1">
               <a:rPr lang="en-US" smtClean="0"/>
-              <a:t>6/11/2020</a:t>
+              <a:t>6/18/2020</a:t>
             </a:fld>
             <a:endParaRPr lang="en-US" dirty="0"/>
           </a:p>
@@ -4559,7 +4562,7 @@
           <a:p>
             <a:fld id="{A596092B-28C7-44D1-B902-5437B333DFB7}" type="datetime1">
               <a:rPr lang="en-US" smtClean="0"/>
-              <a:t>6/11/2020</a:t>
+              <a:t>6/18/2020</a:t>
             </a:fld>
             <a:endParaRPr lang="en-US" dirty="0"/>
           </a:p>
@@ -4710,7 +4713,7 @@
           <a:p>
             <a:fld id="{A596092B-28C7-44D1-B902-5437B333DFB7}" type="datetime1">
               <a:rPr lang="en-US" smtClean="0"/>
-              <a:t>6/11/2020</a:t>
+              <a:t>6/18/2020</a:t>
             </a:fld>
             <a:endParaRPr lang="en-US" dirty="0"/>
           </a:p>
@@ -4864,7 +4867,7 @@
           <a:p>
             <a:fld id="{A596092B-28C7-44D1-B902-5437B333DFB7}" type="datetime1">
               <a:rPr lang="en-US" smtClean="0"/>
-              <a:t>6/11/2020</a:t>
+              <a:t>6/18/2020</a:t>
             </a:fld>
             <a:endParaRPr lang="en-US" dirty="0"/>
           </a:p>
@@ -5018,7 +5021,7 @@
           <a:p>
             <a:fld id="{A596092B-28C7-44D1-B902-5437B333DFB7}" type="datetime1">
               <a:rPr lang="en-US" smtClean="0"/>
-              <a:t>6/11/2020</a:t>
+              <a:t>6/18/2020</a:t>
             </a:fld>
             <a:endParaRPr lang="en-US" dirty="0"/>
           </a:p>
@@ -5196,7 +5199,7 @@
           <a:p>
             <a:fld id="{A596092B-28C7-44D1-B902-5437B333DFB7}" type="datetime1">
               <a:rPr lang="en-US" smtClean="0"/>
-              <a:t>6/11/2020</a:t>
+              <a:t>6/18/2020</a:t>
             </a:fld>
             <a:endParaRPr lang="en-US" dirty="0"/>
           </a:p>
@@ -5356,7 +5359,7 @@
           <a:p>
             <a:fld id="{A596092B-28C7-44D1-B902-5437B333DFB7}" type="datetime1">
               <a:rPr lang="en-US" smtClean="0"/>
-              <a:t>6/11/2020</a:t>
+              <a:t>6/18/2020</a:t>
             </a:fld>
             <a:endParaRPr lang="en-US" dirty="0"/>
           </a:p>
@@ -5516,7 +5519,7 @@
           <a:p>
             <a:fld id="{A596092B-28C7-44D1-B902-5437B333DFB7}" type="datetime1">
               <a:rPr lang="en-US" smtClean="0"/>
-              <a:t>6/11/2020</a:t>
+              <a:t>6/18/2020</a:t>
             </a:fld>
             <a:endParaRPr lang="en-US" dirty="0"/>
           </a:p>
@@ -5671,7 +5674,7 @@
           <a:p>
             <a:fld id="{A596092B-28C7-44D1-B902-5437B333DFB7}" type="datetime1">
               <a:rPr lang="en-US" smtClean="0"/>
-              <a:t>6/11/2020</a:t>
+              <a:t>6/18/2020</a:t>
             </a:fld>
             <a:endParaRPr lang="en-US" dirty="0"/>
           </a:p>
@@ -5839,7 +5842,7 @@
           <a:p>
             <a:fld id="{A596092B-28C7-44D1-B902-5437B333DFB7}" type="datetime1">
               <a:rPr lang="en-US" smtClean="0"/>
-              <a:t>6/11/2020</a:t>
+              <a:t>6/18/2020</a:t>
             </a:fld>
             <a:endParaRPr lang="en-US" dirty="0"/>
           </a:p>
@@ -5992,7 +5995,7 @@
           <a:p>
             <a:fld id="{A596092B-28C7-44D1-B902-5437B333DFB7}" type="datetime1">
               <a:rPr lang="en-US" smtClean="0"/>
-              <a:t>6/11/2020</a:t>
+              <a:t>6/18/2020</a:t>
             </a:fld>
             <a:endParaRPr lang="en-US" dirty="0"/>
           </a:p>
@@ -6156,7 +6159,7 @@
           <a:p>
             <a:fld id="{A596092B-28C7-44D1-B902-5437B333DFB7}" type="datetime1">
               <a:rPr lang="en-US" smtClean="0"/>
-              <a:t>6/11/2020</a:t>
+              <a:t>6/18/2020</a:t>
             </a:fld>
             <a:endParaRPr lang="en-US" dirty="0"/>
           </a:p>
@@ -6325,7 +6328,7 @@
           <a:p>
             <a:fld id="{A596092B-28C7-44D1-B902-5437B333DFB7}" type="datetime1">
               <a:rPr lang="en-US" smtClean="0"/>
-              <a:t>6/11/2020</a:t>
+              <a:t>6/18/2020</a:t>
             </a:fld>
             <a:endParaRPr lang="en-US" dirty="0"/>
           </a:p>
@@ -6479,7 +6482,7 @@
           <a:p>
             <a:fld id="{A596092B-28C7-44D1-B902-5437B333DFB7}" type="datetime1">
               <a:rPr lang="en-US" smtClean="0"/>
-              <a:t>6/11/2020</a:t>
+              <a:t>6/18/2020</a:t>
             </a:fld>
             <a:endParaRPr lang="en-US" dirty="0"/>
           </a:p>
@@ -6687,7 +6690,7 @@
           <a:p>
             <a:fld id="{A596092B-28C7-44D1-B902-5437B333DFB7}" type="datetime1">
               <a:rPr lang="en-US" smtClean="0"/>
-              <a:t>6/11/2020</a:t>
+              <a:t>6/18/2020</a:t>
             </a:fld>
             <a:endParaRPr lang="en-US" dirty="0"/>
           </a:p>
@@ -6838,7 +6841,7 @@
           <a:p>
             <a:fld id="{A596092B-28C7-44D1-B902-5437B333DFB7}" type="datetime1">
               <a:rPr lang="en-US" smtClean="0"/>
-              <a:t>6/11/2020</a:t>
+              <a:t>6/18/2020</a:t>
             </a:fld>
             <a:endParaRPr lang="en-US" dirty="0"/>
           </a:p>
@@ -7019,7 +7022,7 @@
           <a:p>
             <a:fld id="{A596092B-28C7-44D1-B902-5437B333DFB7}" type="datetime1">
               <a:rPr lang="en-US" smtClean="0"/>
-              <a:t>6/11/2020</a:t>
+              <a:t>6/18/2020</a:t>
             </a:fld>
             <a:endParaRPr lang="en-US" dirty="0"/>
           </a:p>
@@ -7225,7 +7228,7 @@
           <a:p>
             <a:fld id="{A596092B-28C7-44D1-B902-5437B333DFB7}" type="datetime1">
               <a:rPr lang="en-US" smtClean="0"/>
-              <a:t>6/11/2020</a:t>
+              <a:t>6/18/2020</a:t>
             </a:fld>
             <a:endParaRPr lang="en-US" dirty="0"/>
           </a:p>
@@ -7391,7 +7394,7 @@
           <a:p>
             <a:fld id="{A596092B-28C7-44D1-B902-5437B333DFB7}" type="datetime1">
               <a:rPr lang="en-US" smtClean="0"/>
-              <a:t>6/11/2020</a:t>
+              <a:t>6/18/2020</a:t>
             </a:fld>
             <a:endParaRPr lang="en-US" dirty="0"/>
           </a:p>
@@ -7554,7 +7557,7 @@
           <a:p>
             <a:fld id="{A596092B-28C7-44D1-B902-5437B333DFB7}" type="datetime1">
               <a:rPr lang="en-US" smtClean="0"/>
-              <a:t>6/11/2020</a:t>
+              <a:t>6/18/2020</a:t>
             </a:fld>
             <a:endParaRPr lang="en-US" dirty="0"/>
           </a:p>
@@ -7708,7 +7711,7 @@
           <a:p>
             <a:fld id="{A596092B-28C7-44D1-B902-5437B333DFB7}" type="datetime1">
               <a:rPr lang="en-US" smtClean="0"/>
-              <a:t>6/11/2020</a:t>
+              <a:t>6/18/2020</a:t>
             </a:fld>
             <a:endParaRPr lang="en-US" dirty="0"/>
           </a:p>
@@ -7868,7 +7871,7 @@
           <a:p>
             <a:fld id="{A596092B-28C7-44D1-B902-5437B333DFB7}" type="datetime1">
               <a:rPr lang="en-US" smtClean="0"/>
-              <a:t>6/11/2020</a:t>
+              <a:t>6/18/2020</a:t>
             </a:fld>
             <a:endParaRPr lang="en-US" dirty="0"/>
           </a:p>
@@ -8035,7 +8038,7 @@
           <a:p>
             <a:fld id="{A596092B-28C7-44D1-B902-5437B333DFB7}" type="datetime1">
               <a:rPr lang="en-US" smtClean="0"/>
-              <a:t>6/11/2020</a:t>
+              <a:t>6/18/2020</a:t>
             </a:fld>
             <a:endParaRPr lang="en-US" dirty="0"/>
           </a:p>
@@ -8211,7 +8214,7 @@
           <a:p>
             <a:fld id="{A596092B-28C7-44D1-B902-5437B333DFB7}" type="datetime1">
               <a:rPr lang="en-US" smtClean="0"/>
-              <a:t>6/11/2020</a:t>
+              <a:t>6/18/2020</a:t>
             </a:fld>
             <a:endParaRPr lang="en-US" dirty="0"/>
           </a:p>
@@ -8372,7 +8375,7 @@
           <a:p>
             <a:fld id="{A596092B-28C7-44D1-B902-5437B333DFB7}" type="datetime1">
               <a:rPr lang="en-US" smtClean="0"/>
-              <a:t>6/11/2020</a:t>
+              <a:t>6/18/2020</a:t>
             </a:fld>
             <a:endParaRPr lang="en-US" dirty="0"/>
           </a:p>
@@ -8542,7 +8545,7 @@
           <a:p>
             <a:fld id="{A596092B-28C7-44D1-B902-5437B333DFB7}" type="datetime1">
               <a:rPr lang="en-US" smtClean="0"/>
-              <a:t>6/11/2020</a:t>
+              <a:t>6/18/2020</a:t>
             </a:fld>
             <a:endParaRPr lang="en-US" dirty="0"/>
           </a:p>
@@ -8693,7 +8696,7 @@
           <a:p>
             <a:fld id="{A596092B-28C7-44D1-B902-5437B333DFB7}" type="datetime1">
               <a:rPr lang="en-US" smtClean="0"/>
-              <a:t>6/11/2020</a:t>
+              <a:t>6/18/2020</a:t>
             </a:fld>
             <a:endParaRPr lang="en-US" dirty="0"/>
           </a:p>
@@ -8874,7 +8877,7 @@
           <a:p>
             <a:fld id="{A596092B-28C7-44D1-B902-5437B333DFB7}" type="datetime1">
               <a:rPr lang="en-US" smtClean="0"/>
-              <a:t>6/11/2020</a:t>
+              <a:t>6/18/2020</a:t>
             </a:fld>
             <a:endParaRPr lang="en-US" dirty="0"/>
           </a:p>
@@ -9055,7 +9058,7 @@
           <a:p>
             <a:fld id="{A596092B-28C7-44D1-B902-5437B333DFB7}" type="datetime1">
               <a:rPr lang="en-US" smtClean="0"/>
-              <a:t>6/11/2020</a:t>
+              <a:t>6/18/2020</a:t>
             </a:fld>
             <a:endParaRPr lang="en-US" dirty="0"/>
           </a:p>
@@ -9209,7 +9212,7 @@
           <a:p>
             <a:fld id="{A596092B-28C7-44D1-B902-5437B333DFB7}" type="datetime1">
               <a:rPr lang="en-US" smtClean="0"/>
-              <a:t>6/11/2020</a:t>
+              <a:t>6/18/2020</a:t>
             </a:fld>
             <a:endParaRPr lang="en-US" dirty="0"/>
           </a:p>
@@ -9375,7 +9378,7 @@
           <a:p>
             <a:fld id="{A596092B-28C7-44D1-B902-5437B333DFB7}" type="datetime1">
               <a:rPr lang="en-US" smtClean="0"/>
-              <a:t>6/11/2020</a:t>
+              <a:t>6/18/2020</a:t>
             </a:fld>
             <a:endParaRPr lang="en-US" dirty="0"/>
           </a:p>
@@ -9483,22 +9486,7 @@
           <a:bodyPr/>
           <a:lstStyle/>
           <a:p>
-            <a:r>
-              <a:rPr lang="en-US" dirty="0"/>
-              <a:t>First element at index: 0</a:t>
-            </a:r>
-          </a:p>
-          <a:p>
-            <a:r>
-              <a:rPr lang="en-US" dirty="0"/>
-              <a:t>Last element at index: len()-1</a:t>
-            </a:r>
-          </a:p>
-          <a:p>
-            <a:r>
-              <a:rPr lang="en-US" dirty="0"/>
-              <a:t>What sort of information would fit into a list?</a:t>
-            </a:r>
+            <a:endParaRPr lang="en-US" dirty="0"/>
           </a:p>
         </p:txBody>
       </p:sp>
@@ -9541,7 +9529,7 @@
           <a:p>
             <a:fld id="{A596092B-28C7-44D1-B902-5437B333DFB7}" type="datetime1">
               <a:rPr lang="en-US" smtClean="0"/>
-              <a:t>6/11/2020</a:t>
+              <a:t>6/18/2020</a:t>
             </a:fld>
             <a:endParaRPr lang="en-US" dirty="0"/>
           </a:p>
@@ -9595,7 +9583,7 @@
     </p:spTree>
     <p:extLst>
       <p:ext uri="{BB962C8B-B14F-4D97-AF65-F5344CB8AC3E}">
-        <p14:creationId xmlns:p14="http://schemas.microsoft.com/office/powerpoint/2010/main" val="3221926527"/>
+        <p14:creationId xmlns:p14="http://schemas.microsoft.com/office/powerpoint/2010/main" val="2136696378"/>
       </p:ext>
     </p:extLst>
   </p:cSld>
@@ -9710,7 +9698,7 @@
           <a:p>
             <a:fld id="{A596092B-28C7-44D1-B902-5437B333DFB7}" type="datetime1">
               <a:rPr lang="en-US" smtClean="0"/>
-              <a:t>6/11/2020</a:t>
+              <a:t>6/18/2020</a:t>
             </a:fld>
             <a:endParaRPr lang="en-US" dirty="0"/>
           </a:p>
@@ -9818,10 +9806,7 @@
           <a:bodyPr/>
           <a:lstStyle/>
           <a:p>
-            <a:r>
-              <a:rPr lang="en-US" dirty="0"/>
-              <a:t>What sort of information would fit into a string?</a:t>
-            </a:r>
+            <a:endParaRPr lang="en-US" dirty="0"/>
           </a:p>
         </p:txBody>
       </p:sp>
@@ -9864,7 +9849,7 @@
           <a:p>
             <a:fld id="{A596092B-28C7-44D1-B902-5437B333DFB7}" type="datetime1">
               <a:rPr lang="en-US" smtClean="0"/>
-              <a:t>6/11/2020</a:t>
+              <a:t>6/18/2020</a:t>
             </a:fld>
             <a:endParaRPr lang="en-US" dirty="0"/>
           </a:p>
@@ -9918,7 +9903,7 @@
     </p:spTree>
     <p:extLst>
       <p:ext uri="{BB962C8B-B14F-4D97-AF65-F5344CB8AC3E}">
-        <p14:creationId xmlns:p14="http://schemas.microsoft.com/office/powerpoint/2010/main" val="3807818594"/>
+        <p14:creationId xmlns:p14="http://schemas.microsoft.com/office/powerpoint/2010/main" val="923435578"/>
       </p:ext>
     </p:extLst>
   </p:cSld>
@@ -9972,32 +9957,7 @@
           <a:bodyPr/>
           <a:lstStyle/>
           <a:p>
-            <a:r>
-              <a:rPr lang="en-US" dirty="0"/>
-              <a:t>Not modifiable == immutable</a:t>
-            </a:r>
-          </a:p>
-          <a:p>
-            <a:r>
-              <a:rPr lang="en-US" dirty="0"/>
-              <a:t>Don't change – replace  - a </a:t>
-            </a:r>
-            <a:r>
-              <a:rPr lang="en-US" b="1" dirty="0"/>
-              <a:t>=</a:t>
-            </a:r>
-            <a:r>
-              <a:rPr lang="en-US" dirty="0"/>
-              <a:t> (</a:t>
-            </a:r>
-            <a:r>
-              <a:rPr lang="en-US" i="1" dirty="0"/>
-              <a:t>do stuff with a or parts of a</a:t>
-            </a:r>
-            <a:r>
-              <a:rPr lang="en-US" dirty="0"/>
-              <a:t>)</a:t>
-            </a:r>
+            <a:endParaRPr lang="en-US" dirty="0"/>
           </a:p>
         </p:txBody>
       </p:sp>
@@ -10040,7 +10000,7 @@
           <a:p>
             <a:fld id="{A596092B-28C7-44D1-B902-5437B333DFB7}" type="datetime1">
               <a:rPr lang="en-US" smtClean="0"/>
-              <a:t>6/11/2020</a:t>
+              <a:t>6/18/2020</a:t>
             </a:fld>
             <a:endParaRPr lang="en-US" dirty="0"/>
           </a:p>
@@ -10094,7 +10054,7 @@
     </p:spTree>
     <p:extLst>
       <p:ext uri="{BB962C8B-B14F-4D97-AF65-F5344CB8AC3E}">
-        <p14:creationId xmlns:p14="http://schemas.microsoft.com/office/powerpoint/2010/main" val="994174825"/>
+        <p14:creationId xmlns:p14="http://schemas.microsoft.com/office/powerpoint/2010/main" val="400728188"/>
       </p:ext>
     </p:extLst>
   </p:cSld>
@@ -10150,29 +10110,19 @@
           <a:p>
             <a:r>
               <a:rPr lang="en-US" dirty="0"/>
-              <a:t>Not modifiable == immutable</a:t>
-            </a:r>
-          </a:p>
-          <a:p>
-            <a:r>
-              <a:rPr lang="en-US" dirty="0"/>
-              <a:t>Don't change – replace  - a </a:t>
-            </a:r>
-            <a:r>
-              <a:rPr lang="en-US" b="1" dirty="0"/>
-              <a:t>=</a:t>
-            </a:r>
-            <a:r>
-              <a:rPr lang="en-US" dirty="0"/>
-              <a:t> (</a:t>
-            </a:r>
-            <a:r>
-              <a:rPr lang="en-US" i="1" dirty="0"/>
-              <a:t>do stuff with a or parts of a</a:t>
-            </a:r>
-            <a:r>
-              <a:rPr lang="en-US" dirty="0"/>
-              <a:t>)</a:t>
+              <a:t>First element at index: 0</a:t>
+            </a:r>
+          </a:p>
+          <a:p>
+            <a:r>
+              <a:rPr lang="en-US" dirty="0"/>
+              <a:t>Last element at index: len()-1</a:t>
+            </a:r>
+          </a:p>
+          <a:p>
+            <a:r>
+              <a:rPr lang="en-US" dirty="0"/>
+              <a:t>What sort of information would fit into a list?</a:t>
             </a:r>
           </a:p>
         </p:txBody>
@@ -10216,7 +10166,7 @@
           <a:p>
             <a:fld id="{A596092B-28C7-44D1-B902-5437B333DFB7}" type="datetime1">
               <a:rPr lang="en-US" smtClean="0"/>
-              <a:t>6/11/2020</a:t>
+              <a:t>6/18/2020</a:t>
             </a:fld>
             <a:endParaRPr lang="en-US" dirty="0"/>
           </a:p>
@@ -10270,7 +10220,7 @@
     </p:spTree>
     <p:extLst>
       <p:ext uri="{BB962C8B-B14F-4D97-AF65-F5344CB8AC3E}">
-        <p14:creationId xmlns:p14="http://schemas.microsoft.com/office/powerpoint/2010/main" val="3131221861"/>
+        <p14:creationId xmlns:p14="http://schemas.microsoft.com/office/powerpoint/2010/main" val="3221926527"/>
       </p:ext>
     </p:extLst>
   </p:cSld>
@@ -10326,7 +10276,7 @@
           <a:p>
             <a:r>
               <a:rPr lang="en-US" dirty="0"/>
-              <a:t>What sort of information would fit into a dictionary?</a:t>
+              <a:t>What sort of information would fit into a string?</a:t>
             </a:r>
           </a:p>
         </p:txBody>
@@ -10370,7 +10320,7 @@
           <a:p>
             <a:fld id="{A596092B-28C7-44D1-B902-5437B333DFB7}" type="datetime1">
               <a:rPr lang="en-US" smtClean="0"/>
-              <a:t>6/11/2020</a:t>
+              <a:t>6/18/2020</a:t>
             </a:fld>
             <a:endParaRPr lang="en-US" dirty="0"/>
           </a:p>
@@ -10424,7 +10374,7 @@
     </p:spTree>
     <p:extLst>
       <p:ext uri="{BB962C8B-B14F-4D97-AF65-F5344CB8AC3E}">
-        <p14:creationId xmlns:p14="http://schemas.microsoft.com/office/powerpoint/2010/main" val="3482776659"/>
+        <p14:creationId xmlns:p14="http://schemas.microsoft.com/office/powerpoint/2010/main" val="3807818594"/>
       </p:ext>
     </p:extLst>
   </p:cSld>
@@ -10480,7 +10430,29 @@
           <a:p>
             <a:r>
               <a:rPr lang="en-US" dirty="0"/>
-              <a:t>.</a:t>
+              <a:t>Not modifiable == immutable</a:t>
+            </a:r>
+          </a:p>
+          <a:p>
+            <a:r>
+              <a:rPr lang="en-US" dirty="0"/>
+              <a:t>Don't change – replace  - a </a:t>
+            </a:r>
+            <a:r>
+              <a:rPr lang="en-US" b="1" dirty="0"/>
+              <a:t>=</a:t>
+            </a:r>
+            <a:r>
+              <a:rPr lang="en-US" dirty="0"/>
+              <a:t> (</a:t>
+            </a:r>
+            <a:r>
+              <a:rPr lang="en-US" i="1" dirty="0"/>
+              <a:t>do stuff with a or parts of a</a:t>
+            </a:r>
+            <a:r>
+              <a:rPr lang="en-US" dirty="0"/>
+              <a:t>)</a:t>
             </a:r>
           </a:p>
         </p:txBody>
@@ -10524,7 +10496,7 @@
           <a:p>
             <a:fld id="{A596092B-28C7-44D1-B902-5437B333DFB7}" type="datetime1">
               <a:rPr lang="en-US" smtClean="0"/>
-              <a:t>6/11/2020</a:t>
+              <a:t>6/18/2020</a:t>
             </a:fld>
             <a:endParaRPr lang="en-US" dirty="0"/>
           </a:p>
@@ -10578,7 +10550,7 @@
     </p:spTree>
     <p:extLst>
       <p:ext uri="{BB962C8B-B14F-4D97-AF65-F5344CB8AC3E}">
-        <p14:creationId xmlns:p14="http://schemas.microsoft.com/office/powerpoint/2010/main" val="1662508237"/>
+        <p14:creationId xmlns:p14="http://schemas.microsoft.com/office/powerpoint/2010/main" val="994174825"/>
       </p:ext>
     </p:extLst>
   </p:cSld>
@@ -10634,7 +10606,29 @@
           <a:p>
             <a:r>
               <a:rPr lang="en-US" dirty="0"/>
-              <a:t>.</a:t>
+              <a:t>Not modifiable == immutable</a:t>
+            </a:r>
+          </a:p>
+          <a:p>
+            <a:r>
+              <a:rPr lang="en-US" dirty="0"/>
+              <a:t>Don't change – replace  - a </a:t>
+            </a:r>
+            <a:r>
+              <a:rPr lang="en-US" b="1" dirty="0"/>
+              <a:t>=</a:t>
+            </a:r>
+            <a:r>
+              <a:rPr lang="en-US" dirty="0"/>
+              <a:t> (</a:t>
+            </a:r>
+            <a:r>
+              <a:rPr lang="en-US" i="1" dirty="0"/>
+              <a:t>do stuff with a or parts of a</a:t>
+            </a:r>
+            <a:r>
+              <a:rPr lang="en-US" dirty="0"/>
+              <a:t>)</a:t>
             </a:r>
           </a:p>
         </p:txBody>
@@ -10678,7 +10672,7 @@
           <a:p>
             <a:fld id="{A596092B-28C7-44D1-B902-5437B333DFB7}" type="datetime1">
               <a:rPr lang="en-US" smtClean="0"/>
-              <a:t>6/11/2020</a:t>
+              <a:t>6/18/2020</a:t>
             </a:fld>
             <a:endParaRPr lang="en-US" dirty="0"/>
           </a:p>
@@ -10732,7 +10726,7 @@
     </p:spTree>
     <p:extLst>
       <p:ext uri="{BB962C8B-B14F-4D97-AF65-F5344CB8AC3E}">
-        <p14:creationId xmlns:p14="http://schemas.microsoft.com/office/powerpoint/2010/main" val="1093777137"/>
+        <p14:creationId xmlns:p14="http://schemas.microsoft.com/office/powerpoint/2010/main" val="3131221861"/>
       </p:ext>
     </p:extLst>
   </p:cSld>
@@ -10788,7 +10782,7 @@
           <a:p>
             <a:r>
               <a:rPr lang="en-US" dirty="0"/>
-              <a:t>.</a:t>
+              <a:t>What sort of information would fit into a dictionary?</a:t>
             </a:r>
           </a:p>
         </p:txBody>
@@ -10832,7 +10826,7 @@
           <a:p>
             <a:fld id="{A596092B-28C7-44D1-B902-5437B333DFB7}" type="datetime1">
               <a:rPr lang="en-US" smtClean="0"/>
-              <a:t>6/11/2020</a:t>
+              <a:t>6/18/2020</a:t>
             </a:fld>
             <a:endParaRPr lang="en-US" dirty="0"/>
           </a:p>
@@ -10886,7 +10880,7 @@
     </p:spTree>
     <p:extLst>
       <p:ext uri="{BB962C8B-B14F-4D97-AF65-F5344CB8AC3E}">
-        <p14:creationId xmlns:p14="http://schemas.microsoft.com/office/powerpoint/2010/main" val="1978023113"/>
+        <p14:creationId xmlns:p14="http://schemas.microsoft.com/office/powerpoint/2010/main" val="3482776659"/>
       </p:ext>
     </p:extLst>
   </p:cSld>
@@ -10986,7 +10980,7 @@
           <a:p>
             <a:fld id="{A596092B-28C7-44D1-B902-5437B333DFB7}" type="datetime1">
               <a:rPr lang="en-US" smtClean="0"/>
-              <a:t>6/11/2020</a:t>
+              <a:t>6/18/2020</a:t>
             </a:fld>
             <a:endParaRPr lang="en-US" dirty="0"/>
           </a:p>
@@ -11040,7 +11034,7 @@
     </p:spTree>
     <p:extLst>
       <p:ext uri="{BB962C8B-B14F-4D97-AF65-F5344CB8AC3E}">
-        <p14:creationId xmlns:p14="http://schemas.microsoft.com/office/powerpoint/2010/main" val="957786998"/>
+        <p14:creationId xmlns:p14="http://schemas.microsoft.com/office/powerpoint/2010/main" val="1662508237"/>
       </p:ext>
     </p:extLst>
   </p:cSld>
@@ -11140,7 +11134,7 @@
           <a:p>
             <a:fld id="{A596092B-28C7-44D1-B902-5437B333DFB7}" type="datetime1">
               <a:rPr lang="en-US" smtClean="0"/>
-              <a:t>6/11/2020</a:t>
+              <a:t>6/18/2020</a:t>
             </a:fld>
             <a:endParaRPr lang="en-US" dirty="0"/>
           </a:p>
@@ -11194,7 +11188,7 @@
     </p:spTree>
     <p:extLst>
       <p:ext uri="{BB962C8B-B14F-4D97-AF65-F5344CB8AC3E}">
-        <p14:creationId xmlns:p14="http://schemas.microsoft.com/office/powerpoint/2010/main" val="2032148651"/>
+        <p14:creationId xmlns:p14="http://schemas.microsoft.com/office/powerpoint/2010/main" val="1093777137"/>
       </p:ext>
     </p:extLst>
   </p:cSld>
@@ -11294,7 +11288,7 @@
           <a:p>
             <a:fld id="{A596092B-28C7-44D1-B902-5437B333DFB7}" type="datetime1">
               <a:rPr lang="en-US" smtClean="0"/>
-              <a:t>6/11/2020</a:t>
+              <a:t>6/18/2020</a:t>
             </a:fld>
             <a:endParaRPr lang="en-US" dirty="0"/>
           </a:p>
@@ -11348,7 +11342,7 @@
     </p:spTree>
     <p:extLst>
       <p:ext uri="{BB962C8B-B14F-4D97-AF65-F5344CB8AC3E}">
-        <p14:creationId xmlns:p14="http://schemas.microsoft.com/office/powerpoint/2010/main" val="3615354541"/>
+        <p14:creationId xmlns:p14="http://schemas.microsoft.com/office/powerpoint/2010/main" val="1978023113"/>
       </p:ext>
     </p:extLst>
   </p:cSld>
@@ -11451,7 +11445,7 @@
           <a:p>
             <a:fld id="{A596092B-28C7-44D1-B902-5437B333DFB7}" type="datetime1">
               <a:rPr lang="en-US" smtClean="0"/>
-              <a:t>6/11/2020</a:t>
+              <a:t>6/18/2020</a:t>
             </a:fld>
             <a:endParaRPr lang="en-US" dirty="0"/>
           </a:p>
@@ -11561,19 +11555,7 @@
           <a:p>
             <a:r>
               <a:rPr lang="en-US" dirty="0"/>
-              <a:t>File, as a named group of bytes is an abstraction.</a:t>
-            </a:r>
-          </a:p>
-          <a:p>
-            <a:r>
-              <a:rPr lang="en-US" dirty="0"/>
-              <a:t>Years ago the programmer needed to understand more about the structure.</a:t>
-            </a:r>
-          </a:p>
-          <a:p>
-            <a:r>
-              <a:rPr lang="en-US" dirty="0"/>
-              <a:t>Your Python program is a data file to some program(s).</a:t>
+              <a:t>.</a:t>
             </a:r>
           </a:p>
         </p:txBody>
@@ -11585,7 +11567,7 @@
             <a:spLocks noGrp="1"/>
           </p:cNvSpPr>
           <p:nvPr>
-            <p:ph type="hdr" sz="quarter"/>
+            <p:ph type="hdr" sz="quarter" idx="10"/>
           </p:nvPr>
         </p:nvSpPr>
         <p:spPr/>
@@ -11607,7 +11589,7 @@
             <a:spLocks noGrp="1"/>
           </p:cNvSpPr>
           <p:nvPr>
-            <p:ph type="dt" idx="1"/>
+            <p:ph type="dt" idx="11"/>
           </p:nvPr>
         </p:nvSpPr>
         <p:spPr/>
@@ -11617,7 +11599,7 @@
           <a:p>
             <a:fld id="{A596092B-28C7-44D1-B902-5437B333DFB7}" type="datetime1">
               <a:rPr lang="en-US" smtClean="0"/>
-              <a:t>6/11/2020</a:t>
+              <a:t>6/18/2020</a:t>
             </a:fld>
             <a:endParaRPr lang="en-US" dirty="0"/>
           </a:p>
@@ -11630,7 +11612,7 @@
             <a:spLocks noGrp="1"/>
           </p:cNvSpPr>
           <p:nvPr>
-            <p:ph type="ftr" sz="quarter" idx="4"/>
+            <p:ph type="ftr" sz="quarter" idx="12"/>
           </p:nvPr>
         </p:nvSpPr>
         <p:spPr/>
@@ -11652,7 +11634,7 @@
             <a:spLocks noGrp="1"/>
           </p:cNvSpPr>
           <p:nvPr>
-            <p:ph type="sldNum" sz="quarter" idx="5"/>
+            <p:ph type="sldNum" sz="quarter" idx="13"/>
           </p:nvPr>
         </p:nvSpPr>
         <p:spPr/>
@@ -11671,7 +11653,7 @@
     </p:spTree>
     <p:extLst>
       <p:ext uri="{BB962C8B-B14F-4D97-AF65-F5344CB8AC3E}">
-        <p14:creationId xmlns:p14="http://schemas.microsoft.com/office/powerpoint/2010/main" val="1851914563"/>
+        <p14:creationId xmlns:p14="http://schemas.microsoft.com/office/powerpoint/2010/main" val="957786998"/>
       </p:ext>
     </p:extLst>
   </p:cSld>
@@ -11727,19 +11709,7 @@
           <a:p>
             <a:r>
               <a:rPr lang="en-US" dirty="0"/>
-              <a:t>File, as a named group of bytes is an abstraction.</a:t>
-            </a:r>
-          </a:p>
-          <a:p>
-            <a:r>
-              <a:rPr lang="en-US" dirty="0"/>
-              <a:t>Years ago the programmer needed to understand more about the structure.</a:t>
-            </a:r>
-          </a:p>
-          <a:p>
-            <a:r>
-              <a:rPr lang="en-US" dirty="0"/>
-              <a:t>Your Python program is a data file to some program(s).</a:t>
+              <a:t>.</a:t>
             </a:r>
           </a:p>
         </p:txBody>
@@ -11751,7 +11721,7 @@
             <a:spLocks noGrp="1"/>
           </p:cNvSpPr>
           <p:nvPr>
-            <p:ph type="hdr" sz="quarter"/>
+            <p:ph type="hdr" sz="quarter" idx="10"/>
           </p:nvPr>
         </p:nvSpPr>
         <p:spPr/>
@@ -11773,7 +11743,7 @@
             <a:spLocks noGrp="1"/>
           </p:cNvSpPr>
           <p:nvPr>
-            <p:ph type="dt" idx="1"/>
+            <p:ph type="dt" idx="11"/>
           </p:nvPr>
         </p:nvSpPr>
         <p:spPr/>
@@ -11783,7 +11753,7 @@
           <a:p>
             <a:fld id="{A596092B-28C7-44D1-B902-5437B333DFB7}" type="datetime1">
               <a:rPr lang="en-US" smtClean="0"/>
-              <a:t>6/11/2020</a:t>
+              <a:t>6/18/2020</a:t>
             </a:fld>
             <a:endParaRPr lang="en-US" dirty="0"/>
           </a:p>
@@ -11796,7 +11766,7 @@
             <a:spLocks noGrp="1"/>
           </p:cNvSpPr>
           <p:nvPr>
-            <p:ph type="ftr" sz="quarter" idx="4"/>
+            <p:ph type="ftr" sz="quarter" idx="12"/>
           </p:nvPr>
         </p:nvSpPr>
         <p:spPr/>
@@ -11818,7 +11788,7 @@
             <a:spLocks noGrp="1"/>
           </p:cNvSpPr>
           <p:nvPr>
-            <p:ph type="sldNum" sz="quarter" idx="5"/>
+            <p:ph type="sldNum" sz="quarter" idx="13"/>
           </p:nvPr>
         </p:nvSpPr>
         <p:spPr/>
@@ -11837,7 +11807,7 @@
     </p:spTree>
     <p:extLst>
       <p:ext uri="{BB962C8B-B14F-4D97-AF65-F5344CB8AC3E}">
-        <p14:creationId xmlns:p14="http://schemas.microsoft.com/office/powerpoint/2010/main" val="2125850708"/>
+        <p14:creationId xmlns:p14="http://schemas.microsoft.com/office/powerpoint/2010/main" val="2032148651"/>
       </p:ext>
     </p:extLst>
   </p:cSld>
@@ -11893,19 +11863,7 @@
           <a:p>
             <a:r>
               <a:rPr lang="en-US" dirty="0"/>
-              <a:t>Note: print adds a newline at the end by default.</a:t>
-            </a:r>
-          </a:p>
-          <a:p>
-            <a:r>
-              <a:rPr lang="en-US" dirty="0"/>
-              <a:t>To avoid this, use the end="" parameter to replace the default newline with "".</a:t>
-            </a:r>
-          </a:p>
-          <a:p>
-            <a:r>
-              <a:rPr lang="en-US" dirty="0"/>
-              <a:t>e.g.</a:t>
+              <a:t>.</a:t>
             </a:r>
           </a:p>
         </p:txBody>
@@ -11917,7 +11875,7 @@
             <a:spLocks noGrp="1"/>
           </p:cNvSpPr>
           <p:nvPr>
-            <p:ph type="hdr" sz="quarter"/>
+            <p:ph type="hdr" sz="quarter" idx="10"/>
           </p:nvPr>
         </p:nvSpPr>
         <p:spPr/>
@@ -11939,7 +11897,7 @@
             <a:spLocks noGrp="1"/>
           </p:cNvSpPr>
           <p:nvPr>
-            <p:ph type="dt" idx="1"/>
+            <p:ph type="dt" idx="11"/>
           </p:nvPr>
         </p:nvSpPr>
         <p:spPr/>
@@ -11949,7 +11907,7 @@
           <a:p>
             <a:fld id="{A596092B-28C7-44D1-B902-5437B333DFB7}" type="datetime1">
               <a:rPr lang="en-US" smtClean="0"/>
-              <a:t>6/11/2020</a:t>
+              <a:t>6/18/2020</a:t>
             </a:fld>
             <a:endParaRPr lang="en-US" dirty="0"/>
           </a:p>
@@ -11962,7 +11920,7 @@
             <a:spLocks noGrp="1"/>
           </p:cNvSpPr>
           <p:nvPr>
-            <p:ph type="ftr" sz="quarter" idx="4"/>
+            <p:ph type="ftr" sz="quarter" idx="12"/>
           </p:nvPr>
         </p:nvSpPr>
         <p:spPr/>
@@ -11984,7 +11942,7 @@
             <a:spLocks noGrp="1"/>
           </p:cNvSpPr>
           <p:nvPr>
-            <p:ph type="sldNum" sz="quarter" idx="5"/>
+            <p:ph type="sldNum" sz="quarter" idx="13"/>
           </p:nvPr>
         </p:nvSpPr>
         <p:spPr/>
@@ -12003,7 +11961,7 @@
     </p:spTree>
     <p:extLst>
       <p:ext uri="{BB962C8B-B14F-4D97-AF65-F5344CB8AC3E}">
-        <p14:creationId xmlns:p14="http://schemas.microsoft.com/office/powerpoint/2010/main" val="2979141169"/>
+        <p14:creationId xmlns:p14="http://schemas.microsoft.com/office/powerpoint/2010/main" val="3615354541"/>
       </p:ext>
     </p:extLst>
   </p:cSld>
@@ -12059,7 +12017,19 @@
           <a:p>
             <a:r>
               <a:rPr lang="en-US" dirty="0"/>
-              <a:t>Open modes "r" –read, "w" – write, "a" - append</a:t>
+              <a:t>File, as a named group of bytes is an abstraction.</a:t>
+            </a:r>
+          </a:p>
+          <a:p>
+            <a:r>
+              <a:rPr lang="en-US" dirty="0"/>
+              <a:t>Years ago the programmer needed to understand more about the structure.</a:t>
+            </a:r>
+          </a:p>
+          <a:p>
+            <a:r>
+              <a:rPr lang="en-US" dirty="0"/>
+              <a:t>Your Python program is a data file to some program(s).</a:t>
             </a:r>
           </a:p>
         </p:txBody>
@@ -12103,7 +12073,7 @@
           <a:p>
             <a:fld id="{A596092B-28C7-44D1-B902-5437B333DFB7}" type="datetime1">
               <a:rPr lang="en-US" smtClean="0"/>
-              <a:t>6/11/2020</a:t>
+              <a:t>6/18/2020</a:t>
             </a:fld>
             <a:endParaRPr lang="en-US" dirty="0"/>
           </a:p>
@@ -12157,7 +12127,7 @@
     </p:spTree>
     <p:extLst>
       <p:ext uri="{BB962C8B-B14F-4D97-AF65-F5344CB8AC3E}">
-        <p14:creationId xmlns:p14="http://schemas.microsoft.com/office/powerpoint/2010/main" val="2995727454"/>
+        <p14:creationId xmlns:p14="http://schemas.microsoft.com/office/powerpoint/2010/main" val="1851914563"/>
       </p:ext>
     </p:extLst>
   </p:cSld>
@@ -12213,13 +12183,19 @@
           <a:p>
             <a:r>
               <a:rPr lang="en-US" dirty="0"/>
-              <a:t>What are the benefits of save / modify approach?</a:t>
-            </a:r>
-          </a:p>
-          <a:p>
-            <a:r>
-              <a:rPr lang="en-US" dirty="0"/>
-              <a:t>What are the pitfalls?</a:t>
+              <a:t>File, as a named group of bytes is an abstraction.</a:t>
+            </a:r>
+          </a:p>
+          <a:p>
+            <a:r>
+              <a:rPr lang="en-US" dirty="0"/>
+              <a:t>Years ago the programmer needed to understand more about the structure.</a:t>
+            </a:r>
+          </a:p>
+          <a:p>
+            <a:r>
+              <a:rPr lang="en-US" dirty="0"/>
+              <a:t>Your Python program is a data file to some program(s).</a:t>
             </a:r>
           </a:p>
         </p:txBody>
@@ -12263,7 +12239,7 @@
           <a:p>
             <a:fld id="{A596092B-28C7-44D1-B902-5437B333DFB7}" type="datetime1">
               <a:rPr lang="en-US" smtClean="0"/>
-              <a:t>6/11/2020</a:t>
+              <a:t>6/18/2020</a:t>
             </a:fld>
             <a:endParaRPr lang="en-US" dirty="0"/>
           </a:p>
@@ -12317,7 +12293,7 @@
     </p:spTree>
     <p:extLst>
       <p:ext uri="{BB962C8B-B14F-4D97-AF65-F5344CB8AC3E}">
-        <p14:creationId xmlns:p14="http://schemas.microsoft.com/office/powerpoint/2010/main" val="3523079171"/>
+        <p14:creationId xmlns:p14="http://schemas.microsoft.com/office/powerpoint/2010/main" val="2125850708"/>
       </p:ext>
     </p:extLst>
   </p:cSld>
@@ -12371,7 +12347,22 @@
           <a:bodyPr/>
           <a:lstStyle/>
           <a:p>
-            <a:endParaRPr lang="en-US" dirty="0"/>
+            <a:r>
+              <a:rPr lang="en-US" dirty="0"/>
+              <a:t>Note: print adds a newline at the end by default.</a:t>
+            </a:r>
+          </a:p>
+          <a:p>
+            <a:r>
+              <a:rPr lang="en-US" dirty="0"/>
+              <a:t>To avoid this, use the end="" parameter to replace the default newline with "".</a:t>
+            </a:r>
+          </a:p>
+          <a:p>
+            <a:r>
+              <a:rPr lang="en-US" dirty="0"/>
+              <a:t>e.g.</a:t>
+            </a:r>
           </a:p>
         </p:txBody>
       </p:sp>
@@ -12414,7 +12405,7 @@
           <a:p>
             <a:fld id="{A596092B-28C7-44D1-B902-5437B333DFB7}" type="datetime1">
               <a:rPr lang="en-US" smtClean="0"/>
-              <a:t>6/11/2020</a:t>
+              <a:t>6/18/2020</a:t>
             </a:fld>
             <a:endParaRPr lang="en-US" dirty="0"/>
           </a:p>
@@ -12468,7 +12459,7 @@
     </p:spTree>
     <p:extLst>
       <p:ext uri="{BB962C8B-B14F-4D97-AF65-F5344CB8AC3E}">
-        <p14:creationId xmlns:p14="http://schemas.microsoft.com/office/powerpoint/2010/main" val="361679336"/>
+        <p14:creationId xmlns:p14="http://schemas.microsoft.com/office/powerpoint/2010/main" val="2979141169"/>
       </p:ext>
     </p:extLst>
   </p:cSld>
@@ -12522,7 +12513,10 @@
           <a:bodyPr/>
           <a:lstStyle/>
           <a:p>
-            <a:endParaRPr lang="en-US" dirty="0"/>
+            <a:r>
+              <a:rPr lang="en-US" dirty="0"/>
+              <a:t>Open modes "r" –read, "w" – write, "a" - append</a:t>
+            </a:r>
           </a:p>
         </p:txBody>
       </p:sp>
@@ -12565,7 +12559,7 @@
           <a:p>
             <a:fld id="{A596092B-28C7-44D1-B902-5437B333DFB7}" type="datetime1">
               <a:rPr lang="en-US" smtClean="0"/>
-              <a:t>6/11/2020</a:t>
+              <a:t>6/18/2020</a:t>
             </a:fld>
             <a:endParaRPr lang="en-US" dirty="0"/>
           </a:p>
@@ -12619,7 +12613,7 @@
     </p:spTree>
     <p:extLst>
       <p:ext uri="{BB962C8B-B14F-4D97-AF65-F5344CB8AC3E}">
-        <p14:creationId xmlns:p14="http://schemas.microsoft.com/office/powerpoint/2010/main" val="2601865927"/>
+        <p14:creationId xmlns:p14="http://schemas.microsoft.com/office/powerpoint/2010/main" val="2995727454"/>
       </p:ext>
     </p:extLst>
   </p:cSld>
@@ -12673,7 +12667,16 @@
           <a:bodyPr/>
           <a:lstStyle/>
           <a:p>
-            <a:endParaRPr lang="en-US" dirty="0"/>
+            <a:r>
+              <a:rPr lang="en-US" dirty="0"/>
+              <a:t>What are the benefits of save / modify approach?</a:t>
+            </a:r>
+          </a:p>
+          <a:p>
+            <a:r>
+              <a:rPr lang="en-US" dirty="0"/>
+              <a:t>What are the pitfalls?</a:t>
+            </a:r>
           </a:p>
         </p:txBody>
       </p:sp>
@@ -12716,7 +12719,7 @@
           <a:p>
             <a:fld id="{A596092B-28C7-44D1-B902-5437B333DFB7}" type="datetime1">
               <a:rPr lang="en-US" smtClean="0"/>
-              <a:t>6/11/2020</a:t>
+              <a:t>6/18/2020</a:t>
             </a:fld>
             <a:endParaRPr lang="en-US" dirty="0"/>
           </a:p>
@@ -12770,7 +12773,7 @@
     </p:spTree>
     <p:extLst>
       <p:ext uri="{BB962C8B-B14F-4D97-AF65-F5344CB8AC3E}">
-        <p14:creationId xmlns:p14="http://schemas.microsoft.com/office/powerpoint/2010/main" val="1762397798"/>
+        <p14:creationId xmlns:p14="http://schemas.microsoft.com/office/powerpoint/2010/main" val="3523079171"/>
       </p:ext>
     </p:extLst>
   </p:cSld>
@@ -12867,7 +12870,7 @@
           <a:p>
             <a:fld id="{A596092B-28C7-44D1-B902-5437B333DFB7}" type="datetime1">
               <a:rPr lang="en-US" smtClean="0"/>
-              <a:t>6/11/2020</a:t>
+              <a:t>6/18/2020</a:t>
             </a:fld>
             <a:endParaRPr lang="en-US" dirty="0"/>
           </a:p>
@@ -12921,7 +12924,7 @@
     </p:spTree>
     <p:extLst>
       <p:ext uri="{BB962C8B-B14F-4D97-AF65-F5344CB8AC3E}">
-        <p14:creationId xmlns:p14="http://schemas.microsoft.com/office/powerpoint/2010/main" val="2998011997"/>
+        <p14:creationId xmlns:p14="http://schemas.microsoft.com/office/powerpoint/2010/main" val="361679336"/>
       </p:ext>
     </p:extLst>
   </p:cSld>
@@ -13018,7 +13021,7 @@
           <a:p>
             <a:fld id="{A596092B-28C7-44D1-B902-5437B333DFB7}" type="datetime1">
               <a:rPr lang="en-US" smtClean="0"/>
-              <a:t>6/11/2020</a:t>
+              <a:t>6/18/2020</a:t>
             </a:fld>
             <a:endParaRPr lang="en-US" dirty="0"/>
           </a:p>
@@ -13072,7 +13075,7 @@
     </p:spTree>
     <p:extLst>
       <p:ext uri="{BB962C8B-B14F-4D97-AF65-F5344CB8AC3E}">
-        <p14:creationId xmlns:p14="http://schemas.microsoft.com/office/powerpoint/2010/main" val="1028314933"/>
+        <p14:creationId xmlns:p14="http://schemas.microsoft.com/office/powerpoint/2010/main" val="2601865927"/>
       </p:ext>
     </p:extLst>
   </p:cSld>
@@ -13175,7 +13178,7 @@
           <a:p>
             <a:fld id="{A596092B-28C7-44D1-B902-5437B333DFB7}" type="datetime1">
               <a:rPr lang="en-US" smtClean="0"/>
-              <a:t>6/11/2020</a:t>
+              <a:t>6/18/2020</a:t>
             </a:fld>
             <a:endParaRPr lang="en-US" dirty="0"/>
           </a:p>
@@ -13230,6 +13233,459 @@
     <p:extLst>
       <p:ext uri="{BB962C8B-B14F-4D97-AF65-F5344CB8AC3E}">
         <p14:creationId xmlns:p14="http://schemas.microsoft.com/office/powerpoint/2010/main" val="3920849452"/>
+      </p:ext>
+    </p:extLst>
+  </p:cSld>
+  <p:clrMapOvr>
+    <a:masterClrMapping/>
+  </p:clrMapOvr>
+</p:notes>
+</file>
+
+<file path=ppt/notesSlides/notesSlide80.xml><?xml version="1.0" encoding="utf-8"?>
+<p:notes xmlns:a="http://schemas.openxmlformats.org/drawingml/2006/main" xmlns:r="http://schemas.openxmlformats.org/officeDocument/2006/relationships" xmlns:p="http://schemas.openxmlformats.org/presentationml/2006/main">
+  <p:cSld>
+    <p:spTree>
+      <p:nvGrpSpPr>
+        <p:cNvPr id="1" name=""/>
+        <p:cNvGrpSpPr/>
+        <p:nvPr/>
+      </p:nvGrpSpPr>
+      <p:grpSpPr>
+        <a:xfrm>
+          <a:off x="0" y="0"/>
+          <a:ext cx="0" cy="0"/>
+          <a:chOff x="0" y="0"/>
+          <a:chExt cx="0" cy="0"/>
+        </a:xfrm>
+      </p:grpSpPr>
+      <p:sp>
+        <p:nvSpPr>
+          <p:cNvPr id="2" name="Slide Image Placeholder 1"/>
+          <p:cNvSpPr>
+            <a:spLocks noGrp="1" noRot="1" noChangeAspect="1"/>
+          </p:cNvSpPr>
+          <p:nvPr>
+            <p:ph type="sldImg"/>
+          </p:nvPr>
+        </p:nvSpPr>
+        <p:spPr/>
+      </p:sp>
+      <p:sp>
+        <p:nvSpPr>
+          <p:cNvPr id="3" name="Notes Placeholder 2"/>
+          <p:cNvSpPr>
+            <a:spLocks noGrp="1"/>
+          </p:cNvSpPr>
+          <p:nvPr>
+            <p:ph type="body" idx="1"/>
+          </p:nvPr>
+        </p:nvSpPr>
+        <p:spPr/>
+        <p:txBody>
+          <a:bodyPr/>
+          <a:lstStyle/>
+          <a:p>
+            <a:endParaRPr lang="en-US" dirty="0"/>
+          </a:p>
+        </p:txBody>
+      </p:sp>
+      <p:sp>
+        <p:nvSpPr>
+          <p:cNvPr id="4" name="Header Placeholder 3"/>
+          <p:cNvSpPr>
+            <a:spLocks noGrp="1"/>
+          </p:cNvSpPr>
+          <p:nvPr>
+            <p:ph type="hdr" sz="quarter"/>
+          </p:nvPr>
+        </p:nvSpPr>
+        <p:spPr/>
+        <p:txBody>
+          <a:bodyPr/>
+          <a:lstStyle/>
+          <a:p>
+            <a:r>
+              <a:rPr lang="en-US" dirty="0"/>
+              <a:t>Introduction to Programming using Python</a:t>
+            </a:r>
+          </a:p>
+        </p:txBody>
+      </p:sp>
+      <p:sp>
+        <p:nvSpPr>
+          <p:cNvPr id="5" name="Date Placeholder 4"/>
+          <p:cNvSpPr>
+            <a:spLocks noGrp="1"/>
+          </p:cNvSpPr>
+          <p:nvPr>
+            <p:ph type="dt" idx="1"/>
+          </p:nvPr>
+        </p:nvSpPr>
+        <p:spPr/>
+        <p:txBody>
+          <a:bodyPr/>
+          <a:lstStyle/>
+          <a:p>
+            <a:fld id="{A596092B-28C7-44D1-B902-5437B333DFB7}" type="datetime1">
+              <a:rPr lang="en-US" smtClean="0"/>
+              <a:t>6/18/2020</a:t>
+            </a:fld>
+            <a:endParaRPr lang="en-US" dirty="0"/>
+          </a:p>
+        </p:txBody>
+      </p:sp>
+      <p:sp>
+        <p:nvSpPr>
+          <p:cNvPr id="6" name="Footer Placeholder 5"/>
+          <p:cNvSpPr>
+            <a:spLocks noGrp="1"/>
+          </p:cNvSpPr>
+          <p:nvPr>
+            <p:ph type="ftr" sz="quarter" idx="4"/>
+          </p:nvPr>
+        </p:nvSpPr>
+        <p:spPr/>
+        <p:txBody>
+          <a:bodyPr/>
+          <a:lstStyle/>
+          <a:p>
+            <a:r>
+              <a:rPr lang="en-US" dirty="0"/>
+              <a:t>raysmith@alum.mit.edu</a:t>
+            </a:r>
+          </a:p>
+        </p:txBody>
+      </p:sp>
+      <p:sp>
+        <p:nvSpPr>
+          <p:cNvPr id="7" name="Slide Number Placeholder 6"/>
+          <p:cNvSpPr>
+            <a:spLocks noGrp="1"/>
+          </p:cNvSpPr>
+          <p:nvPr>
+            <p:ph type="sldNum" sz="quarter" idx="5"/>
+          </p:nvPr>
+        </p:nvSpPr>
+        <p:spPr/>
+        <p:txBody>
+          <a:bodyPr/>
+          <a:lstStyle/>
+          <a:p>
+            <a:fld id="{BA791329-992B-4F83-8435-C33B0EC26DB3}" type="slidenum">
+              <a:rPr lang="en-US" smtClean="0"/>
+              <a:t>102</a:t>
+            </a:fld>
+            <a:endParaRPr lang="en-US" dirty="0"/>
+          </a:p>
+        </p:txBody>
+      </p:sp>
+    </p:spTree>
+    <p:extLst>
+      <p:ext uri="{BB962C8B-B14F-4D97-AF65-F5344CB8AC3E}">
+        <p14:creationId xmlns:p14="http://schemas.microsoft.com/office/powerpoint/2010/main" val="1762397798"/>
+      </p:ext>
+    </p:extLst>
+  </p:cSld>
+  <p:clrMapOvr>
+    <a:masterClrMapping/>
+  </p:clrMapOvr>
+</p:notes>
+</file>
+
+<file path=ppt/notesSlides/notesSlide81.xml><?xml version="1.0" encoding="utf-8"?>
+<p:notes xmlns:a="http://schemas.openxmlformats.org/drawingml/2006/main" xmlns:r="http://schemas.openxmlformats.org/officeDocument/2006/relationships" xmlns:p="http://schemas.openxmlformats.org/presentationml/2006/main">
+  <p:cSld>
+    <p:spTree>
+      <p:nvGrpSpPr>
+        <p:cNvPr id="1" name=""/>
+        <p:cNvGrpSpPr/>
+        <p:nvPr/>
+      </p:nvGrpSpPr>
+      <p:grpSpPr>
+        <a:xfrm>
+          <a:off x="0" y="0"/>
+          <a:ext cx="0" cy="0"/>
+          <a:chOff x="0" y="0"/>
+          <a:chExt cx="0" cy="0"/>
+        </a:xfrm>
+      </p:grpSpPr>
+      <p:sp>
+        <p:nvSpPr>
+          <p:cNvPr id="2" name="Slide Image Placeholder 1"/>
+          <p:cNvSpPr>
+            <a:spLocks noGrp="1" noRot="1" noChangeAspect="1"/>
+          </p:cNvSpPr>
+          <p:nvPr>
+            <p:ph type="sldImg"/>
+          </p:nvPr>
+        </p:nvSpPr>
+        <p:spPr/>
+      </p:sp>
+      <p:sp>
+        <p:nvSpPr>
+          <p:cNvPr id="3" name="Notes Placeholder 2"/>
+          <p:cNvSpPr>
+            <a:spLocks noGrp="1"/>
+          </p:cNvSpPr>
+          <p:nvPr>
+            <p:ph type="body" idx="1"/>
+          </p:nvPr>
+        </p:nvSpPr>
+        <p:spPr/>
+        <p:txBody>
+          <a:bodyPr/>
+          <a:lstStyle/>
+          <a:p>
+            <a:endParaRPr lang="en-US" dirty="0"/>
+          </a:p>
+        </p:txBody>
+      </p:sp>
+      <p:sp>
+        <p:nvSpPr>
+          <p:cNvPr id="4" name="Header Placeholder 3"/>
+          <p:cNvSpPr>
+            <a:spLocks noGrp="1"/>
+          </p:cNvSpPr>
+          <p:nvPr>
+            <p:ph type="hdr" sz="quarter"/>
+          </p:nvPr>
+        </p:nvSpPr>
+        <p:spPr/>
+        <p:txBody>
+          <a:bodyPr/>
+          <a:lstStyle/>
+          <a:p>
+            <a:r>
+              <a:rPr lang="en-US" dirty="0"/>
+              <a:t>Introduction to Programming using Python</a:t>
+            </a:r>
+          </a:p>
+        </p:txBody>
+      </p:sp>
+      <p:sp>
+        <p:nvSpPr>
+          <p:cNvPr id="5" name="Date Placeholder 4"/>
+          <p:cNvSpPr>
+            <a:spLocks noGrp="1"/>
+          </p:cNvSpPr>
+          <p:nvPr>
+            <p:ph type="dt" idx="1"/>
+          </p:nvPr>
+        </p:nvSpPr>
+        <p:spPr/>
+        <p:txBody>
+          <a:bodyPr/>
+          <a:lstStyle/>
+          <a:p>
+            <a:fld id="{A596092B-28C7-44D1-B902-5437B333DFB7}" type="datetime1">
+              <a:rPr lang="en-US" smtClean="0"/>
+              <a:t>6/18/2020</a:t>
+            </a:fld>
+            <a:endParaRPr lang="en-US" dirty="0"/>
+          </a:p>
+        </p:txBody>
+      </p:sp>
+      <p:sp>
+        <p:nvSpPr>
+          <p:cNvPr id="6" name="Footer Placeholder 5"/>
+          <p:cNvSpPr>
+            <a:spLocks noGrp="1"/>
+          </p:cNvSpPr>
+          <p:nvPr>
+            <p:ph type="ftr" sz="quarter" idx="4"/>
+          </p:nvPr>
+        </p:nvSpPr>
+        <p:spPr/>
+        <p:txBody>
+          <a:bodyPr/>
+          <a:lstStyle/>
+          <a:p>
+            <a:r>
+              <a:rPr lang="en-US" dirty="0"/>
+              <a:t>raysmith@alum.mit.edu</a:t>
+            </a:r>
+          </a:p>
+        </p:txBody>
+      </p:sp>
+      <p:sp>
+        <p:nvSpPr>
+          <p:cNvPr id="7" name="Slide Number Placeholder 6"/>
+          <p:cNvSpPr>
+            <a:spLocks noGrp="1"/>
+          </p:cNvSpPr>
+          <p:nvPr>
+            <p:ph type="sldNum" sz="quarter" idx="5"/>
+          </p:nvPr>
+        </p:nvSpPr>
+        <p:spPr/>
+        <p:txBody>
+          <a:bodyPr/>
+          <a:lstStyle/>
+          <a:p>
+            <a:fld id="{BA791329-992B-4F83-8435-C33B0EC26DB3}" type="slidenum">
+              <a:rPr lang="en-US" smtClean="0"/>
+              <a:t>103</a:t>
+            </a:fld>
+            <a:endParaRPr lang="en-US" dirty="0"/>
+          </a:p>
+        </p:txBody>
+      </p:sp>
+    </p:spTree>
+    <p:extLst>
+      <p:ext uri="{BB962C8B-B14F-4D97-AF65-F5344CB8AC3E}">
+        <p14:creationId xmlns:p14="http://schemas.microsoft.com/office/powerpoint/2010/main" val="2998011997"/>
+      </p:ext>
+    </p:extLst>
+  </p:cSld>
+  <p:clrMapOvr>
+    <a:masterClrMapping/>
+  </p:clrMapOvr>
+</p:notes>
+</file>
+
+<file path=ppt/notesSlides/notesSlide82.xml><?xml version="1.0" encoding="utf-8"?>
+<p:notes xmlns:a="http://schemas.openxmlformats.org/drawingml/2006/main" xmlns:r="http://schemas.openxmlformats.org/officeDocument/2006/relationships" xmlns:p="http://schemas.openxmlformats.org/presentationml/2006/main">
+  <p:cSld>
+    <p:spTree>
+      <p:nvGrpSpPr>
+        <p:cNvPr id="1" name=""/>
+        <p:cNvGrpSpPr/>
+        <p:nvPr/>
+      </p:nvGrpSpPr>
+      <p:grpSpPr>
+        <a:xfrm>
+          <a:off x="0" y="0"/>
+          <a:ext cx="0" cy="0"/>
+          <a:chOff x="0" y="0"/>
+          <a:chExt cx="0" cy="0"/>
+        </a:xfrm>
+      </p:grpSpPr>
+      <p:sp>
+        <p:nvSpPr>
+          <p:cNvPr id="2" name="Slide Image Placeholder 1"/>
+          <p:cNvSpPr>
+            <a:spLocks noGrp="1" noRot="1" noChangeAspect="1"/>
+          </p:cNvSpPr>
+          <p:nvPr>
+            <p:ph type="sldImg"/>
+          </p:nvPr>
+        </p:nvSpPr>
+        <p:spPr/>
+      </p:sp>
+      <p:sp>
+        <p:nvSpPr>
+          <p:cNvPr id="3" name="Notes Placeholder 2"/>
+          <p:cNvSpPr>
+            <a:spLocks noGrp="1"/>
+          </p:cNvSpPr>
+          <p:nvPr>
+            <p:ph type="body" idx="1"/>
+          </p:nvPr>
+        </p:nvSpPr>
+        <p:spPr/>
+        <p:txBody>
+          <a:bodyPr/>
+          <a:lstStyle/>
+          <a:p>
+            <a:endParaRPr lang="en-US" dirty="0"/>
+          </a:p>
+        </p:txBody>
+      </p:sp>
+      <p:sp>
+        <p:nvSpPr>
+          <p:cNvPr id="4" name="Header Placeholder 3"/>
+          <p:cNvSpPr>
+            <a:spLocks noGrp="1"/>
+          </p:cNvSpPr>
+          <p:nvPr>
+            <p:ph type="hdr" sz="quarter"/>
+          </p:nvPr>
+        </p:nvSpPr>
+        <p:spPr/>
+        <p:txBody>
+          <a:bodyPr/>
+          <a:lstStyle/>
+          <a:p>
+            <a:r>
+              <a:rPr lang="en-US" dirty="0"/>
+              <a:t>Introduction to Programming using Python</a:t>
+            </a:r>
+          </a:p>
+        </p:txBody>
+      </p:sp>
+      <p:sp>
+        <p:nvSpPr>
+          <p:cNvPr id="5" name="Date Placeholder 4"/>
+          <p:cNvSpPr>
+            <a:spLocks noGrp="1"/>
+          </p:cNvSpPr>
+          <p:nvPr>
+            <p:ph type="dt" idx="1"/>
+          </p:nvPr>
+        </p:nvSpPr>
+        <p:spPr/>
+        <p:txBody>
+          <a:bodyPr/>
+          <a:lstStyle/>
+          <a:p>
+            <a:fld id="{A596092B-28C7-44D1-B902-5437B333DFB7}" type="datetime1">
+              <a:rPr lang="en-US" smtClean="0"/>
+              <a:t>6/18/2020</a:t>
+            </a:fld>
+            <a:endParaRPr lang="en-US" dirty="0"/>
+          </a:p>
+        </p:txBody>
+      </p:sp>
+      <p:sp>
+        <p:nvSpPr>
+          <p:cNvPr id="6" name="Footer Placeholder 5"/>
+          <p:cNvSpPr>
+            <a:spLocks noGrp="1"/>
+          </p:cNvSpPr>
+          <p:nvPr>
+            <p:ph type="ftr" sz="quarter" idx="4"/>
+          </p:nvPr>
+        </p:nvSpPr>
+        <p:spPr/>
+        <p:txBody>
+          <a:bodyPr/>
+          <a:lstStyle/>
+          <a:p>
+            <a:r>
+              <a:rPr lang="en-US" dirty="0"/>
+              <a:t>raysmith@alum.mit.edu</a:t>
+            </a:r>
+          </a:p>
+        </p:txBody>
+      </p:sp>
+      <p:sp>
+        <p:nvSpPr>
+          <p:cNvPr id="7" name="Slide Number Placeholder 6"/>
+          <p:cNvSpPr>
+            <a:spLocks noGrp="1"/>
+          </p:cNvSpPr>
+          <p:nvPr>
+            <p:ph type="sldNum" sz="quarter" idx="5"/>
+          </p:nvPr>
+        </p:nvSpPr>
+        <p:spPr/>
+        <p:txBody>
+          <a:bodyPr/>
+          <a:lstStyle/>
+          <a:p>
+            <a:fld id="{BA791329-992B-4F83-8435-C33B0EC26DB3}" type="slidenum">
+              <a:rPr lang="en-US" smtClean="0"/>
+              <a:t>104</a:t>
+            </a:fld>
+            <a:endParaRPr lang="en-US" dirty="0"/>
+          </a:p>
+        </p:txBody>
+      </p:sp>
+    </p:spTree>
+    <p:extLst>
+      <p:ext uri="{BB962C8B-B14F-4D97-AF65-F5344CB8AC3E}">
+        <p14:creationId xmlns:p14="http://schemas.microsoft.com/office/powerpoint/2010/main" val="1028314933"/>
       </p:ext>
     </p:extLst>
   </p:cSld>
@@ -13329,7 +13785,7 @@
           <a:p>
             <a:fld id="{A596092B-28C7-44D1-B902-5437B333DFB7}" type="datetime1">
               <a:rPr lang="en-US" smtClean="0"/>
-              <a:t>6/11/2020</a:t>
+              <a:t>6/18/2020</a:t>
             </a:fld>
             <a:endParaRPr lang="en-US" dirty="0"/>
           </a:p>
@@ -14115,7 +14571,7 @@
           <a:p>
             <a:fld id="{B1DF5501-EE91-4443-9D3B-24E6F28D34E2}" type="datetime1">
               <a:rPr lang="en-US" smtClean="0"/>
-              <a:t>6/11/2020</a:t>
+              <a:t>6/18/2020</a:t>
             </a:fld>
             <a:endParaRPr lang="en-US" dirty="0"/>
           </a:p>
@@ -14381,7 +14837,7 @@
           <a:p>
             <a:fld id="{E954E1E9-8456-43AD-BA28-861520D256B9}" type="datetime1">
               <a:rPr lang="en-US" smtClean="0"/>
-              <a:t>6/11/2020</a:t>
+              <a:t>6/18/2020</a:t>
             </a:fld>
             <a:endParaRPr lang="en-US" dirty="0"/>
           </a:p>
@@ -14699,7 +15155,7 @@
           <a:p>
             <a:fld id="{FAF31E0C-AAFD-4E63-B3AE-16CD757951F4}" type="datetime1">
               <a:rPr lang="en-US" smtClean="0"/>
-              <a:t>6/11/2020</a:t>
+              <a:t>6/18/2020</a:t>
             </a:fld>
             <a:endParaRPr lang="en-US" dirty="0"/>
           </a:p>
@@ -15044,7 +15500,7 @@
           <a:p>
             <a:fld id="{000084FF-4715-4B6E-BD22-453621E5873F}" type="datetime1">
               <a:rPr lang="en-US" smtClean="0"/>
-              <a:t>6/11/2020</a:t>
+              <a:t>6/18/2020</a:t>
             </a:fld>
             <a:endParaRPr lang="en-US" dirty="0"/>
           </a:p>
@@ -15362,7 +15818,7 @@
           <a:p>
             <a:fld id="{6AC37F8D-4DF5-4AB6-A766-5A84B3D74A3B}" type="datetime1">
               <a:rPr lang="en-US" smtClean="0"/>
-              <a:t>6/11/2020</a:t>
+              <a:t>6/18/2020</a:t>
             </a:fld>
             <a:endParaRPr lang="en-US" dirty="0"/>
           </a:p>
@@ -15759,7 +16215,7 @@
           <a:p>
             <a:fld id="{1BF3CD1A-162D-40B2-9B22-9056F77C27F2}" type="datetime1">
               <a:rPr lang="en-US" smtClean="0"/>
-              <a:t>6/11/2020</a:t>
+              <a:t>6/18/2020</a:t>
             </a:fld>
             <a:endParaRPr lang="en-US" dirty="0"/>
           </a:p>
@@ -15933,7 +16389,7 @@
           <a:p>
             <a:fld id="{D42E4200-B1E5-4E39-8279-05DD69810A37}" type="datetime1">
               <a:rPr lang="en-US" smtClean="0"/>
-              <a:t>6/11/2020</a:t>
+              <a:t>6/18/2020</a:t>
             </a:fld>
             <a:endParaRPr lang="en-US" dirty="0"/>
           </a:p>
@@ -16116,7 +16572,7 @@
           <a:p>
             <a:fld id="{47CF7895-00AC-42E5-9790-7B0E3CE09DF2}" type="datetime1">
               <a:rPr lang="en-US" smtClean="0"/>
-              <a:t>6/11/2020</a:t>
+              <a:t>6/18/2020</a:t>
             </a:fld>
             <a:endParaRPr lang="en-US" dirty="0"/>
           </a:p>
@@ -16295,7 +16751,7 @@
           <a:p>
             <a:fld id="{A7119916-CD40-456D-ABE3-55F8822671F7}" type="datetime1">
               <a:rPr lang="en-US" smtClean="0"/>
-              <a:t>6/11/2020</a:t>
+              <a:t>6/18/2020</a:t>
             </a:fld>
             <a:endParaRPr lang="en-US" dirty="0"/>
           </a:p>
@@ -16545,7 +17001,7 @@
           <a:p>
             <a:fld id="{3F9A13D6-B8C2-463B-B3F7-C62E098B328E}" type="datetime1">
               <a:rPr lang="en-US" smtClean="0"/>
-              <a:t>6/11/2020</a:t>
+              <a:t>6/18/2020</a:t>
             </a:fld>
             <a:endParaRPr lang="en-US" dirty="0"/>
           </a:p>
@@ -16780,7 +17236,7 @@
           <a:p>
             <a:fld id="{D2B63420-31EE-4E4B-911C-2601B14D9FDD}" type="datetime1">
               <a:rPr lang="en-US" smtClean="0"/>
-              <a:t>6/11/2020</a:t>
+              <a:t>6/18/2020</a:t>
             </a:fld>
             <a:endParaRPr lang="en-US" dirty="0"/>
           </a:p>
@@ -17157,7 +17613,7 @@
           <a:p>
             <a:fld id="{2DD8986D-86F8-41E6-8CFF-8C91AEF92622}" type="datetime1">
               <a:rPr lang="en-US" smtClean="0"/>
-              <a:t>6/11/2020</a:t>
+              <a:t>6/18/2020</a:t>
             </a:fld>
             <a:endParaRPr lang="en-US" dirty="0"/>
           </a:p>
@@ -17283,7 +17739,7 @@
           <a:p>
             <a:fld id="{BA885161-032E-4C6A-8EDA-39D168DF18E4}" type="datetime1">
               <a:rPr lang="en-US" smtClean="0"/>
-              <a:t>6/11/2020</a:t>
+              <a:t>6/18/2020</a:t>
             </a:fld>
             <a:endParaRPr lang="en-US" dirty="0"/>
           </a:p>
@@ -17381,7 +17837,7 @@
           <a:p>
             <a:fld id="{958E6740-E523-48D9-9C4E-6F218E87BAF3}" type="datetime1">
               <a:rPr lang="en-US" smtClean="0"/>
-              <a:t>6/11/2020</a:t>
+              <a:t>6/18/2020</a:t>
             </a:fld>
             <a:endParaRPr lang="en-US" dirty="0"/>
           </a:p>
@@ -17639,7 +18095,7 @@
           <a:p>
             <a:fld id="{6121D4CA-FF09-4CB8-8D51-2613D19A0F2E}" type="datetime1">
               <a:rPr lang="en-US" smtClean="0"/>
-              <a:t>6/11/2020</a:t>
+              <a:t>6/18/2020</a:t>
             </a:fld>
             <a:endParaRPr lang="en-US" dirty="0"/>
           </a:p>
@@ -17904,7 +18360,7 @@
           <a:p>
             <a:fld id="{8C4779EA-AEA7-43B3-9B65-A77E9A890421}" type="datetime1">
               <a:rPr lang="en-US" smtClean="0"/>
-              <a:t>6/11/2020</a:t>
+              <a:t>6/18/2020</a:t>
             </a:fld>
             <a:endParaRPr lang="en-US" dirty="0"/>
           </a:p>
@@ -18650,7 +19106,7 @@
           <a:p>
             <a:fld id="{059A67F1-3EA0-4026-BE6A-31EE4E1B1DB5}" type="datetime1">
               <a:rPr lang="en-US" smtClean="0"/>
-              <a:t>6/11/2020</a:t>
+              <a:t>6/18/2020</a:t>
             </a:fld>
             <a:endParaRPr lang="en-US" dirty="0"/>
           </a:p>
@@ -19239,7 +19695,7 @@
           <a:p>
             <a:fld id="{0F09E55C-CECE-4F47-839C-0667B2307420}" type="datetime1">
               <a:rPr lang="en-US" smtClean="0"/>
-              <a:t>6/11/2020</a:t>
+              <a:t>6/18/2020</a:t>
             </a:fld>
             <a:endParaRPr lang="en-US" dirty="0"/>
           </a:p>
@@ -19468,7 +19924,7 @@
           <a:p>
             <a:fld id="{4F512493-082E-4B70-A398-E8B6E88243C8}" type="datetime1">
               <a:rPr lang="en-US" smtClean="0"/>
-              <a:t>6/11/2020</a:t>
+              <a:t>6/18/2020</a:t>
             </a:fld>
             <a:endParaRPr lang="en-US" dirty="0"/>
           </a:p>
@@ -19586,18 +20042,14 @@
           <a:p>
             <a:r>
               <a:rPr lang="en-US" dirty="0"/>
-              <a:t>Notes - A Simple Data Base – </a:t>
-            </a:r>
-            <a:r>
-              <a:rPr lang="en-US" sz="2800" dirty="0"/>
-              <a:t>Continued</a:t>
+              <a:t>Files – continued</a:t>
             </a:r>
             <a:br>
-              <a:rPr lang="en-US" sz="2800" dirty="0"/>
+              <a:rPr lang="en-US" dirty="0"/>
             </a:br>
             <a:r>
-              <a:rPr lang="en-US" sz="2800" dirty="0"/>
-              <a:t>Iterations</a:t>
+              <a:rPr lang="en-US" dirty="0"/>
+              <a:t>Notes - A Simple Data Base</a:t>
             </a:r>
           </a:p>
         </p:txBody>
@@ -19626,52 +20078,47 @@
         </p:spPr>
         <p:txBody>
           <a:bodyPr>
-            <a:normAutofit fontScale="92500" lnSpcReduction="20000"/>
+            <a:normAutofit/>
           </a:bodyPr>
           <a:lstStyle/>
           <a:p>
             <a:r>
-              <a:rPr lang="en-US" sz="3600" dirty="0"/>
-              <a:t>1.	Read specific file e.g. "test.notes"</a:t>
-            </a:r>
-          </a:p>
-          <a:p>
-            <a:pPr lvl="2"/>
+              <a:rPr lang="en-US" sz="3400" dirty="0"/>
+              <a:t>Goal:</a:t>
+            </a:r>
+          </a:p>
+          <a:p>
+            <a:pPr lvl="1"/>
             <a:r>
               <a:rPr lang="en-US" sz="3200" dirty="0"/>
-              <a:t>print out all lines</a:t>
-            </a:r>
-          </a:p>
-          <a:p>
-            <a:r>
-              <a:rPr lang="en-US" sz="3600" dirty="0"/>
-              <a:t>2.	Print only lines containing "student"</a:t>
+              <a:t>Access to my data by name</a:t>
+            </a:r>
+          </a:p>
+          <a:p>
+            <a:r>
+              <a:rPr lang="en-US" sz="3400" dirty="0"/>
+              <a:t>Plan:</a:t>
             </a:r>
           </a:p>
           <a:p>
             <a:pPr lvl="1"/>
             <a:r>
-              <a:rPr lang="en-US" sz="3400" dirty="0"/>
-              <a:t>How to match lines ? </a:t>
+              <a:rPr lang="en-US" sz="3200" dirty="0"/>
+              <a:t>Save data in  a text file</a:t>
             </a:r>
           </a:p>
           <a:p>
             <a:pPr lvl="1"/>
             <a:r>
-              <a:rPr lang="en-US" sz="3400" dirty="0"/>
-              <a:t> 	2.a Match (Student, STUDENT)</a:t>
-            </a:r>
-          </a:p>
-          <a:p>
-            <a:r>
-              <a:rPr lang="en-US" sz="3600" dirty="0"/>
-              <a:t>3.	Prompt for, then accept file name, pattern</a:t>
-            </a:r>
-          </a:p>
-          <a:p>
-            <a:r>
-              <a:rPr lang="en-US" sz="3600" dirty="0"/>
-              <a:t>4.	[Extra Credit]  Multiple text patterns</a:t>
+              <a:rPr lang="en-US" sz="3200" dirty="0"/>
+              <a:t>Search all lines for patterns e.g. name</a:t>
+            </a:r>
+          </a:p>
+          <a:p>
+            <a:pPr lvl="1"/>
+            <a:r>
+              <a:rPr lang="en-US" sz="3200" dirty="0"/>
+              <a:t>Print lines where found</a:t>
             </a:r>
           </a:p>
         </p:txBody>
@@ -19699,7 +20146,7 @@
           <a:p>
             <a:fld id="{A7119916-CD40-456D-ABE3-55F8822671F7}" type="datetime1">
               <a:rPr lang="en-US" smtClean="0"/>
-              <a:t>6/11/2020</a:t>
+              <a:t>6/18/2020</a:t>
             </a:fld>
             <a:endParaRPr lang="en-US" dirty="0"/>
           </a:p>
@@ -19765,7 +20212,7 @@
     </p:spTree>
     <p:extLst>
       <p:ext uri="{BB962C8B-B14F-4D97-AF65-F5344CB8AC3E}">
-        <p14:creationId xmlns:p14="http://schemas.microsoft.com/office/powerpoint/2010/main" val="2699947810"/>
+        <p14:creationId xmlns:p14="http://schemas.microsoft.com/office/powerpoint/2010/main" val="3121108463"/>
       </p:ext>
     </p:extLst>
   </p:cSld>
@@ -19817,9 +20264,19 @@
           <a:p>
             <a:r>
               <a:rPr lang="en-US" dirty="0"/>
-              <a:t>Future – Python as "Glue"</a:t>
-            </a:r>
-            <a:endParaRPr lang="en-US" sz="2800" dirty="0"/>
+              <a:t>Notes - A Simple Data Base – </a:t>
+            </a:r>
+            <a:r>
+              <a:rPr lang="en-US" sz="2800" dirty="0"/>
+              <a:t>Continued</a:t>
+            </a:r>
+            <a:br>
+              <a:rPr lang="en-US" sz="2800" dirty="0"/>
+            </a:br>
+            <a:r>
+              <a:rPr lang="en-US" sz="2800" dirty="0"/>
+              <a:t>Details</a:t>
+            </a:r>
           </a:p>
         </p:txBody>
       </p:sp>
@@ -19852,41 +20309,58 @@
           <a:lstStyle/>
           <a:p>
             <a:r>
-              <a:rPr lang="en-US" sz="3600" dirty="0"/>
-              <a:t>Python can run other programs</a:t>
-            </a:r>
-          </a:p>
-          <a:p>
-            <a:r>
-              <a:rPr lang="en-US" sz="3600" dirty="0"/>
-              <a:t>E.g. notepad.exe</a:t>
-            </a:r>
-          </a:p>
-          <a:p>
-            <a:pPr marL="0" indent="0">
+              <a:rPr lang="en-US" sz="3200" dirty="0"/>
+              <a:t>Create two test files</a:t>
+            </a:r>
+          </a:p>
+          <a:p>
+            <a:pPr lvl="1"/>
+            <a:r>
+              <a:rPr lang="en-US" sz="3000" dirty="0"/>
+              <a:t>test.notes – real short just a couple of lines</a:t>
+            </a:r>
+          </a:p>
+          <a:p>
+            <a:pPr marL="1314450" lvl="3" indent="0">
               <a:buNone/>
             </a:pPr>
             <a:r>
-              <a:rPr lang="en-US" sz="3600" dirty="0"/>
-              <a:t>import subprocess as sp</a:t>
-            </a:r>
-          </a:p>
-          <a:p>
-            <a:pPr marL="0" indent="0">
+              <a:rPr lang="en-US" sz="2600" dirty="0"/>
+              <a:t>Joe Name	Joe Smith</a:t>
+            </a:r>
+          </a:p>
+          <a:p>
+            <a:pPr marL="1314450" lvl="3" indent="0">
               <a:buNone/>
             </a:pPr>
             <a:r>
-              <a:rPr lang="en-US" sz="3600" dirty="0"/>
-              <a:t>fname = "notes.py"</a:t>
-            </a:r>
-          </a:p>
-          <a:p>
-            <a:pPr marL="0" indent="0">
+              <a:rPr lang="en-US" sz="2600" dirty="0"/>
+              <a:t>Joe Address 100 Main</a:t>
+            </a:r>
+          </a:p>
+          <a:p>
+            <a:pPr marL="1314450" lvl="3" indent="0">
               <a:buNone/>
             </a:pPr>
             <a:r>
-              <a:rPr lang="en-US" sz="3600" dirty="0"/>
-              <a:t>sp.Popen(["notepad.exe", fname])</a:t>
+              <a:rPr lang="en-US" sz="2600" dirty="0"/>
+              <a:t>Sam Name Sam Jones</a:t>
+            </a:r>
+          </a:p>
+          <a:p>
+            <a:pPr marL="1314450" lvl="3" indent="0">
+              <a:buNone/>
+            </a:pPr>
+            <a:r>
+              <a:rPr lang="en-US" sz="2600" dirty="0"/>
+              <a:t>Sam Address 20 Center</a:t>
+            </a:r>
+          </a:p>
+          <a:p>
+            <a:pPr lvl="1"/>
+            <a:r>
+              <a:rPr lang="en-US" sz="3000" dirty="0"/>
+              <a:t>Watertown.notes – longer with more varied data</a:t>
             </a:r>
           </a:p>
         </p:txBody>
@@ -19914,7 +20388,7 @@
           <a:p>
             <a:fld id="{A7119916-CD40-456D-ABE3-55F8822671F7}" type="datetime1">
               <a:rPr lang="en-US" smtClean="0"/>
-              <a:t>6/11/2020</a:t>
+              <a:t>6/18/2020</a:t>
             </a:fld>
             <a:endParaRPr lang="en-US" dirty="0"/>
           </a:p>
@@ -19980,7 +20454,7 @@
     </p:spTree>
     <p:extLst>
       <p:ext uri="{BB962C8B-B14F-4D97-AF65-F5344CB8AC3E}">
-        <p14:creationId xmlns:p14="http://schemas.microsoft.com/office/powerpoint/2010/main" val="1000900689"/>
+        <p14:creationId xmlns:p14="http://schemas.microsoft.com/office/powerpoint/2010/main" val="282029939"/>
       </p:ext>
     </p:extLst>
   </p:cSld>
@@ -20012,6 +20486,658 @@
           <p:cNvPr id="2" name="Title 1">
             <a:extLst>
               <a:ext uri="{FF2B5EF4-FFF2-40B4-BE49-F238E27FC236}">
+                <a16:creationId xmlns:a16="http://schemas.microsoft.com/office/drawing/2014/main" id="{00C99C45-A655-40FD-BF53-F03EF1F5E416}"/>
+              </a:ext>
+            </a:extLst>
+          </p:cNvPr>
+          <p:cNvSpPr>
+            <a:spLocks noGrp="1"/>
+          </p:cNvSpPr>
+          <p:nvPr>
+            <p:ph type="title"/>
+          </p:nvPr>
+        </p:nvSpPr>
+        <p:spPr/>
+        <p:txBody>
+          <a:bodyPr>
+            <a:normAutofit/>
+          </a:bodyPr>
+          <a:lstStyle/>
+          <a:p>
+            <a:r>
+              <a:rPr lang="en-US" dirty="0"/>
+              <a:t>Notes - A Simple Data Base – </a:t>
+            </a:r>
+            <a:r>
+              <a:rPr lang="en-US" sz="2800" dirty="0"/>
+              <a:t>Continued</a:t>
+            </a:r>
+            <a:br>
+              <a:rPr lang="en-US" sz="2800" dirty="0"/>
+            </a:br>
+            <a:r>
+              <a:rPr lang="en-US" sz="2800" dirty="0"/>
+              <a:t>Details</a:t>
+            </a:r>
+          </a:p>
+        </p:txBody>
+      </p:sp>
+      <p:sp>
+        <p:nvSpPr>
+          <p:cNvPr id="3" name="Content Placeholder 2">
+            <a:extLst>
+              <a:ext uri="{FF2B5EF4-FFF2-40B4-BE49-F238E27FC236}">
+                <a16:creationId xmlns:a16="http://schemas.microsoft.com/office/drawing/2014/main" id="{AAE989A4-422F-4666-8E03-249076443C19}"/>
+              </a:ext>
+            </a:extLst>
+          </p:cNvPr>
+          <p:cNvSpPr>
+            <a:spLocks noGrp="1"/>
+          </p:cNvSpPr>
+          <p:nvPr>
+            <p:ph idx="1"/>
+          </p:nvPr>
+        </p:nvSpPr>
+        <p:spPr>
+          <a:xfrm>
+            <a:off x="677333" y="2160589"/>
+            <a:ext cx="9815965" cy="3880773"/>
+          </a:xfrm>
+        </p:spPr>
+        <p:txBody>
+          <a:bodyPr>
+            <a:normAutofit/>
+          </a:bodyPr>
+          <a:lstStyle/>
+          <a:p>
+            <a:r>
+              <a:rPr lang="en-US" sz="3600" dirty="0"/>
+              <a:t>Make "notes.py" program file.</a:t>
+            </a:r>
+          </a:p>
+          <a:p>
+            <a:pPr lvl="1"/>
+            <a:r>
+              <a:rPr lang="en-US" sz="3600" dirty="0"/>
+              <a:t>Will display lines from a text file</a:t>
+            </a:r>
+          </a:p>
+          <a:p>
+            <a:pPr lvl="1"/>
+            <a:r>
+              <a:rPr lang="en-US" sz="3600" dirty="0"/>
+              <a:t>that contain a given text string.</a:t>
+            </a:r>
+          </a:p>
+        </p:txBody>
+      </p:sp>
+      <p:sp>
+        <p:nvSpPr>
+          <p:cNvPr id="4" name="Date Placeholder 3">
+            <a:extLst>
+              <a:ext uri="{FF2B5EF4-FFF2-40B4-BE49-F238E27FC236}">
+                <a16:creationId xmlns:a16="http://schemas.microsoft.com/office/drawing/2014/main" id="{D4B58B9C-2101-47C6-B21D-A9C4C0222113}"/>
+              </a:ext>
+            </a:extLst>
+          </p:cNvPr>
+          <p:cNvSpPr>
+            <a:spLocks noGrp="1"/>
+          </p:cNvSpPr>
+          <p:nvPr>
+            <p:ph type="dt" sz="half" idx="10"/>
+          </p:nvPr>
+        </p:nvSpPr>
+        <p:spPr/>
+        <p:txBody>
+          <a:bodyPr/>
+          <a:lstStyle/>
+          <a:p>
+            <a:fld id="{A7119916-CD40-456D-ABE3-55F8822671F7}" type="datetime1">
+              <a:rPr lang="en-US" smtClean="0"/>
+              <a:t>6/18/2020</a:t>
+            </a:fld>
+            <a:endParaRPr lang="en-US" dirty="0"/>
+          </a:p>
+        </p:txBody>
+      </p:sp>
+      <p:sp>
+        <p:nvSpPr>
+          <p:cNvPr id="5" name="Footer Placeholder 4">
+            <a:extLst>
+              <a:ext uri="{FF2B5EF4-FFF2-40B4-BE49-F238E27FC236}">
+                <a16:creationId xmlns:a16="http://schemas.microsoft.com/office/drawing/2014/main" id="{EB3CE92E-DA4C-49CE-8437-22304F783D2B}"/>
+              </a:ext>
+            </a:extLst>
+          </p:cNvPr>
+          <p:cNvSpPr>
+            <a:spLocks noGrp="1"/>
+          </p:cNvSpPr>
+          <p:nvPr>
+            <p:ph type="ftr" sz="quarter" idx="11"/>
+          </p:nvPr>
+        </p:nvSpPr>
+        <p:spPr/>
+        <p:txBody>
+          <a:bodyPr/>
+          <a:lstStyle/>
+          <a:p>
+            <a:r>
+              <a:rPr lang="en-US" dirty="0"/>
+              <a:t>raysmith@alum.mit.edu</a:t>
+            </a:r>
+          </a:p>
+        </p:txBody>
+      </p:sp>
+      <p:sp>
+        <p:nvSpPr>
+          <p:cNvPr id="6" name="Slide Number Placeholder 5">
+            <a:extLst>
+              <a:ext uri="{FF2B5EF4-FFF2-40B4-BE49-F238E27FC236}">
+                <a16:creationId xmlns:a16="http://schemas.microsoft.com/office/drawing/2014/main" id="{B555E688-FCD7-4E06-BD33-DA64AB1C3FA4}"/>
+              </a:ext>
+            </a:extLst>
+          </p:cNvPr>
+          <p:cNvSpPr>
+            <a:spLocks noGrp="1"/>
+          </p:cNvSpPr>
+          <p:nvPr>
+            <p:ph type="sldNum" sz="quarter" idx="12"/>
+          </p:nvPr>
+        </p:nvSpPr>
+        <p:spPr/>
+        <p:txBody>
+          <a:bodyPr/>
+          <a:lstStyle/>
+          <a:p>
+            <a:fld id="{6D22F896-40B5-4ADD-8801-0D06FADFA095}" type="slidenum">
+              <a:rPr lang="en-US" smtClean="0"/>
+              <a:t>102</a:t>
+            </a:fld>
+            <a:endParaRPr lang="en-US" dirty="0"/>
+          </a:p>
+        </p:txBody>
+      </p:sp>
+    </p:spTree>
+    <p:extLst>
+      <p:ext uri="{BB962C8B-B14F-4D97-AF65-F5344CB8AC3E}">
+        <p14:creationId xmlns:p14="http://schemas.microsoft.com/office/powerpoint/2010/main" val="1062552091"/>
+      </p:ext>
+    </p:extLst>
+  </p:cSld>
+  <p:clrMapOvr>
+    <a:masterClrMapping/>
+  </p:clrMapOvr>
+</p:sld>
+</file>
+
+<file path=ppt/slides/slide103.xml><?xml version="1.0" encoding="utf-8"?>
+<p:sld xmlns:a="http://schemas.openxmlformats.org/drawingml/2006/main" xmlns:r="http://schemas.openxmlformats.org/officeDocument/2006/relationships" xmlns:p="http://schemas.openxmlformats.org/presentationml/2006/main">
+  <p:cSld>
+    <p:spTree>
+      <p:nvGrpSpPr>
+        <p:cNvPr id="1" name=""/>
+        <p:cNvGrpSpPr/>
+        <p:nvPr/>
+      </p:nvGrpSpPr>
+      <p:grpSpPr>
+        <a:xfrm>
+          <a:off x="0" y="0"/>
+          <a:ext cx="0" cy="0"/>
+          <a:chOff x="0" y="0"/>
+          <a:chExt cx="0" cy="0"/>
+        </a:xfrm>
+      </p:grpSpPr>
+      <p:sp>
+        <p:nvSpPr>
+          <p:cNvPr id="2" name="Title 1">
+            <a:extLst>
+              <a:ext uri="{FF2B5EF4-FFF2-40B4-BE49-F238E27FC236}">
+                <a16:creationId xmlns:a16="http://schemas.microsoft.com/office/drawing/2014/main" id="{00C99C45-A655-40FD-BF53-F03EF1F5E416}"/>
+              </a:ext>
+            </a:extLst>
+          </p:cNvPr>
+          <p:cNvSpPr>
+            <a:spLocks noGrp="1"/>
+          </p:cNvSpPr>
+          <p:nvPr>
+            <p:ph type="title"/>
+          </p:nvPr>
+        </p:nvSpPr>
+        <p:spPr/>
+        <p:txBody>
+          <a:bodyPr>
+            <a:normAutofit/>
+          </a:bodyPr>
+          <a:lstStyle/>
+          <a:p>
+            <a:r>
+              <a:rPr lang="en-US" dirty="0"/>
+              <a:t>Notes - A Simple Data Base – </a:t>
+            </a:r>
+            <a:r>
+              <a:rPr lang="en-US" sz="2800" dirty="0"/>
+              <a:t>Continued</a:t>
+            </a:r>
+            <a:br>
+              <a:rPr lang="en-US" sz="2800" dirty="0"/>
+            </a:br>
+            <a:r>
+              <a:rPr lang="en-US" sz="2800" dirty="0"/>
+              <a:t>Iterations</a:t>
+            </a:r>
+          </a:p>
+        </p:txBody>
+      </p:sp>
+      <p:sp>
+        <p:nvSpPr>
+          <p:cNvPr id="3" name="Content Placeholder 2">
+            <a:extLst>
+              <a:ext uri="{FF2B5EF4-FFF2-40B4-BE49-F238E27FC236}">
+                <a16:creationId xmlns:a16="http://schemas.microsoft.com/office/drawing/2014/main" id="{AAE989A4-422F-4666-8E03-249076443C19}"/>
+              </a:ext>
+            </a:extLst>
+          </p:cNvPr>
+          <p:cNvSpPr>
+            <a:spLocks noGrp="1"/>
+          </p:cNvSpPr>
+          <p:nvPr>
+            <p:ph idx="1"/>
+          </p:nvPr>
+        </p:nvSpPr>
+        <p:spPr>
+          <a:xfrm>
+            <a:off x="677333" y="2160589"/>
+            <a:ext cx="9815965" cy="3880773"/>
+          </a:xfrm>
+        </p:spPr>
+        <p:txBody>
+          <a:bodyPr>
+            <a:normAutofit fontScale="92500" lnSpcReduction="20000"/>
+          </a:bodyPr>
+          <a:lstStyle/>
+          <a:p>
+            <a:r>
+              <a:rPr lang="en-US" sz="3600" dirty="0"/>
+              <a:t>1.	Read specific file e.g. "test.notes"</a:t>
+            </a:r>
+          </a:p>
+          <a:p>
+            <a:pPr lvl="2"/>
+            <a:r>
+              <a:rPr lang="en-US" sz="3200" dirty="0"/>
+              <a:t>print out all lines</a:t>
+            </a:r>
+          </a:p>
+          <a:p>
+            <a:r>
+              <a:rPr lang="en-US" sz="3600" dirty="0"/>
+              <a:t>2.	Print only lines containing "student"</a:t>
+            </a:r>
+          </a:p>
+          <a:p>
+            <a:pPr lvl="1"/>
+            <a:r>
+              <a:rPr lang="en-US" sz="3400" dirty="0"/>
+              <a:t>How to match lines ? </a:t>
+            </a:r>
+          </a:p>
+          <a:p>
+            <a:pPr lvl="1"/>
+            <a:r>
+              <a:rPr lang="en-US" sz="3400" dirty="0"/>
+              <a:t> 	2.a Match (Student, STUDENT)</a:t>
+            </a:r>
+          </a:p>
+          <a:p>
+            <a:r>
+              <a:rPr lang="en-US" sz="3600" dirty="0"/>
+              <a:t>3.	Prompt for, then accept file name, pattern</a:t>
+            </a:r>
+          </a:p>
+          <a:p>
+            <a:r>
+              <a:rPr lang="en-US" sz="3600" dirty="0"/>
+              <a:t>4.	[Extra Credit]  Multiple text patterns</a:t>
+            </a:r>
+          </a:p>
+        </p:txBody>
+      </p:sp>
+      <p:sp>
+        <p:nvSpPr>
+          <p:cNvPr id="4" name="Date Placeholder 3">
+            <a:extLst>
+              <a:ext uri="{FF2B5EF4-FFF2-40B4-BE49-F238E27FC236}">
+                <a16:creationId xmlns:a16="http://schemas.microsoft.com/office/drawing/2014/main" id="{D4B58B9C-2101-47C6-B21D-A9C4C0222113}"/>
+              </a:ext>
+            </a:extLst>
+          </p:cNvPr>
+          <p:cNvSpPr>
+            <a:spLocks noGrp="1"/>
+          </p:cNvSpPr>
+          <p:nvPr>
+            <p:ph type="dt" sz="half" idx="10"/>
+          </p:nvPr>
+        </p:nvSpPr>
+        <p:spPr/>
+        <p:txBody>
+          <a:bodyPr/>
+          <a:lstStyle/>
+          <a:p>
+            <a:fld id="{A7119916-CD40-456D-ABE3-55F8822671F7}" type="datetime1">
+              <a:rPr lang="en-US" smtClean="0"/>
+              <a:t>6/18/2020</a:t>
+            </a:fld>
+            <a:endParaRPr lang="en-US" dirty="0"/>
+          </a:p>
+        </p:txBody>
+      </p:sp>
+      <p:sp>
+        <p:nvSpPr>
+          <p:cNvPr id="5" name="Footer Placeholder 4">
+            <a:extLst>
+              <a:ext uri="{FF2B5EF4-FFF2-40B4-BE49-F238E27FC236}">
+                <a16:creationId xmlns:a16="http://schemas.microsoft.com/office/drawing/2014/main" id="{EB3CE92E-DA4C-49CE-8437-22304F783D2B}"/>
+              </a:ext>
+            </a:extLst>
+          </p:cNvPr>
+          <p:cNvSpPr>
+            <a:spLocks noGrp="1"/>
+          </p:cNvSpPr>
+          <p:nvPr>
+            <p:ph type="ftr" sz="quarter" idx="11"/>
+          </p:nvPr>
+        </p:nvSpPr>
+        <p:spPr/>
+        <p:txBody>
+          <a:bodyPr/>
+          <a:lstStyle/>
+          <a:p>
+            <a:r>
+              <a:rPr lang="en-US" dirty="0"/>
+              <a:t>raysmith@alum.mit.edu</a:t>
+            </a:r>
+          </a:p>
+        </p:txBody>
+      </p:sp>
+      <p:sp>
+        <p:nvSpPr>
+          <p:cNvPr id="6" name="Slide Number Placeholder 5">
+            <a:extLst>
+              <a:ext uri="{FF2B5EF4-FFF2-40B4-BE49-F238E27FC236}">
+                <a16:creationId xmlns:a16="http://schemas.microsoft.com/office/drawing/2014/main" id="{B555E688-FCD7-4E06-BD33-DA64AB1C3FA4}"/>
+              </a:ext>
+            </a:extLst>
+          </p:cNvPr>
+          <p:cNvSpPr>
+            <a:spLocks noGrp="1"/>
+          </p:cNvSpPr>
+          <p:nvPr>
+            <p:ph type="sldNum" sz="quarter" idx="12"/>
+          </p:nvPr>
+        </p:nvSpPr>
+        <p:spPr/>
+        <p:txBody>
+          <a:bodyPr/>
+          <a:lstStyle/>
+          <a:p>
+            <a:fld id="{6D22F896-40B5-4ADD-8801-0D06FADFA095}" type="slidenum">
+              <a:rPr lang="en-US" smtClean="0"/>
+              <a:t>103</a:t>
+            </a:fld>
+            <a:endParaRPr lang="en-US" dirty="0"/>
+          </a:p>
+        </p:txBody>
+      </p:sp>
+    </p:spTree>
+    <p:extLst>
+      <p:ext uri="{BB962C8B-B14F-4D97-AF65-F5344CB8AC3E}">
+        <p14:creationId xmlns:p14="http://schemas.microsoft.com/office/powerpoint/2010/main" val="2699947810"/>
+      </p:ext>
+    </p:extLst>
+  </p:cSld>
+  <p:clrMapOvr>
+    <a:masterClrMapping/>
+  </p:clrMapOvr>
+</p:sld>
+</file>
+
+<file path=ppt/slides/slide104.xml><?xml version="1.0" encoding="utf-8"?>
+<p:sld xmlns:a="http://schemas.openxmlformats.org/drawingml/2006/main" xmlns:r="http://schemas.openxmlformats.org/officeDocument/2006/relationships" xmlns:p="http://schemas.openxmlformats.org/presentationml/2006/main">
+  <p:cSld>
+    <p:spTree>
+      <p:nvGrpSpPr>
+        <p:cNvPr id="1" name=""/>
+        <p:cNvGrpSpPr/>
+        <p:nvPr/>
+      </p:nvGrpSpPr>
+      <p:grpSpPr>
+        <a:xfrm>
+          <a:off x="0" y="0"/>
+          <a:ext cx="0" cy="0"/>
+          <a:chOff x="0" y="0"/>
+          <a:chExt cx="0" cy="0"/>
+        </a:xfrm>
+      </p:grpSpPr>
+      <p:sp>
+        <p:nvSpPr>
+          <p:cNvPr id="2" name="Title 1">
+            <a:extLst>
+              <a:ext uri="{FF2B5EF4-FFF2-40B4-BE49-F238E27FC236}">
+                <a16:creationId xmlns:a16="http://schemas.microsoft.com/office/drawing/2014/main" id="{00C99C45-A655-40FD-BF53-F03EF1F5E416}"/>
+              </a:ext>
+            </a:extLst>
+          </p:cNvPr>
+          <p:cNvSpPr>
+            <a:spLocks noGrp="1"/>
+          </p:cNvSpPr>
+          <p:nvPr>
+            <p:ph type="title"/>
+          </p:nvPr>
+        </p:nvSpPr>
+        <p:spPr/>
+        <p:txBody>
+          <a:bodyPr>
+            <a:normAutofit/>
+          </a:bodyPr>
+          <a:lstStyle/>
+          <a:p>
+            <a:r>
+              <a:rPr lang="en-US" dirty="0"/>
+              <a:t>Future – Python as "Glue"</a:t>
+            </a:r>
+            <a:endParaRPr lang="en-US" sz="2800" dirty="0"/>
+          </a:p>
+        </p:txBody>
+      </p:sp>
+      <p:sp>
+        <p:nvSpPr>
+          <p:cNvPr id="3" name="Content Placeholder 2">
+            <a:extLst>
+              <a:ext uri="{FF2B5EF4-FFF2-40B4-BE49-F238E27FC236}">
+                <a16:creationId xmlns:a16="http://schemas.microsoft.com/office/drawing/2014/main" id="{AAE989A4-422F-4666-8E03-249076443C19}"/>
+              </a:ext>
+            </a:extLst>
+          </p:cNvPr>
+          <p:cNvSpPr>
+            <a:spLocks noGrp="1"/>
+          </p:cNvSpPr>
+          <p:nvPr>
+            <p:ph idx="1"/>
+          </p:nvPr>
+        </p:nvSpPr>
+        <p:spPr>
+          <a:xfrm>
+            <a:off x="677333" y="2160589"/>
+            <a:ext cx="9815965" cy="3880773"/>
+          </a:xfrm>
+        </p:spPr>
+        <p:txBody>
+          <a:bodyPr>
+            <a:normAutofit/>
+          </a:bodyPr>
+          <a:lstStyle/>
+          <a:p>
+            <a:r>
+              <a:rPr lang="en-US" sz="3600" dirty="0"/>
+              <a:t>Python can run other programs</a:t>
+            </a:r>
+          </a:p>
+          <a:p>
+            <a:r>
+              <a:rPr lang="en-US" sz="3600" dirty="0"/>
+              <a:t>E.g. notepad.exe</a:t>
+            </a:r>
+          </a:p>
+          <a:p>
+            <a:pPr marL="0" indent="0">
+              <a:buNone/>
+            </a:pPr>
+            <a:r>
+              <a:rPr lang="en-US" sz="3600" dirty="0"/>
+              <a:t>import subprocess as sp</a:t>
+            </a:r>
+          </a:p>
+          <a:p>
+            <a:pPr marL="0" indent="0">
+              <a:buNone/>
+            </a:pPr>
+            <a:r>
+              <a:rPr lang="en-US" sz="3600" dirty="0"/>
+              <a:t>fname = "notes.py"</a:t>
+            </a:r>
+          </a:p>
+          <a:p>
+            <a:pPr marL="0" indent="0">
+              <a:buNone/>
+            </a:pPr>
+            <a:r>
+              <a:rPr lang="en-US" sz="3600" dirty="0"/>
+              <a:t>sp.Popen(["notepad.exe", fname])</a:t>
+            </a:r>
+          </a:p>
+        </p:txBody>
+      </p:sp>
+      <p:sp>
+        <p:nvSpPr>
+          <p:cNvPr id="4" name="Date Placeholder 3">
+            <a:extLst>
+              <a:ext uri="{FF2B5EF4-FFF2-40B4-BE49-F238E27FC236}">
+                <a16:creationId xmlns:a16="http://schemas.microsoft.com/office/drawing/2014/main" id="{D4B58B9C-2101-47C6-B21D-A9C4C0222113}"/>
+              </a:ext>
+            </a:extLst>
+          </p:cNvPr>
+          <p:cNvSpPr>
+            <a:spLocks noGrp="1"/>
+          </p:cNvSpPr>
+          <p:nvPr>
+            <p:ph type="dt" sz="half" idx="10"/>
+          </p:nvPr>
+        </p:nvSpPr>
+        <p:spPr/>
+        <p:txBody>
+          <a:bodyPr/>
+          <a:lstStyle/>
+          <a:p>
+            <a:fld id="{A7119916-CD40-456D-ABE3-55F8822671F7}" type="datetime1">
+              <a:rPr lang="en-US" smtClean="0"/>
+              <a:t>6/18/2020</a:t>
+            </a:fld>
+            <a:endParaRPr lang="en-US" dirty="0"/>
+          </a:p>
+        </p:txBody>
+      </p:sp>
+      <p:sp>
+        <p:nvSpPr>
+          <p:cNvPr id="5" name="Footer Placeholder 4">
+            <a:extLst>
+              <a:ext uri="{FF2B5EF4-FFF2-40B4-BE49-F238E27FC236}">
+                <a16:creationId xmlns:a16="http://schemas.microsoft.com/office/drawing/2014/main" id="{EB3CE92E-DA4C-49CE-8437-22304F783D2B}"/>
+              </a:ext>
+            </a:extLst>
+          </p:cNvPr>
+          <p:cNvSpPr>
+            <a:spLocks noGrp="1"/>
+          </p:cNvSpPr>
+          <p:nvPr>
+            <p:ph type="ftr" sz="quarter" idx="11"/>
+          </p:nvPr>
+        </p:nvSpPr>
+        <p:spPr/>
+        <p:txBody>
+          <a:bodyPr/>
+          <a:lstStyle/>
+          <a:p>
+            <a:r>
+              <a:rPr lang="en-US" dirty="0"/>
+              <a:t>raysmith@alum.mit.edu</a:t>
+            </a:r>
+          </a:p>
+        </p:txBody>
+      </p:sp>
+      <p:sp>
+        <p:nvSpPr>
+          <p:cNvPr id="6" name="Slide Number Placeholder 5">
+            <a:extLst>
+              <a:ext uri="{FF2B5EF4-FFF2-40B4-BE49-F238E27FC236}">
+                <a16:creationId xmlns:a16="http://schemas.microsoft.com/office/drawing/2014/main" id="{B555E688-FCD7-4E06-BD33-DA64AB1C3FA4}"/>
+              </a:ext>
+            </a:extLst>
+          </p:cNvPr>
+          <p:cNvSpPr>
+            <a:spLocks noGrp="1"/>
+          </p:cNvSpPr>
+          <p:nvPr>
+            <p:ph type="sldNum" sz="quarter" idx="12"/>
+          </p:nvPr>
+        </p:nvSpPr>
+        <p:spPr/>
+        <p:txBody>
+          <a:bodyPr/>
+          <a:lstStyle/>
+          <a:p>
+            <a:fld id="{6D22F896-40B5-4ADD-8801-0D06FADFA095}" type="slidenum">
+              <a:rPr lang="en-US" smtClean="0"/>
+              <a:t>104</a:t>
+            </a:fld>
+            <a:endParaRPr lang="en-US" dirty="0"/>
+          </a:p>
+        </p:txBody>
+      </p:sp>
+    </p:spTree>
+    <p:extLst>
+      <p:ext uri="{BB962C8B-B14F-4D97-AF65-F5344CB8AC3E}">
+        <p14:creationId xmlns:p14="http://schemas.microsoft.com/office/powerpoint/2010/main" val="1000900689"/>
+      </p:ext>
+    </p:extLst>
+  </p:cSld>
+  <p:clrMapOvr>
+    <a:masterClrMapping/>
+  </p:clrMapOvr>
+</p:sld>
+</file>
+
+<file path=ppt/slides/slide105.xml><?xml version="1.0" encoding="utf-8"?>
+<p:sld xmlns:a="http://schemas.openxmlformats.org/drawingml/2006/main" xmlns:r="http://schemas.openxmlformats.org/officeDocument/2006/relationships" xmlns:p="http://schemas.openxmlformats.org/presentationml/2006/main">
+  <p:cSld>
+    <p:spTree>
+      <p:nvGrpSpPr>
+        <p:cNvPr id="1" name=""/>
+        <p:cNvGrpSpPr/>
+        <p:nvPr/>
+      </p:nvGrpSpPr>
+      <p:grpSpPr>
+        <a:xfrm>
+          <a:off x="0" y="0"/>
+          <a:ext cx="0" cy="0"/>
+          <a:chOff x="0" y="0"/>
+          <a:chExt cx="0" cy="0"/>
+        </a:xfrm>
+      </p:grpSpPr>
+      <p:sp>
+        <p:nvSpPr>
+          <p:cNvPr id="2" name="Title 1">
+            <a:extLst>
+              <a:ext uri="{FF2B5EF4-FFF2-40B4-BE49-F238E27FC236}">
                 <a16:creationId xmlns:a16="http://schemas.microsoft.com/office/drawing/2014/main" id="{83329AAE-F724-48C1-9B70-097DDDBF4EDB}"/>
               </a:ext>
             </a:extLst>
@@ -20136,7 +21262,7 @@
           <a:p>
             <a:fld id="{A7119916-CD40-456D-ABE3-55F8822671F7}" type="datetime1">
               <a:rPr lang="en-US" smtClean="0"/>
-              <a:t>6/11/2020</a:t>
+              <a:t>6/18/2020</a:t>
             </a:fld>
             <a:endParaRPr lang="en-US" dirty="0"/>
           </a:p>
@@ -20193,7 +21319,7 @@
           <a:p>
             <a:fld id="{6D22F896-40B5-4ADD-8801-0D06FADFA095}" type="slidenum">
               <a:rPr lang="en-US" smtClean="0"/>
-              <a:t>102</a:t>
+              <a:t>105</a:t>
             </a:fld>
             <a:endParaRPr lang="en-US" dirty="0"/>
           </a:p>
@@ -20335,7 +21461,7 @@
           <a:p>
             <a:fld id="{EB485BB1-275F-43A5-9BF7-CE6360AB5A88}" type="datetime1">
               <a:rPr lang="en-US" smtClean="0"/>
-              <a:t>6/11/2020</a:t>
+              <a:t>6/18/2020</a:t>
             </a:fld>
             <a:endParaRPr lang="en-US" dirty="0"/>
           </a:p>
@@ -20532,7 +21658,7 @@
           <a:p>
             <a:fld id="{D3B5B599-A674-4519-B052-D1B8BD372E2B}" type="datetime1">
               <a:rPr lang="en-US" smtClean="0"/>
-              <a:t>6/11/2020</a:t>
+              <a:t>6/18/2020</a:t>
             </a:fld>
             <a:endParaRPr lang="en-US" dirty="0"/>
           </a:p>
@@ -20736,7 +21862,7 @@
           <a:p>
             <a:fld id="{F44211EE-8515-4F77-8770-45D4239539AF}" type="datetime1">
               <a:rPr lang="en-US" smtClean="0"/>
-              <a:t>6/11/2020</a:t>
+              <a:t>6/18/2020</a:t>
             </a:fld>
             <a:endParaRPr lang="en-US" dirty="0"/>
           </a:p>
@@ -20928,7 +22054,7 @@
           <a:p>
             <a:fld id="{F8F3720D-B69F-4A94-83B7-6D73A5F7EAD8}" type="datetime1">
               <a:rPr lang="en-US" smtClean="0"/>
-              <a:t>6/11/2020</a:t>
+              <a:t>6/18/2020</a:t>
             </a:fld>
             <a:endParaRPr lang="en-US" dirty="0"/>
           </a:p>
@@ -21130,7 +22256,7 @@
           <a:p>
             <a:fld id="{25D546F6-6C75-4763-9558-54409B344187}" type="datetime1">
               <a:rPr lang="en-US" smtClean="0"/>
-              <a:t>6/11/2020</a:t>
+              <a:t>6/18/2020</a:t>
             </a:fld>
             <a:endParaRPr lang="en-US" dirty="0"/>
           </a:p>
@@ -21313,7 +22439,7 @@
           <a:p>
             <a:fld id="{F1729F67-18C0-49B7-9343-C3C894FFD514}" type="datetime1">
               <a:rPr lang="en-US" smtClean="0"/>
-              <a:t>6/11/2020</a:t>
+              <a:t>6/18/2020</a:t>
             </a:fld>
             <a:endParaRPr lang="en-US" dirty="0"/>
           </a:p>
@@ -21499,7 +22625,7 @@
           <a:p>
             <a:fld id="{3123EF3B-E33C-44A1-85D1-A7AED0986DFB}" type="datetime1">
               <a:rPr lang="en-US" smtClean="0"/>
-              <a:t>6/11/2020</a:t>
+              <a:t>6/18/2020</a:t>
             </a:fld>
             <a:endParaRPr lang="en-US" dirty="0"/>
           </a:p>
@@ -21733,7 +22859,7 @@
           <a:p>
             <a:fld id="{2CEF5192-D767-427B-98A2-49ACBB0A8FB2}" type="datetime1">
               <a:rPr lang="en-US" smtClean="0"/>
-              <a:t>6/11/2020</a:t>
+              <a:t>6/18/2020</a:t>
             </a:fld>
             <a:endParaRPr lang="en-US" dirty="0"/>
           </a:p>
@@ -21942,7 +23068,7 @@
           <a:p>
             <a:fld id="{0B07C6D0-642C-4A40-B0F1-13ED56048173}" type="datetime1">
               <a:rPr lang="en-US" smtClean="0"/>
-              <a:t>6/11/2020</a:t>
+              <a:t>6/18/2020</a:t>
             </a:fld>
             <a:endParaRPr lang="en-US" dirty="0"/>
           </a:p>
@@ -22143,7 +23269,7 @@
           <a:p>
             <a:fld id="{17F33E47-61B9-4B4D-8325-8788C9EC3005}" type="datetime1">
               <a:rPr lang="en-US" smtClean="0"/>
-              <a:t>6/11/2020</a:t>
+              <a:t>6/18/2020</a:t>
             </a:fld>
             <a:endParaRPr lang="en-US" dirty="0"/>
           </a:p>
@@ -22368,7 +23494,7 @@
           <a:p>
             <a:fld id="{0B07C6D0-642C-4A40-B0F1-13ED56048173}" type="datetime1">
               <a:rPr lang="en-US" smtClean="0"/>
-              <a:t>6/11/2020</a:t>
+              <a:t>6/18/2020</a:t>
             </a:fld>
             <a:endParaRPr lang="en-US" dirty="0"/>
           </a:p>
@@ -22590,7 +23716,7 @@
           <a:p>
             <a:fld id="{0B07C6D0-642C-4A40-B0F1-13ED56048173}" type="datetime1">
               <a:rPr lang="en-US" smtClean="0"/>
-              <a:t>6/11/2020</a:t>
+              <a:t>6/18/2020</a:t>
             </a:fld>
             <a:endParaRPr lang="en-US" dirty="0"/>
           </a:p>
@@ -22848,7 +23974,7 @@
           <a:p>
             <a:fld id="{0B07C6D0-642C-4A40-B0F1-13ED56048173}" type="datetime1">
               <a:rPr lang="en-US" smtClean="0"/>
-              <a:t>6/11/2020</a:t>
+              <a:t>6/18/2020</a:t>
             </a:fld>
             <a:endParaRPr lang="en-US" dirty="0"/>
           </a:p>
@@ -23075,7 +24201,7 @@
           <a:p>
             <a:fld id="{0B07C6D0-642C-4A40-B0F1-13ED56048173}" type="datetime1">
               <a:rPr lang="en-US" smtClean="0"/>
-              <a:t>6/11/2020</a:t>
+              <a:t>6/18/2020</a:t>
             </a:fld>
             <a:endParaRPr lang="en-US" dirty="0"/>
           </a:p>
@@ -23275,7 +24401,7 @@
           <a:p>
             <a:fld id="{0B07C6D0-642C-4A40-B0F1-13ED56048173}" type="datetime1">
               <a:rPr lang="en-US" smtClean="0"/>
-              <a:t>6/11/2020</a:t>
+              <a:t>6/18/2020</a:t>
             </a:fld>
             <a:endParaRPr lang="en-US" dirty="0"/>
           </a:p>
@@ -23500,7 +24626,7 @@
           <a:p>
             <a:fld id="{0B07C6D0-642C-4A40-B0F1-13ED56048173}" type="datetime1">
               <a:rPr lang="en-US" smtClean="0"/>
-              <a:t>6/11/2020</a:t>
+              <a:t>6/18/2020</a:t>
             </a:fld>
             <a:endParaRPr lang="en-US" dirty="0"/>
           </a:p>
@@ -23723,7 +24849,7 @@
           <a:p>
             <a:fld id="{0B07C6D0-642C-4A40-B0F1-13ED56048173}" type="datetime1">
               <a:rPr lang="en-US" smtClean="0"/>
-              <a:t>6/11/2020</a:t>
+              <a:t>6/18/2020</a:t>
             </a:fld>
             <a:endParaRPr lang="en-US" dirty="0"/>
           </a:p>
@@ -23934,7 +25060,7 @@
           <a:p>
             <a:fld id="{0B07C6D0-642C-4A40-B0F1-13ED56048173}" type="datetime1">
               <a:rPr lang="en-US" smtClean="0"/>
-              <a:t>6/11/2020</a:t>
+              <a:t>6/18/2020</a:t>
             </a:fld>
             <a:endParaRPr lang="en-US" dirty="0"/>
           </a:p>
@@ -24145,7 +25271,7 @@
           <a:p>
             <a:fld id="{0B07C6D0-642C-4A40-B0F1-13ED56048173}" type="datetime1">
               <a:rPr lang="en-US" smtClean="0"/>
-              <a:t>6/11/2020</a:t>
+              <a:t>6/18/2020</a:t>
             </a:fld>
             <a:endParaRPr lang="en-US" dirty="0"/>
           </a:p>
@@ -24372,7 +25498,7 @@
           <a:p>
             <a:fld id="{0B07C6D0-642C-4A40-B0F1-13ED56048173}" type="datetime1">
               <a:rPr lang="en-US" smtClean="0"/>
-              <a:t>6/11/2020</a:t>
+              <a:t>6/18/2020</a:t>
             </a:fld>
             <a:endParaRPr lang="en-US" dirty="0"/>
           </a:p>
@@ -24565,7 +25691,7 @@
           <a:p>
             <a:fld id="{17F33E47-61B9-4B4D-8325-8788C9EC3005}" type="datetime1">
               <a:rPr lang="en-US" smtClean="0"/>
-              <a:t>6/11/2020</a:t>
+              <a:t>6/18/2020</a:t>
             </a:fld>
             <a:endParaRPr lang="en-US" dirty="0"/>
           </a:p>
@@ -24762,7 +25888,7 @@
           <a:p>
             <a:fld id="{0B07C6D0-642C-4A40-B0F1-13ED56048173}" type="datetime1">
               <a:rPr lang="en-US" smtClean="0"/>
-              <a:t>6/11/2020</a:t>
+              <a:t>6/18/2020</a:t>
             </a:fld>
             <a:endParaRPr lang="en-US" dirty="0"/>
           </a:p>
@@ -24959,7 +26085,7 @@
           <a:p>
             <a:fld id="{0B07C6D0-642C-4A40-B0F1-13ED56048173}" type="datetime1">
               <a:rPr lang="en-US" smtClean="0"/>
-              <a:t>6/11/2020</a:t>
+              <a:t>6/18/2020</a:t>
             </a:fld>
             <a:endParaRPr lang="en-US" dirty="0"/>
           </a:p>
@@ -25171,7 +26297,7 @@
           <a:p>
             <a:fld id="{0B07C6D0-642C-4A40-B0F1-13ED56048173}" type="datetime1">
               <a:rPr lang="en-US" smtClean="0"/>
-              <a:t>6/11/2020</a:t>
+              <a:t>6/18/2020</a:t>
             </a:fld>
             <a:endParaRPr lang="en-US" dirty="0"/>
           </a:p>
@@ -25393,7 +26519,7 @@
           <a:p>
             <a:fld id="{0B07C6D0-642C-4A40-B0F1-13ED56048173}" type="datetime1">
               <a:rPr lang="en-US" smtClean="0"/>
-              <a:t>6/11/2020</a:t>
+              <a:t>6/18/2020</a:t>
             </a:fld>
             <a:endParaRPr lang="en-US" dirty="0"/>
           </a:p>
@@ -25614,7 +26740,7 @@
           <a:p>
             <a:fld id="{0B07C6D0-642C-4A40-B0F1-13ED56048173}" type="datetime1">
               <a:rPr lang="en-US" smtClean="0"/>
-              <a:t>6/11/2020</a:t>
+              <a:t>6/18/2020</a:t>
             </a:fld>
             <a:endParaRPr lang="en-US" dirty="0"/>
           </a:p>
@@ -25867,7 +26993,7 @@
           <a:p>
             <a:fld id="{0B07C6D0-642C-4A40-B0F1-13ED56048173}" type="datetime1">
               <a:rPr lang="en-US" smtClean="0"/>
-              <a:t>6/11/2020</a:t>
+              <a:t>6/18/2020</a:t>
             </a:fld>
             <a:endParaRPr lang="en-US" dirty="0"/>
           </a:p>
@@ -26098,7 +27224,7 @@
           <a:p>
             <a:fld id="{0B07C6D0-642C-4A40-B0F1-13ED56048173}" type="datetime1">
               <a:rPr lang="en-US" smtClean="0"/>
-              <a:t>6/11/2020</a:t>
+              <a:t>6/18/2020</a:t>
             </a:fld>
             <a:endParaRPr lang="en-US" dirty="0"/>
           </a:p>
@@ -26302,7 +27428,7 @@
           <a:p>
             <a:fld id="{0B07C6D0-642C-4A40-B0F1-13ED56048173}" type="datetime1">
               <a:rPr lang="en-US" smtClean="0"/>
-              <a:t>6/11/2020</a:t>
+              <a:t>6/18/2020</a:t>
             </a:fld>
             <a:endParaRPr lang="en-US" dirty="0"/>
           </a:p>
@@ -26498,7 +27624,7 @@
           <a:p>
             <a:fld id="{0B07C6D0-642C-4A40-B0F1-13ED56048173}" type="datetime1">
               <a:rPr lang="en-US" smtClean="0"/>
-              <a:t>6/11/2020</a:t>
+              <a:t>6/18/2020</a:t>
             </a:fld>
             <a:endParaRPr lang="en-US" dirty="0"/>
           </a:p>
@@ -26689,7 +27815,7 @@
           <a:p>
             <a:fld id="{0B07C6D0-642C-4A40-B0F1-13ED56048173}" type="datetime1">
               <a:rPr lang="en-US" smtClean="0"/>
-              <a:t>6/11/2020</a:t>
+              <a:t>6/18/2020</a:t>
             </a:fld>
             <a:endParaRPr lang="en-US" dirty="0"/>
           </a:p>
@@ -26876,7 +28002,7 @@
           <a:p>
             <a:fld id="{B428F5A7-20F3-4981-866F-DD0AA3B623E8}" type="datetime1">
               <a:rPr lang="en-US" smtClean="0"/>
-              <a:t>6/11/2020</a:t>
+              <a:t>6/18/2020</a:t>
             </a:fld>
             <a:endParaRPr lang="en-US" dirty="0"/>
           </a:p>
@@ -27111,7 +28237,7 @@
           <a:p>
             <a:fld id="{0B07C6D0-642C-4A40-B0F1-13ED56048173}" type="datetime1">
               <a:rPr lang="en-US" smtClean="0"/>
-              <a:t>6/11/2020</a:t>
+              <a:t>6/18/2020</a:t>
             </a:fld>
             <a:endParaRPr lang="en-US" dirty="0"/>
           </a:p>
@@ -27307,7 +28433,7 @@
           <a:p>
             <a:fld id="{E02B781D-F242-4EC9-85F5-CDC090A7B613}" type="datetime1">
               <a:rPr lang="en-US" smtClean="0"/>
-              <a:t>6/11/2020</a:t>
+              <a:t>6/18/2020</a:t>
             </a:fld>
             <a:endParaRPr lang="en-US" dirty="0"/>
           </a:p>
@@ -27527,7 +28653,7 @@
           <a:p>
             <a:fld id="{35E9484C-F54E-4BD7-8682-9BD806A67B98}" type="datetime1">
               <a:rPr lang="en-US" smtClean="0"/>
-              <a:t>6/11/2020</a:t>
+              <a:t>6/18/2020</a:t>
             </a:fld>
             <a:endParaRPr lang="en-US" dirty="0"/>
           </a:p>
@@ -27701,7 +28827,7 @@
           <a:p>
             <a:fld id="{47F285D0-22A3-4855-9FC4-9DA73FCA7A74}" type="datetime1">
               <a:rPr lang="en-US" smtClean="0"/>
-              <a:t>6/11/2020</a:t>
+              <a:t>6/18/2020</a:t>
             </a:fld>
             <a:endParaRPr lang="en-US" dirty="0"/>
           </a:p>
@@ -28002,7 +29128,7 @@
           <a:p>
             <a:fld id="{B50B8FD1-A93D-4EFC-ADEA-DCE8D23BE85D}" type="datetime1">
               <a:rPr lang="en-US" smtClean="0"/>
-              <a:t>6/11/2020</a:t>
+              <a:t>6/18/2020</a:t>
             </a:fld>
             <a:endParaRPr lang="en-US" dirty="0"/>
           </a:p>
@@ -28347,7 +29473,7 @@
           <a:p>
             <a:fld id="{F4494EF9-6E48-4BE5-9FFB-0B54D3D03D55}" type="datetime1">
               <a:rPr lang="en-US" smtClean="0"/>
-              <a:t>6/11/2020</a:t>
+              <a:t>6/18/2020</a:t>
             </a:fld>
             <a:endParaRPr lang="en-US" dirty="0"/>
           </a:p>
@@ -28649,7 +29775,7 @@
           <a:p>
             <a:fld id="{C880AC0F-142E-4BD1-B5DE-2C1EB2FC1D07}" type="datetime1">
               <a:rPr lang="en-US" smtClean="0"/>
-              <a:t>6/11/2020</a:t>
+              <a:t>6/18/2020</a:t>
             </a:fld>
             <a:endParaRPr lang="en-US" dirty="0"/>
           </a:p>
@@ -28977,7 +30103,7 @@
           <a:p>
             <a:fld id="{C880AC0F-142E-4BD1-B5DE-2C1EB2FC1D07}" type="datetime1">
               <a:rPr lang="en-US" smtClean="0"/>
-              <a:t>6/11/2020</a:t>
+              <a:t>6/18/2020</a:t>
             </a:fld>
             <a:endParaRPr lang="en-US" dirty="0"/>
           </a:p>
@@ -29377,7 +30503,7 @@
           <a:p>
             <a:fld id="{C880AC0F-142E-4BD1-B5DE-2C1EB2FC1D07}" type="datetime1">
               <a:rPr lang="en-US" smtClean="0"/>
-              <a:t>6/11/2020</a:t>
+              <a:t>6/18/2020</a:t>
             </a:fld>
             <a:endParaRPr lang="en-US" dirty="0"/>
           </a:p>
@@ -29611,7 +30737,7 @@
           <a:p>
             <a:fld id="{511DCA66-61A3-46A5-A102-0557E69789BF}" type="datetime1">
               <a:rPr lang="en-US" smtClean="0"/>
-              <a:t>6/11/2020</a:t>
+              <a:t>6/18/2020</a:t>
             </a:fld>
             <a:endParaRPr lang="en-US" dirty="0"/>
           </a:p>
@@ -29828,7 +30954,7 @@
           <a:p>
             <a:fld id="{A7119916-CD40-456D-ABE3-55F8822671F7}" type="datetime1">
               <a:rPr lang="en-US" smtClean="0"/>
-              <a:t>6/11/2020</a:t>
+              <a:t>6/18/2020</a:t>
             </a:fld>
             <a:endParaRPr lang="en-US" dirty="0"/>
           </a:p>
@@ -30091,7 +31217,7 @@
           <a:p>
             <a:fld id="{13FA9525-5BAF-4C08-8086-C4599FF3B825}" type="datetime1">
               <a:rPr lang="en-US" smtClean="0"/>
-              <a:t>6/11/2020</a:t>
+              <a:t>6/18/2020</a:t>
             </a:fld>
             <a:endParaRPr lang="en-US" dirty="0"/>
           </a:p>
@@ -30380,7 +31506,7 @@
           <a:p>
             <a:fld id="{4B1C6EE5-B007-4D07-A9FC-11DA22A33901}" type="datetime1">
               <a:rPr lang="en-US" smtClean="0"/>
-              <a:t>6/11/2020</a:t>
+              <a:t>6/18/2020</a:t>
             </a:fld>
             <a:endParaRPr lang="en-US" dirty="0"/>
           </a:p>
@@ -30637,7 +31763,7 @@
           <a:p>
             <a:fld id="{9A6CD480-3A8F-444C-A8A1-679DB6256CDA}" type="datetime1">
               <a:rPr lang="en-US" smtClean="0"/>
-              <a:t>6/11/2020</a:t>
+              <a:t>6/18/2020</a:t>
             </a:fld>
             <a:endParaRPr lang="en-US" dirty="0"/>
           </a:p>
@@ -30855,7 +31981,7 @@
           <a:p>
             <a:fld id="{4E8C4896-4E76-4725-819F-2F7F56C58940}" type="datetime1">
               <a:rPr lang="en-US" smtClean="0"/>
-              <a:t>6/11/2020</a:t>
+              <a:t>6/18/2020</a:t>
             </a:fld>
             <a:endParaRPr lang="en-US" dirty="0"/>
           </a:p>
@@ -31065,7 +32191,7 @@
           <a:p>
             <a:fld id="{1FA96798-1E58-4B1A-A07F-5925B5A19426}" type="datetime1">
               <a:rPr lang="en-US" smtClean="0"/>
-              <a:t>6/11/2020</a:t>
+              <a:t>6/18/2020</a:t>
             </a:fld>
             <a:endParaRPr lang="en-US" dirty="0"/>
           </a:p>
@@ -31267,7 +32393,7 @@
           <a:p>
             <a:fld id="{05BC9A31-B982-4DAD-8F8D-6FACB88C79AA}" type="datetime1">
               <a:rPr lang="en-US" smtClean="0"/>
-              <a:t>6/11/2020</a:t>
+              <a:t>6/18/2020</a:t>
             </a:fld>
             <a:endParaRPr lang="en-US" dirty="0"/>
           </a:p>
@@ -31450,7 +32576,7 @@
           <a:p>
             <a:fld id="{94662273-5966-4B9D-83DB-14F68B7746FA}" type="datetime1">
               <a:rPr lang="en-US" smtClean="0"/>
-              <a:t>6/11/2020</a:t>
+              <a:t>6/18/2020</a:t>
             </a:fld>
             <a:endParaRPr lang="en-US" dirty="0"/>
           </a:p>
@@ -31650,7 +32776,7 @@
           <a:p>
             <a:fld id="{A7119916-CD40-456D-ABE3-55F8822671F7}" type="datetime1">
               <a:rPr lang="en-US" smtClean="0"/>
-              <a:t>6/11/2020</a:t>
+              <a:t>6/18/2020</a:t>
             </a:fld>
             <a:endParaRPr lang="en-US" dirty="0"/>
           </a:p>
@@ -31875,7 +33001,7 @@
           <a:p>
             <a:fld id="{A7119916-CD40-456D-ABE3-55F8822671F7}" type="datetime1">
               <a:rPr lang="en-US" smtClean="0"/>
-              <a:t>6/11/2020</a:t>
+              <a:t>6/18/2020</a:t>
             </a:fld>
             <a:endParaRPr lang="en-US" dirty="0"/>
           </a:p>
@@ -32081,7 +33207,7 @@
           <a:p>
             <a:fld id="{E23F3936-AFA8-453C-AA83-20BED14AE09C}" type="datetime1">
               <a:rPr lang="en-US" smtClean="0"/>
-              <a:t>6/11/2020</a:t>
+              <a:t>6/18/2020</a:t>
             </a:fld>
             <a:endParaRPr lang="en-US" dirty="0"/>
           </a:p>
@@ -32300,7 +33426,7 @@
           <a:p>
             <a:fld id="{A7119916-CD40-456D-ABE3-55F8822671F7}" type="datetime1">
               <a:rPr lang="en-US" smtClean="0"/>
-              <a:t>6/11/2020</a:t>
+              <a:t>6/18/2020</a:t>
             </a:fld>
             <a:endParaRPr lang="en-US" dirty="0"/>
           </a:p>
@@ -32517,7 +33643,7 @@
           <a:p>
             <a:fld id="{A7119916-CD40-456D-ABE3-55F8822671F7}" type="datetime1">
               <a:rPr lang="en-US" smtClean="0"/>
-              <a:t>6/11/2020</a:t>
+              <a:t>6/18/2020</a:t>
             </a:fld>
             <a:endParaRPr lang="en-US" dirty="0"/>
           </a:p>
@@ -32698,7 +33824,7 @@
           <a:p>
             <a:fld id="{9361E22B-4876-4D2F-B7B0-86C0C07ED510}" type="datetime1">
               <a:rPr lang="en-US" smtClean="0"/>
-              <a:t>6/11/2020</a:t>
+              <a:t>6/18/2020</a:t>
             </a:fld>
             <a:endParaRPr lang="en-US" dirty="0"/>
           </a:p>
@@ -32925,7 +34051,7 @@
           <a:p>
             <a:fld id="{A7119916-CD40-456D-ABE3-55F8822671F7}" type="datetime1">
               <a:rPr lang="en-US" smtClean="0"/>
-              <a:t>6/11/2020</a:t>
+              <a:t>6/18/2020</a:t>
             </a:fld>
             <a:endParaRPr lang="en-US" dirty="0"/>
           </a:p>
@@ -33136,7 +34262,7 @@
           <a:p>
             <a:fld id="{A7119916-CD40-456D-ABE3-55F8822671F7}" type="datetime1">
               <a:rPr lang="en-US" smtClean="0"/>
-              <a:t>6/11/2020</a:t>
+              <a:t>6/18/2020</a:t>
             </a:fld>
             <a:endParaRPr lang="en-US" dirty="0"/>
           </a:p>
@@ -33306,13 +34432,8 @@
           <a:p>
             <a:r>
               <a:rPr lang="en-US" sz="14400" dirty="0"/>
-              <a:t>Seventh: Handle typos / </a:t>
-            </a:r>
-            <a:r>
-              <a:rPr lang="en-US" sz="14400"/>
-              <a:t>illegal numbers</a:t>
-            </a:r>
-            <a:endParaRPr lang="en-US" sz="14400" dirty="0"/>
+              <a:t>Seventh: Handle typos / illegal numbers</a:t>
+            </a:r>
           </a:p>
           <a:p>
             <a:endParaRPr lang="en-US" dirty="0"/>
@@ -33342,7 +34463,7 @@
           <a:p>
             <a:fld id="{A7119916-CD40-456D-ABE3-55F8822671F7}" type="datetime1">
               <a:rPr lang="en-US" smtClean="0"/>
-              <a:t>6/11/2020</a:t>
+              <a:t>6/18/2020</a:t>
             </a:fld>
             <a:endParaRPr lang="en-US" dirty="0"/>
           </a:p>
@@ -33581,7 +34702,7 @@
           <a:p>
             <a:fld id="{A7119916-CD40-456D-ABE3-55F8822671F7}" type="datetime1">
               <a:rPr lang="en-US" smtClean="0"/>
-              <a:t>6/11/2020</a:t>
+              <a:t>6/18/2020</a:t>
             </a:fld>
             <a:endParaRPr lang="en-US" dirty="0"/>
           </a:p>
@@ -33872,7 +34993,7 @@
           <a:p>
             <a:fld id="{A7119916-CD40-456D-ABE3-55F8822671F7}" type="datetime1">
               <a:rPr lang="en-US" smtClean="0"/>
-              <a:t>6/11/2020</a:t>
+              <a:t>6/18/2020</a:t>
             </a:fld>
             <a:endParaRPr lang="en-US" dirty="0"/>
           </a:p>
@@ -34089,7 +35210,7 @@
           <a:p>
             <a:fld id="{A7119916-CD40-456D-ABE3-55F8822671F7}" type="datetime1">
               <a:rPr lang="en-US" smtClean="0"/>
-              <a:t>6/11/2020</a:t>
+              <a:t>6/18/2020</a:t>
             </a:fld>
             <a:endParaRPr lang="en-US" dirty="0"/>
           </a:p>
@@ -34344,7 +35465,7 @@
           <a:p>
             <a:fld id="{A7119916-CD40-456D-ABE3-55F8822671F7}" type="datetime1">
               <a:rPr lang="en-US" smtClean="0"/>
-              <a:t>6/11/2020</a:t>
+              <a:t>6/18/2020</a:t>
             </a:fld>
             <a:endParaRPr lang="en-US" dirty="0"/>
           </a:p>
@@ -34565,7 +35686,7 @@
           <a:p>
             <a:fld id="{A7119916-CD40-456D-ABE3-55F8822671F7}" type="datetime1">
               <a:rPr lang="en-US" smtClean="0"/>
-              <a:t>6/11/2020</a:t>
+              <a:t>6/18/2020</a:t>
             </a:fld>
             <a:endParaRPr lang="en-US" dirty="0"/>
           </a:p>
@@ -34763,7 +35884,7 @@
           <a:p>
             <a:fld id="{A7119916-CD40-456D-ABE3-55F8822671F7}" type="datetime1">
               <a:rPr lang="en-US" smtClean="0"/>
-              <a:t>6/11/2020</a:t>
+              <a:t>6/18/2020</a:t>
             </a:fld>
             <a:endParaRPr lang="en-US" dirty="0"/>
           </a:p>
@@ -35020,7 +36141,7 @@
           <a:p>
             <a:fld id="{A7119916-CD40-456D-ABE3-55F8822671F7}" type="datetime1">
               <a:rPr lang="en-US" smtClean="0"/>
-              <a:t>6/11/2020</a:t>
+              <a:t>6/18/2020</a:t>
             </a:fld>
             <a:endParaRPr lang="en-US" dirty="0"/>
           </a:p>
@@ -35331,7 +36452,7 @@
           <a:p>
             <a:fld id="{A7119916-CD40-456D-ABE3-55F8822671F7}" type="datetime1">
               <a:rPr lang="en-US" smtClean="0"/>
-              <a:t>6/11/2020</a:t>
+              <a:t>6/18/2020</a:t>
             </a:fld>
             <a:endParaRPr lang="en-US" dirty="0"/>
           </a:p>
@@ -35528,7 +36649,7 @@
           <a:p>
             <a:fld id="{A7119916-CD40-456D-ABE3-55F8822671F7}" type="datetime1">
               <a:rPr lang="en-US" smtClean="0"/>
-              <a:t>6/11/2020</a:t>
+              <a:t>6/18/2020</a:t>
             </a:fld>
             <a:endParaRPr lang="en-US" dirty="0"/>
           </a:p>
@@ -35720,7 +36841,7 @@
           <a:p>
             <a:fld id="{A7119916-CD40-456D-ABE3-55F8822671F7}" type="datetime1">
               <a:rPr lang="en-US" smtClean="0"/>
-              <a:t>6/11/2020</a:t>
+              <a:t>6/18/2020</a:t>
             </a:fld>
             <a:endParaRPr lang="en-US" dirty="0"/>
           </a:p>
@@ -35911,7 +37032,7 @@
           <a:p>
             <a:fld id="{A7119916-CD40-456D-ABE3-55F8822671F7}" type="datetime1">
               <a:rPr lang="en-US" smtClean="0"/>
-              <a:t>6/11/2020</a:t>
+              <a:t>6/18/2020</a:t>
             </a:fld>
             <a:endParaRPr lang="en-US" dirty="0"/>
           </a:p>
@@ -36116,7 +37237,7 @@
           <a:p>
             <a:fld id="{A7119916-CD40-456D-ABE3-55F8822671F7}" type="datetime1">
               <a:rPr lang="en-US" smtClean="0"/>
-              <a:t>6/11/2020</a:t>
+              <a:t>6/18/2020</a:t>
             </a:fld>
             <a:endParaRPr lang="en-US" dirty="0"/>
           </a:p>
@@ -36314,7 +37435,7 @@
           <a:p>
             <a:fld id="{A7119916-CD40-456D-ABE3-55F8822671F7}" type="datetime1">
               <a:rPr lang="en-US" smtClean="0"/>
-              <a:t>6/11/2020</a:t>
+              <a:t>6/18/2020</a:t>
             </a:fld>
             <a:endParaRPr lang="en-US" dirty="0"/>
           </a:p>
@@ -36606,7 +37727,7 @@
           <a:p>
             <a:fld id="{A7119916-CD40-456D-ABE3-55F8822671F7}" type="datetime1">
               <a:rPr lang="en-US" smtClean="0"/>
-              <a:t>6/11/2020</a:t>
+              <a:t>6/18/2020</a:t>
             </a:fld>
             <a:endParaRPr lang="en-US" dirty="0"/>
           </a:p>
@@ -36824,7 +37945,7 @@
           <a:p>
             <a:fld id="{A7119916-CD40-456D-ABE3-55F8822671F7}" type="datetime1">
               <a:rPr lang="en-US" smtClean="0"/>
-              <a:t>6/11/2020</a:t>
+              <a:t>6/18/2020</a:t>
             </a:fld>
             <a:endParaRPr lang="en-US" dirty="0"/>
           </a:p>
@@ -36982,7 +38103,7 @@
           <a:p>
             <a:r>
               <a:rPr lang="en-US" sz="3600" dirty="0"/>
-              <a:t>Names help understanding</a:t>
+              <a:t>Parameter names help understanding</a:t>
             </a:r>
           </a:p>
           <a:p>
@@ -37046,7 +38167,7 @@
           <a:p>
             <a:fld id="{A7119916-CD40-456D-ABE3-55F8822671F7}" type="datetime1">
               <a:rPr lang="en-US" smtClean="0"/>
-              <a:t>6/11/2020</a:t>
+              <a:t>6/18/2020</a:t>
             </a:fld>
             <a:endParaRPr lang="en-US" dirty="0"/>
           </a:p>
@@ -37236,7 +38357,7 @@
           <a:p>
             <a:fld id="{52E41419-A9A0-4E48-99EF-6542B4AE3C79}" type="datetime1">
               <a:rPr lang="en-US" smtClean="0"/>
-              <a:t>6/11/2020</a:t>
+              <a:t>6/18/2020</a:t>
             </a:fld>
             <a:endParaRPr lang="en-US" dirty="0"/>
           </a:p>
@@ -37564,7 +38685,7 @@
           <a:p>
             <a:fld id="{A7119916-CD40-456D-ABE3-55F8822671F7}" type="datetime1">
               <a:rPr lang="en-US" smtClean="0"/>
-              <a:t>6/11/2020</a:t>
+              <a:t>6/18/2020</a:t>
             </a:fld>
             <a:endParaRPr lang="en-US" dirty="0"/>
           </a:p>
@@ -37692,7 +38813,7 @@
           <a:p>
             <a:r>
               <a:rPr lang="en-US" dirty="0"/>
-              <a:t>Lists / Arrays – numbered / expandable</a:t>
+              <a:t>Functions – Keyword parameters – example – built-in function: print()</a:t>
             </a:r>
           </a:p>
         </p:txBody>
@@ -37716,65 +38837,145 @@
         <p:spPr/>
         <p:txBody>
           <a:bodyPr>
-            <a:normAutofit lnSpcReduction="10000"/>
+            <a:normAutofit/>
           </a:bodyPr>
           <a:lstStyle/>
-          <a:p>
-            <a:pPr marL="1257300" lvl="2" indent="-457200"/>
-            <a:r>
-              <a:rPr lang="en-US" sz="3000" dirty="0"/>
-              <a:t>Named group of values</a:t>
-            </a:r>
-          </a:p>
           <a:p>
             <a:pPr marL="800100" lvl="2" indent="0">
               <a:buNone/>
             </a:pPr>
             <a:r>
-              <a:rPr lang="en-US" sz="3000" dirty="0">
+              <a:rPr lang="en-US" sz="3600" b="1" dirty="0">
                 <a:latin typeface="Courier New" panose="02070309020205020404" pitchFamily="49" charset="0"/>
                 <a:cs typeface="Courier New" panose="02070309020205020404" pitchFamily="49" charset="0"/>
               </a:rPr>
-              <a:t>friends = ["tom", "dick", "jane"]</a:t>
-            </a:r>
-          </a:p>
-          <a:p>
-            <a:pPr marL="1257300" lvl="2" indent="-457200"/>
-            <a:r>
-              <a:rPr lang="en-US" sz="3000" dirty="0"/>
-              <a:t>Access by position</a:t>
-            </a:r>
-          </a:p>
-          <a:p>
-            <a:pPr marL="800100" lvl="2" indent="0">
-              <a:buNone/>
-            </a:pPr>
-            <a:r>
-              <a:rPr lang="en-US" sz="3000" dirty="0">
+              <a:t>def print(*args, end="\n", </a:t>
+            </a:r>
+            <a:r>
+              <a:rPr lang="en-US" sz="3600" b="1" dirty="0" err="1">
                 <a:latin typeface="Courier New" panose="02070309020205020404" pitchFamily="49" charset="0"/>
                 <a:cs typeface="Courier New" panose="02070309020205020404" pitchFamily="49" charset="0"/>
               </a:rPr>
-              <a:t>print("1st, 3d:", friends[0], friends[2])</a:t>
-            </a:r>
-          </a:p>
-          <a:p>
-            <a:pPr marL="1257300" lvl="2" indent="-457200"/>
-            <a:r>
-              <a:rPr lang="en-US" sz="3000" dirty="0"/>
-              <a:t>Add to end</a:t>
-            </a:r>
-          </a:p>
-          <a:p>
-            <a:pPr marL="800100" lvl="2" indent="0">
-              <a:buNone/>
-            </a:pPr>
-            <a:r>
-              <a:rPr lang="en-US" sz="3000" dirty="0">
+              <a:t>sep</a:t>
+            </a:r>
+            <a:r>
+              <a:rPr lang="en-US" sz="3600" b="1" dirty="0">
                 <a:latin typeface="Courier New" panose="02070309020205020404" pitchFamily="49" charset="0"/>
                 <a:cs typeface="Courier New" panose="02070309020205020404" pitchFamily="49" charset="0"/>
               </a:rPr>
-              <a:t>friends.append("joe")</a:t>
-            </a:r>
+              <a:t>=" ") </a:t>
+            </a:r>
+            <a:endParaRPr lang="en-US" sz="3600" dirty="0">
+              <a:latin typeface="Courier New" panose="02070309020205020404" pitchFamily="49" charset="0"/>
+              <a:cs typeface="Courier New" panose="02070309020205020404" pitchFamily="49" charset="0"/>
+            </a:endParaRPr>
+          </a:p>
+          <a:p>
+            <a:pPr marL="1257300" lvl="3" indent="0">
+              <a:buNone/>
+            </a:pPr>
+            <a:r>
+              <a:rPr lang="en-US" sz="2400" dirty="0">
+                <a:latin typeface="Courier New" panose="02070309020205020404" pitchFamily="49" charset="0"/>
+                <a:cs typeface="Courier New" panose="02070309020205020404" pitchFamily="49" charset="0"/>
+              </a:rPr>
+              <a:t>print("a", "b", </a:t>
+            </a:r>
+            <a:r>
+              <a:rPr lang="en-US" sz="2400" dirty="0" err="1">
+                <a:latin typeface="Courier New" panose="02070309020205020404" pitchFamily="49" charset="0"/>
+                <a:cs typeface="Courier New" panose="02070309020205020404" pitchFamily="49" charset="0"/>
+              </a:rPr>
+              <a:t>sep</a:t>
+            </a:r>
+            <a:r>
+              <a:rPr lang="en-US" sz="2400" dirty="0">
+                <a:latin typeface="Courier New" panose="02070309020205020404" pitchFamily="49" charset="0"/>
+                <a:cs typeface="Courier New" panose="02070309020205020404" pitchFamily="49" charset="0"/>
+              </a:rPr>
+              <a:t>=":") #different </a:t>
+            </a:r>
+            <a:r>
+              <a:rPr lang="en-US" sz="2400" dirty="0" err="1">
+                <a:latin typeface="Courier New" panose="02070309020205020404" pitchFamily="49" charset="0"/>
+                <a:cs typeface="Courier New" panose="02070309020205020404" pitchFamily="49" charset="0"/>
+              </a:rPr>
+              <a:t>sep</a:t>
+            </a:r>
+            <a:endParaRPr lang="en-US" sz="2400" dirty="0">
+              <a:latin typeface="Courier New" panose="02070309020205020404" pitchFamily="49" charset="0"/>
+              <a:cs typeface="Courier New" panose="02070309020205020404" pitchFamily="49" charset="0"/>
+            </a:endParaRPr>
+          </a:p>
+          <a:p>
+            <a:pPr marL="1257300" lvl="3" indent="0">
+              <a:buNone/>
+            </a:pPr>
+            <a:r>
+              <a:rPr lang="en-US" sz="2400" dirty="0">
+                <a:latin typeface="Courier New" panose="02070309020205020404" pitchFamily="49" charset="0"/>
+                <a:cs typeface="Courier New" panose="02070309020205020404" pitchFamily="49" charset="0"/>
+              </a:rPr>
+              <a:t>Print("</a:t>
+            </a:r>
+            <a:r>
+              <a:rPr lang="en-US" sz="2400" dirty="0" err="1">
+                <a:latin typeface="Courier New" panose="02070309020205020404" pitchFamily="49" charset="0"/>
+                <a:cs typeface="Courier New" panose="02070309020205020404" pitchFamily="49" charset="0"/>
+              </a:rPr>
+              <a:t>c","d</a:t>
+            </a:r>
+            <a:r>
+              <a:rPr lang="en-US" sz="2400" dirty="0">
+                <a:latin typeface="Courier New" panose="02070309020205020404" pitchFamily="49" charset="0"/>
+                <a:cs typeface="Courier New" panose="02070309020205020404" pitchFamily="49" charset="0"/>
+              </a:rPr>
+              <a:t>", end="")		#No end line</a:t>
+            </a:r>
+          </a:p>
+          <a:p>
+            <a:pPr marL="400050" lvl="1" indent="0">
+              <a:buClr>
+                <a:srgbClr val="90C226"/>
+              </a:buClr>
+              <a:buNone/>
+            </a:pPr>
+            <a:r>
+              <a:rPr lang="en-US" sz="3800" b="1" dirty="0">
+                <a:solidFill>
+                  <a:prstClr val="black">
+                    <a:lumMod val="75000"/>
+                    <a:lumOff val="25000"/>
+                  </a:prstClr>
+                </a:solidFill>
+                <a:latin typeface="Courier New" panose="02070309020205020404" pitchFamily="49" charset="0"/>
+                <a:cs typeface="Courier New" panose="02070309020205020404" pitchFamily="49" charset="0"/>
+              </a:rPr>
+              <a:t>Exercise: </a:t>
+            </a:r>
+            <a:r>
+              <a:rPr lang="en-US" sz="3800" dirty="0">
+                <a:solidFill>
+                  <a:prstClr val="black">
+                    <a:lumMod val="75000"/>
+                    <a:lumOff val="25000"/>
+                  </a:prstClr>
+                </a:solidFill>
+                <a:latin typeface="Tahoma" panose="020B0604030504040204" pitchFamily="34" charset="0"/>
+                <a:ea typeface="Tahoma" panose="020B0604030504040204" pitchFamily="34" charset="0"/>
+                <a:cs typeface="Tahoma" panose="020B0604030504040204" pitchFamily="34" charset="0"/>
+              </a:rPr>
+              <a:t>Try using each print keyword </a:t>
+            </a:r>
+          </a:p>
+          <a:p>
+            <a:pPr marL="1257300" lvl="3" indent="0">
+              <a:buNone/>
+            </a:pPr>
+            <a:endParaRPr lang="en-US" sz="2800" dirty="0">
+              <a:latin typeface="Courier New" panose="02070309020205020404" pitchFamily="49" charset="0"/>
+              <a:cs typeface="Courier New" panose="02070309020205020404" pitchFamily="49" charset="0"/>
+            </a:endParaRPr>
           </a:p>
         </p:txBody>
       </p:sp>
@@ -37801,7 +39002,7 @@
           <a:p>
             <a:fld id="{A7119916-CD40-456D-ABE3-55F8822671F7}" type="datetime1">
               <a:rPr lang="en-US" smtClean="0"/>
-              <a:t>6/11/2020</a:t>
+              <a:t>6/18/2020</a:t>
             </a:fld>
             <a:endParaRPr lang="en-US" dirty="0"/>
           </a:p>
@@ -37867,7 +39068,7 @@
     </p:spTree>
     <p:extLst>
       <p:ext uri="{BB962C8B-B14F-4D97-AF65-F5344CB8AC3E}">
-        <p14:creationId xmlns:p14="http://schemas.microsoft.com/office/powerpoint/2010/main" val="3323489949"/>
+        <p14:creationId xmlns:p14="http://schemas.microsoft.com/office/powerpoint/2010/main" val="1066363328"/>
       </p:ext>
     </p:extLst>
   </p:cSld>
@@ -37929,7 +39130,7 @@
           <a:p>
             <a:r>
               <a:rPr lang="en-US" dirty="0"/>
-              <a:t>Strings - Like a lists of characters - ALMOST</a:t>
+              <a:t>Functions – Keyword parameters – print() Exercise 2: – Print factors – factors.py</a:t>
             </a:r>
           </a:p>
         </p:txBody>
@@ -37953,26 +39154,52 @@
         <p:spPr/>
         <p:txBody>
           <a:bodyPr>
-            <a:noAutofit/>
+            <a:normAutofit fontScale="92500" lnSpcReduction="20000"/>
           </a:bodyPr>
           <a:lstStyle/>
           <a:p>
-            <a:pPr marL="1257300" lvl="2" indent="-457200"/>
-            <a:r>
-              <a:rPr lang="en-US" sz="3600" dirty="0"/>
-              <a:t>Assigned as a group, not via index</a:t>
-            </a:r>
+            <a:pPr marL="971550" lvl="1" indent="-571500"/>
+            <a:r>
+              <a:rPr lang="en-US" sz="3000" dirty="0">
+                <a:solidFill>
+                  <a:srgbClr val="90C226"/>
+                </a:solidFill>
+                <a:ea typeface="+mj-ea"/>
+                <a:cs typeface="+mj-cs"/>
+              </a:rPr>
+              <a:t>Prompt user for n</a:t>
+            </a:r>
+          </a:p>
+          <a:p>
+            <a:pPr marL="971550" lvl="1" indent="-571500"/>
+            <a:r>
+              <a:rPr lang="en-US" sz="3000" dirty="0">
+                <a:solidFill>
+                  <a:schemeClr val="accent1"/>
+                </a:solidFill>
+                <a:latin typeface="Trebuchet MS" panose="020B0603020202020204" pitchFamily="34" charset="0"/>
+                <a:cs typeface="Courier New" panose="02070309020205020404" pitchFamily="49" charset="0"/>
+              </a:rPr>
+              <a:t>For numbers 1 to n, print factors</a:t>
+            </a:r>
+            <a:endParaRPr lang="en-US" sz="3000" dirty="0">
+              <a:solidFill>
+                <a:schemeClr val="accent1"/>
+              </a:solidFill>
+              <a:latin typeface="Courier New" panose="02070309020205020404" pitchFamily="49" charset="0"/>
+              <a:cs typeface="Courier New" panose="02070309020205020404" pitchFamily="49" charset="0"/>
+            </a:endParaRPr>
           </a:p>
           <a:p>
             <a:pPr marL="1257300" lvl="3" indent="0">
               <a:buNone/>
             </a:pPr>
             <a:r>
-              <a:rPr lang="en-US" sz="3200" dirty="0">
+              <a:rPr lang="en-US" sz="2800" dirty="0">
                 <a:latin typeface="Courier New" panose="02070309020205020404" pitchFamily="49" charset="0"/>
                 <a:cs typeface="Courier New" panose="02070309020205020404" pitchFamily="49" charset="0"/>
               </a:rPr>
-              <a:t>str_name = "abcdef"</a:t>
+              <a:t>1: 1</a:t>
             </a:r>
           </a:p>
           <a:p>
@@ -37980,28 +39207,23 @@
               <a:buNone/>
             </a:pPr>
             <a:r>
-              <a:rPr lang="en-US" sz="3200" b="1" dirty="0">
-                <a:solidFill>
-                  <a:srgbClr val="C00000"/>
-                </a:solidFill>
+              <a:rPr lang="en-US" sz="2800" dirty="0">
                 <a:latin typeface="Courier New" panose="02070309020205020404" pitchFamily="49" charset="0"/>
                 <a:cs typeface="Courier New" panose="02070309020205020404" pitchFamily="49" charset="0"/>
               </a:rPr>
-              <a:t>NOT</a:t>
-            </a:r>
-            <a:r>
-              <a:rPr lang="en-US" sz="3200" dirty="0">
+              <a:t>2: 1,2       - factors on same line</a:t>
+            </a:r>
+          </a:p>
+          <a:p>
+            <a:pPr marL="1257300" lvl="3" indent="0">
+              <a:buNone/>
+            </a:pPr>
+            <a:r>
+              <a:rPr lang="en-US" sz="2800" dirty="0">
                 <a:latin typeface="Courier New" panose="02070309020205020404" pitchFamily="49" charset="0"/>
                 <a:cs typeface="Courier New" panose="02070309020205020404" pitchFamily="49" charset="0"/>
               </a:rPr>
-              <a:t> str_name[0] = "a"</a:t>
-            </a:r>
-          </a:p>
-          <a:p>
-            <a:pPr marL="1257300" lvl="2" indent="-457200"/>
-            <a:r>
-              <a:rPr lang="en-US" sz="3600" dirty="0"/>
-              <a:t>Can be Accessed by index</a:t>
+              <a:t>3: 1, 3</a:t>
             </a:r>
           </a:p>
           <a:p>
@@ -38009,11 +39231,11 @@
               <a:buNone/>
             </a:pPr>
             <a:r>
-              <a:rPr lang="en-US" sz="3200" dirty="0">
+              <a:rPr lang="en-US" sz="2800" dirty="0">
                 <a:latin typeface="Courier New" panose="02070309020205020404" pitchFamily="49" charset="0"/>
                 <a:cs typeface="Courier New" panose="02070309020205020404" pitchFamily="49" charset="0"/>
               </a:rPr>
-              <a:t>if str_name[1] == "b":</a:t>
+              <a:t>4: 1,2,4</a:t>
             </a:r>
           </a:p>
           <a:p>
@@ -38021,11 +39243,23 @@
               <a:buNone/>
             </a:pPr>
             <a:r>
-              <a:rPr lang="en-US" sz="3200" dirty="0">
+              <a:rPr lang="en-US" sz="2800" dirty="0">
                 <a:latin typeface="Courier New" panose="02070309020205020404" pitchFamily="49" charset="0"/>
                 <a:cs typeface="Courier New" panose="02070309020205020404" pitchFamily="49" charset="0"/>
               </a:rPr>
-              <a:t>		print("Yep it’s the second character")</a:t>
+              <a:t>5: 1,5</a:t>
+            </a:r>
+          </a:p>
+          <a:p>
+            <a:pPr marL="1257300" lvl="3" indent="0">
+              <a:buNone/>
+            </a:pPr>
+            <a:r>
+              <a:rPr lang="en-US" sz="2800" dirty="0">
+                <a:latin typeface="Courier New" panose="02070309020205020404" pitchFamily="49" charset="0"/>
+                <a:cs typeface="Courier New" panose="02070309020205020404" pitchFamily="49" charset="0"/>
+              </a:rPr>
+              <a:t>6: 1,2,3,6</a:t>
             </a:r>
           </a:p>
         </p:txBody>
@@ -38053,7 +39287,7 @@
           <a:p>
             <a:fld id="{A7119916-CD40-456D-ABE3-55F8822671F7}" type="datetime1">
               <a:rPr lang="en-US" smtClean="0"/>
-              <a:t>6/11/2020</a:t>
+              <a:t>6/18/2020</a:t>
             </a:fld>
             <a:endParaRPr lang="en-US" dirty="0"/>
           </a:p>
@@ -38119,7 +39353,7 @@
     </p:spTree>
     <p:extLst>
       <p:ext uri="{BB962C8B-B14F-4D97-AF65-F5344CB8AC3E}">
-        <p14:creationId xmlns:p14="http://schemas.microsoft.com/office/powerpoint/2010/main" val="554796067"/>
+        <p14:creationId xmlns:p14="http://schemas.microsoft.com/office/powerpoint/2010/main" val="3235231780"/>
       </p:ext>
     </p:extLst>
   </p:cSld>
@@ -38181,7 +39415,7 @@
           <a:p>
             <a:r>
               <a:rPr lang="en-US" dirty="0"/>
-              <a:t>Strings - continued</a:t>
+              <a:t>Functions – Keyword parameters – print Exercise</a:t>
             </a:r>
           </a:p>
         </p:txBody>
@@ -38205,269 +39439,59 @@
         <p:spPr/>
         <p:txBody>
           <a:bodyPr>
-            <a:noAutofit/>
+            <a:normAutofit/>
           </a:bodyPr>
           <a:lstStyle/>
           <a:p>
-            <a:pPr marL="1257300" lvl="2" indent="-457200"/>
-            <a:r>
-              <a:rPr lang="en-US" sz="3600" dirty="0">
+            <a:pPr marL="400050" lvl="1" indent="0">
+              <a:buNone/>
+            </a:pPr>
+            <a:r>
+              <a:rPr lang="en-US" sz="4000" dirty="0">
+                <a:solidFill>
+                  <a:srgbClr val="90C226"/>
+                </a:solidFill>
+                <a:ea typeface="+mj-ea"/>
+                <a:cs typeface="+mj-cs"/>
+              </a:rPr>
+              <a:t>Improvements:</a:t>
+            </a:r>
+          </a:p>
+          <a:p>
+            <a:pPr marL="857250" lvl="1" indent="-457200"/>
+            <a:r>
+              <a:rPr lang="en-US" sz="3200" dirty="0">
+                <a:latin typeface="+mj-lt"/>
                 <a:cs typeface="Courier New" panose="02070309020205020404" pitchFamily="49" charset="0"/>
               </a:rPr>
-              <a:t>Strings </a:t>
-            </a:r>
-            <a:r>
-              <a:rPr lang="en-US" sz="3600" b="1" dirty="0">
-                <a:solidFill>
-                  <a:srgbClr val="C00000"/>
-                </a:solidFill>
+              <a:t>Omit 1, and number itself as factors</a:t>
+            </a:r>
+          </a:p>
+          <a:p>
+            <a:pPr marL="857250" lvl="1" indent="-457200"/>
+            <a:r>
+              <a:rPr lang="en-US" sz="3200" dirty="0">
+                <a:latin typeface="+mj-lt"/>
                 <a:cs typeface="Courier New" panose="02070309020205020404" pitchFamily="49" charset="0"/>
               </a:rPr>
-              <a:t>can't</a:t>
-            </a:r>
-            <a:r>
-              <a:rPr lang="en-US" sz="3600" dirty="0">
+              <a:t>Only print numbers with at least one factor other than 1 or itself</a:t>
+            </a:r>
+          </a:p>
+          <a:p>
+            <a:pPr marL="857250" lvl="1" indent="-457200"/>
+            <a:r>
+              <a:rPr lang="en-US" sz="3200" dirty="0">
+                <a:solidFill>
+                  <a:schemeClr val="accent1">
+                    <a:lumMod val="20000"/>
+                    <a:lumOff val="80000"/>
+                  </a:schemeClr>
+                </a:solidFill>
+                <a:latin typeface="+mj-lt"/>
                 <a:cs typeface="Courier New" panose="02070309020205020404" pitchFamily="49" charset="0"/>
               </a:rPr>
-              <a:t> be changed in place (immutable)</a:t>
-            </a:r>
-          </a:p>
-          <a:p>
-            <a:pPr marL="1257300" lvl="2" indent="-457200"/>
-            <a:r>
-              <a:rPr lang="en-US" sz="3600" dirty="0">
-                <a:cs typeface="Courier New" panose="02070309020205020404" pitchFamily="49" charset="0"/>
-              </a:rPr>
-              <a:t>But </a:t>
-            </a:r>
-            <a:r>
-              <a:rPr lang="en-US" sz="3600" b="1" dirty="0">
-                <a:cs typeface="Courier New" panose="02070309020205020404" pitchFamily="49" charset="0"/>
-              </a:rPr>
-              <a:t>+=</a:t>
-            </a:r>
-            <a:r>
-              <a:rPr lang="en-US" sz="3600" dirty="0">
-                <a:cs typeface="Courier New" panose="02070309020205020404" pitchFamily="49" charset="0"/>
-              </a:rPr>
-              <a:t> works</a:t>
-            </a:r>
-          </a:p>
-          <a:p>
-            <a:pPr marL="1257300" lvl="3" indent="0">
-              <a:buNone/>
-            </a:pPr>
-            <a:r>
-              <a:rPr lang="en-US" sz="3400" dirty="0">
-                <a:latin typeface="Courier New" panose="02070309020205020404" pitchFamily="49" charset="0"/>
-                <a:cs typeface="Courier New" panose="02070309020205020404" pitchFamily="49" charset="0"/>
-              </a:rPr>
-              <a:t>name </a:t>
-            </a:r>
-            <a:r>
-              <a:rPr lang="en-US" sz="3400" b="1" dirty="0">
-                <a:latin typeface="Courier New" panose="02070309020205020404" pitchFamily="49" charset="0"/>
-                <a:cs typeface="Courier New" panose="02070309020205020404" pitchFamily="49" charset="0"/>
-              </a:rPr>
-              <a:t>+=</a:t>
-            </a:r>
-            <a:r>
-              <a:rPr lang="en-US" sz="3400" dirty="0">
-                <a:latin typeface="Courier New" panose="02070309020205020404" pitchFamily="49" charset="0"/>
-                <a:cs typeface="Courier New" panose="02070309020205020404" pitchFamily="49" charset="0"/>
-              </a:rPr>
-              <a:t> last_name</a:t>
-            </a:r>
-          </a:p>
-          <a:p>
-            <a:pPr marL="800100" lvl="2" indent="0">
-              <a:buNone/>
-            </a:pPr>
-            <a:r>
-              <a:rPr lang="en-US" sz="3600" dirty="0">
-                <a:solidFill>
-                  <a:schemeClr val="tx1"/>
-                </a:solidFill>
-                <a:cs typeface="Courier New" panose="02070309020205020404" pitchFamily="49" charset="0"/>
-              </a:rPr>
-              <a:t>Because x </a:t>
-            </a:r>
-            <a:r>
-              <a:rPr lang="en-US" sz="3600" b="1" dirty="0">
-                <a:solidFill>
-                  <a:schemeClr val="tx1"/>
-                </a:solidFill>
-                <a:cs typeface="Courier New" panose="02070309020205020404" pitchFamily="49" charset="0"/>
-              </a:rPr>
-              <a:t>+= </a:t>
-            </a:r>
-            <a:r>
-              <a:rPr lang="en-US" sz="3600" i="1" dirty="0">
-                <a:solidFill>
-                  <a:schemeClr val="tx1"/>
-                </a:solidFill>
-                <a:cs typeface="Courier New" panose="02070309020205020404" pitchFamily="49" charset="0"/>
-              </a:rPr>
-              <a:t>y</a:t>
-            </a:r>
-            <a:r>
-              <a:rPr lang="en-US" sz="3600" dirty="0">
-                <a:solidFill>
-                  <a:schemeClr val="tx1"/>
-                </a:solidFill>
-                <a:cs typeface="Courier New" panose="02070309020205020404" pitchFamily="49" charset="0"/>
-              </a:rPr>
-              <a:t> defined</a:t>
-            </a:r>
-            <a:r>
-              <a:rPr lang="en-US" sz="3600" b="1" dirty="0">
-                <a:solidFill>
-                  <a:schemeClr val="accent2"/>
-                </a:solidFill>
-                <a:cs typeface="Courier New" panose="02070309020205020404" pitchFamily="49" charset="0"/>
-              </a:rPr>
-              <a:t> </a:t>
-            </a:r>
-            <a:r>
-              <a:rPr lang="en-US" sz="3600" dirty="0">
-                <a:solidFill>
-                  <a:schemeClr val="tx1"/>
-                </a:solidFill>
-                <a:cs typeface="Courier New" panose="02070309020205020404" pitchFamily="49" charset="0"/>
-              </a:rPr>
-              <a:t>as </a:t>
-            </a:r>
-            <a:r>
-              <a:rPr lang="en-US" sz="3600" i="1" dirty="0">
-                <a:solidFill>
-                  <a:schemeClr val="tx1"/>
-                </a:solidFill>
-                <a:cs typeface="Courier New" panose="02070309020205020404" pitchFamily="49" charset="0"/>
-              </a:rPr>
-              <a:t>x</a:t>
-            </a:r>
-            <a:r>
-              <a:rPr lang="en-US" sz="3600" dirty="0">
-                <a:solidFill>
-                  <a:schemeClr val="tx1"/>
-                </a:solidFill>
-                <a:cs typeface="Courier New" panose="02070309020205020404" pitchFamily="49" charset="0"/>
-              </a:rPr>
-              <a:t> </a:t>
-            </a:r>
-            <a:r>
-              <a:rPr lang="en-US" sz="3600" b="1" dirty="0">
-                <a:solidFill>
-                  <a:schemeClr val="tx1"/>
-                </a:solidFill>
-                <a:cs typeface="Courier New" panose="02070309020205020404" pitchFamily="49" charset="0"/>
-              </a:rPr>
-              <a:t>=</a:t>
-            </a:r>
-            <a:r>
-              <a:rPr lang="en-US" sz="3600" dirty="0">
-                <a:solidFill>
-                  <a:schemeClr val="tx1"/>
-                </a:solidFill>
-                <a:cs typeface="Courier New" panose="02070309020205020404" pitchFamily="49" charset="0"/>
-              </a:rPr>
-              <a:t> </a:t>
-            </a:r>
-            <a:r>
-              <a:rPr lang="en-US" sz="3600" i="1" dirty="0">
-                <a:solidFill>
-                  <a:schemeClr val="tx1"/>
-                </a:solidFill>
-                <a:cs typeface="Courier New" panose="02070309020205020404" pitchFamily="49" charset="0"/>
-              </a:rPr>
-              <a:t>x</a:t>
-            </a:r>
-            <a:r>
-              <a:rPr lang="en-US" sz="3600" dirty="0">
-                <a:solidFill>
-                  <a:schemeClr val="tx1"/>
-                </a:solidFill>
-                <a:cs typeface="Courier New" panose="02070309020205020404" pitchFamily="49" charset="0"/>
-              </a:rPr>
-              <a:t> </a:t>
-            </a:r>
-            <a:r>
-              <a:rPr lang="en-US" sz="3600" b="1" dirty="0">
-                <a:solidFill>
-                  <a:schemeClr val="tx1"/>
-                </a:solidFill>
-                <a:cs typeface="Courier New" panose="02070309020205020404" pitchFamily="49" charset="0"/>
-              </a:rPr>
-              <a:t>+</a:t>
-            </a:r>
-            <a:r>
-              <a:rPr lang="en-US" sz="3600" dirty="0">
-                <a:solidFill>
-                  <a:schemeClr val="tx1"/>
-                </a:solidFill>
-                <a:cs typeface="Courier New" panose="02070309020205020404" pitchFamily="49" charset="0"/>
-              </a:rPr>
-              <a:t> </a:t>
-            </a:r>
-            <a:r>
-              <a:rPr lang="en-US" sz="3600" i="1" dirty="0">
-                <a:solidFill>
-                  <a:schemeClr val="tx1"/>
-                </a:solidFill>
-                <a:cs typeface="Courier New" panose="02070309020205020404" pitchFamily="49" charset="0"/>
-              </a:rPr>
-              <a:t>y</a:t>
-            </a:r>
-            <a:endParaRPr lang="en-US" sz="3600" b="1" dirty="0">
-              <a:solidFill>
-                <a:schemeClr val="tx1"/>
-              </a:solidFill>
-              <a:cs typeface="Courier New" panose="02070309020205020404" pitchFamily="49" charset="0"/>
-            </a:endParaRPr>
-          </a:p>
-          <a:p>
-            <a:pPr marL="1257300" lvl="3" indent="0">
-              <a:buNone/>
-            </a:pPr>
-            <a:r>
-              <a:rPr lang="en-US" sz="3400" dirty="0">
-                <a:latin typeface="Courier New" panose="02070309020205020404" pitchFamily="49" charset="0"/>
-                <a:cs typeface="Courier New" panose="02070309020205020404" pitchFamily="49" charset="0"/>
-              </a:rPr>
-              <a:t>name </a:t>
-            </a:r>
-            <a:r>
-              <a:rPr lang="en-US" sz="3400" b="1" dirty="0">
-                <a:latin typeface="Courier New" panose="02070309020205020404" pitchFamily="49" charset="0"/>
-                <a:cs typeface="Courier New" panose="02070309020205020404" pitchFamily="49" charset="0"/>
-              </a:rPr>
-              <a:t>=</a:t>
-            </a:r>
-            <a:r>
-              <a:rPr lang="en-US" sz="3400" dirty="0">
-                <a:latin typeface="Courier New" panose="02070309020205020404" pitchFamily="49" charset="0"/>
-                <a:cs typeface="Courier New" panose="02070309020205020404" pitchFamily="49" charset="0"/>
-              </a:rPr>
-              <a:t> name </a:t>
-            </a:r>
-            <a:r>
-              <a:rPr lang="en-US" sz="3400" b="1" dirty="0">
-                <a:latin typeface="Courier New" panose="02070309020205020404" pitchFamily="49" charset="0"/>
-                <a:cs typeface="Courier New" panose="02070309020205020404" pitchFamily="49" charset="0"/>
-              </a:rPr>
-              <a:t>+</a:t>
-            </a:r>
-            <a:r>
-              <a:rPr lang="en-US" sz="3400" dirty="0">
-                <a:latin typeface="Courier New" panose="02070309020205020404" pitchFamily="49" charset="0"/>
-                <a:cs typeface="Courier New" panose="02070309020205020404" pitchFamily="49" charset="0"/>
-              </a:rPr>
-              <a:t> last_name</a:t>
-            </a:r>
-            <a:endParaRPr lang="en-US" sz="3000" dirty="0">
-              <a:latin typeface="Courier New" panose="02070309020205020404" pitchFamily="49" charset="0"/>
-              <a:cs typeface="Courier New" panose="02070309020205020404" pitchFamily="49" charset="0"/>
-            </a:endParaRPr>
+              <a:t>Extra: Use "for" loop</a:t>
+            </a:r>
           </a:p>
         </p:txBody>
       </p:sp>
@@ -38494,7 +39518,7 @@
           <a:p>
             <a:fld id="{A7119916-CD40-456D-ABE3-55F8822671F7}" type="datetime1">
               <a:rPr lang="en-US" smtClean="0"/>
-              <a:t>6/11/2020</a:t>
+              <a:t>6/18/2020</a:t>
             </a:fld>
             <a:endParaRPr lang="en-US" dirty="0"/>
           </a:p>
@@ -38560,7 +39584,7 @@
     </p:spTree>
     <p:extLst>
       <p:ext uri="{BB962C8B-B14F-4D97-AF65-F5344CB8AC3E}">
-        <p14:creationId xmlns:p14="http://schemas.microsoft.com/office/powerpoint/2010/main" val="1255382415"/>
+        <p14:creationId xmlns:p14="http://schemas.microsoft.com/office/powerpoint/2010/main" val="2841970046"/>
       </p:ext>
     </p:extLst>
   </p:cSld>
@@ -38622,7 +39646,7 @@
           <a:p>
             <a:r>
               <a:rPr lang="en-US" dirty="0"/>
-              <a:t>Strings – continued - immutable</a:t>
+              <a:t>Lists / Arrays – numbered / expandable</a:t>
             </a:r>
           </a:p>
         </p:txBody>
@@ -38646,25 +39670,14 @@
         <p:spPr/>
         <p:txBody>
           <a:bodyPr>
-            <a:noAutofit/>
+            <a:normAutofit lnSpcReduction="10000"/>
           </a:bodyPr>
           <a:lstStyle/>
           <a:p>
             <a:pPr marL="1257300" lvl="2" indent="-457200"/>
             <a:r>
-              <a:rPr lang="en-US" sz="3600" dirty="0">
-                <a:cs typeface="Courier New" panose="02070309020205020404" pitchFamily="49" charset="0"/>
-              </a:rPr>
-              <a:t>Not modifiable == immutable</a:t>
-            </a:r>
-          </a:p>
-          <a:p>
-            <a:pPr marL="1257300" lvl="2" indent="-457200"/>
-            <a:r>
-              <a:rPr lang="en-US" sz="3600" dirty="0">
-                <a:cs typeface="Courier New" panose="02070309020205020404" pitchFamily="49" charset="0"/>
-              </a:rPr>
-              <a:t>Don't change – replace</a:t>
+              <a:rPr lang="en-US" sz="3000" dirty="0"/>
+              <a:t>Named group of values</a:t>
             </a:r>
           </a:p>
           <a:p>
@@ -38672,19 +39685,50 @@
               <a:buNone/>
             </a:pPr>
             <a:r>
-              <a:rPr lang="en-US" sz="3200" dirty="0">
+              <a:rPr lang="en-US" sz="3000" dirty="0">
                 <a:latin typeface="Courier New" panose="02070309020205020404" pitchFamily="49" charset="0"/>
                 <a:cs typeface="Courier New" panose="02070309020205020404" pitchFamily="49" charset="0"/>
               </a:rPr>
-              <a:t>str_name = "a" + str_name[1:]</a:t>
+              <a:t>friends = ["tom", "dick", "jane"]</a:t>
             </a:r>
           </a:p>
           <a:p>
             <a:pPr marL="1257300" lvl="2" indent="-457200"/>
-            <a:endParaRPr lang="en-US" sz="3000" dirty="0">
-              <a:latin typeface="Courier New" panose="02070309020205020404" pitchFamily="49" charset="0"/>
-              <a:cs typeface="Courier New" panose="02070309020205020404" pitchFamily="49" charset="0"/>
-            </a:endParaRPr>
+            <a:r>
+              <a:rPr lang="en-US" sz="3000" dirty="0"/>
+              <a:t>Access by position</a:t>
+            </a:r>
+          </a:p>
+          <a:p>
+            <a:pPr marL="800100" lvl="2" indent="0">
+              <a:buNone/>
+            </a:pPr>
+            <a:r>
+              <a:rPr lang="en-US" sz="3000" dirty="0">
+                <a:latin typeface="Courier New" panose="02070309020205020404" pitchFamily="49" charset="0"/>
+                <a:cs typeface="Courier New" panose="02070309020205020404" pitchFamily="49" charset="0"/>
+              </a:rPr>
+              <a:t>print("1st, 3d:", friends[0], friends[2])</a:t>
+            </a:r>
+          </a:p>
+          <a:p>
+            <a:pPr marL="1257300" lvl="2" indent="-457200"/>
+            <a:r>
+              <a:rPr lang="en-US" sz="3000" dirty="0"/>
+              <a:t>Add to end</a:t>
+            </a:r>
+          </a:p>
+          <a:p>
+            <a:pPr marL="800100" lvl="2" indent="0">
+              <a:buNone/>
+            </a:pPr>
+            <a:r>
+              <a:rPr lang="en-US" sz="3000" dirty="0">
+                <a:latin typeface="Courier New" panose="02070309020205020404" pitchFamily="49" charset="0"/>
+                <a:cs typeface="Courier New" panose="02070309020205020404" pitchFamily="49" charset="0"/>
+              </a:rPr>
+              <a:t>friends.append("joe")</a:t>
+            </a:r>
           </a:p>
         </p:txBody>
       </p:sp>
@@ -38711,7 +39755,7 @@
           <a:p>
             <a:fld id="{A7119916-CD40-456D-ABE3-55F8822671F7}" type="datetime1">
               <a:rPr lang="en-US" smtClean="0"/>
-              <a:t>6/11/2020</a:t>
+              <a:t>6/18/2020</a:t>
             </a:fld>
             <a:endParaRPr lang="en-US" dirty="0"/>
           </a:p>
@@ -38777,7 +39821,7 @@
     </p:spTree>
     <p:extLst>
       <p:ext uri="{BB962C8B-B14F-4D97-AF65-F5344CB8AC3E}">
-        <p14:creationId xmlns:p14="http://schemas.microsoft.com/office/powerpoint/2010/main" val="2101220268"/>
+        <p14:creationId xmlns:p14="http://schemas.microsoft.com/office/powerpoint/2010/main" val="3323489949"/>
       </p:ext>
     </p:extLst>
   </p:cSld>
@@ -38839,7 +39883,7 @@
           <a:p>
             <a:r>
               <a:rPr lang="en-US" dirty="0"/>
-              <a:t>Dictionary  - Group of values - Access by name</a:t>
+              <a:t>Strings - Like a lists of characters - ALMOST</a:t>
             </a:r>
           </a:p>
         </p:txBody>
@@ -38863,19 +39907,26 @@
         <p:spPr/>
         <p:txBody>
           <a:bodyPr>
-            <a:normAutofit/>
+            <a:noAutofit/>
           </a:bodyPr>
           <a:lstStyle/>
           <a:p>
-            <a:pPr marL="800100" lvl="2" indent="0">
+            <a:pPr marL="1257300" lvl="2" indent="-457200"/>
+            <a:r>
+              <a:rPr lang="en-US" sz="3600" dirty="0"/>
+              <a:t>Assigned as a group, not via index</a:t>
+            </a:r>
+          </a:p>
+          <a:p>
+            <a:pPr marL="1257300" lvl="3" indent="0">
               <a:buNone/>
             </a:pPr>
             <a:r>
-              <a:rPr lang="en-US" sz="3000" dirty="0">
+              <a:rPr lang="en-US" sz="3200" dirty="0">
                 <a:latin typeface="Courier New" panose="02070309020205020404" pitchFamily="49" charset="0"/>
                 <a:cs typeface="Courier New" panose="02070309020205020404" pitchFamily="49" charset="0"/>
               </a:rPr>
-              <a:t>trades_d = { </a:t>
+              <a:t>str_name = "abcdef"</a:t>
             </a:r>
           </a:p>
           <a:p>
@@ -38883,11 +39934,28 @@
               <a:buNone/>
             </a:pPr>
             <a:r>
-              <a:rPr lang="en-US" sz="2800" dirty="0">
+              <a:rPr lang="en-US" sz="3200" b="1" dirty="0">
+                <a:solidFill>
+                  <a:srgbClr val="C00000"/>
+                </a:solidFill>
                 <a:latin typeface="Courier New" panose="02070309020205020404" pitchFamily="49" charset="0"/>
                 <a:cs typeface="Courier New" panose="02070309020205020404" pitchFamily="49" charset="0"/>
               </a:rPr>
-              <a:t>"painter" : "tom",</a:t>
+              <a:t>NOT</a:t>
+            </a:r>
+            <a:r>
+              <a:rPr lang="en-US" sz="3200" dirty="0">
+                <a:latin typeface="Courier New" panose="02070309020205020404" pitchFamily="49" charset="0"/>
+                <a:cs typeface="Courier New" panose="02070309020205020404" pitchFamily="49" charset="0"/>
+              </a:rPr>
+              <a:t> str_name[0] = "a"</a:t>
+            </a:r>
+          </a:p>
+          <a:p>
+            <a:pPr marL="1257300" lvl="2" indent="-457200"/>
+            <a:r>
+              <a:rPr lang="en-US" sz="3600" dirty="0"/>
+              <a:t>Can be Accessed by index</a:t>
             </a:r>
           </a:p>
           <a:p>
@@ -38895,11 +39963,11 @@
               <a:buNone/>
             </a:pPr>
             <a:r>
-              <a:rPr lang="en-US" sz="2800" dirty="0">
+              <a:rPr lang="en-US" sz="3200" dirty="0">
                 <a:latin typeface="Courier New" panose="02070309020205020404" pitchFamily="49" charset="0"/>
                 <a:cs typeface="Courier New" panose="02070309020205020404" pitchFamily="49" charset="0"/>
               </a:rPr>
-              <a:t>"landscaper" : "joe",</a:t>
+              <a:t>if str_name[1] == "b":</a:t>
             </a:r>
           </a:p>
           <a:p>
@@ -38907,40 +39975,12 @@
               <a:buNone/>
             </a:pPr>
             <a:r>
-              <a:rPr lang="en-US" sz="2800" dirty="0">
+              <a:rPr lang="en-US" sz="3200" dirty="0">
                 <a:latin typeface="Courier New" panose="02070309020205020404" pitchFamily="49" charset="0"/>
                 <a:cs typeface="Courier New" panose="02070309020205020404" pitchFamily="49" charset="0"/>
               </a:rPr>
-              <a:t>"plumber" : "kate"</a:t>
-            </a:r>
-          </a:p>
-          <a:p>
-            <a:pPr marL="1257300" lvl="3" indent="0">
-              <a:buNone/>
-            </a:pPr>
-            <a:r>
-              <a:rPr lang="en-US" sz="2800" dirty="0">
-                <a:latin typeface="Courier New" panose="02070309020205020404" pitchFamily="49" charset="0"/>
-                <a:cs typeface="Courier New" panose="02070309020205020404" pitchFamily="49" charset="0"/>
-              </a:rPr>
-              <a:t>}</a:t>
-            </a:r>
-          </a:p>
-          <a:p>
-            <a:pPr marL="800100" lvl="2" indent="0">
-              <a:buNone/>
-            </a:pPr>
-            <a:r>
-              <a:rPr lang="en-US" sz="3000" dirty="0">
-                <a:latin typeface="Courier New" panose="02070309020205020404" pitchFamily="49" charset="0"/>
-                <a:cs typeface="Courier New" panose="02070309020205020404" pitchFamily="49" charset="0"/>
-              </a:rPr>
-              <a:t>print("landscaper:", trades_d["landscaper"])</a:t>
-            </a:r>
-          </a:p>
-          <a:p>
-            <a:pPr marL="3086100" lvl="6" indent="-457200"/>
-            <a:endParaRPr lang="en-US" sz="2800" dirty="0"/>
+              <a:t>		print("Yep it’s the second character")</a:t>
+            </a:r>
           </a:p>
         </p:txBody>
       </p:sp>
@@ -38967,7 +40007,7 @@
           <a:p>
             <a:fld id="{A7119916-CD40-456D-ABE3-55F8822671F7}" type="datetime1">
               <a:rPr lang="en-US" smtClean="0"/>
-              <a:t>6/11/2020</a:t>
+              <a:t>6/18/2020</a:t>
             </a:fld>
             <a:endParaRPr lang="en-US" dirty="0"/>
           </a:p>
@@ -39033,7 +40073,7 @@
     </p:spTree>
     <p:extLst>
       <p:ext uri="{BB962C8B-B14F-4D97-AF65-F5344CB8AC3E}">
-        <p14:creationId xmlns:p14="http://schemas.microsoft.com/office/powerpoint/2010/main" val="1324076079"/>
+        <p14:creationId xmlns:p14="http://schemas.microsoft.com/office/powerpoint/2010/main" val="554796067"/>
       </p:ext>
     </p:extLst>
   </p:cSld>
@@ -39095,7 +40135,7 @@
           <a:p>
             <a:r>
               <a:rPr lang="en-US" dirty="0"/>
-              <a:t>Dictionary - continued</a:t>
+              <a:t>Strings - continued</a:t>
             </a:r>
           </a:p>
         </p:txBody>
@@ -39116,86 +40156,273 @@
             <p:ph idx="1"/>
           </p:nvPr>
         </p:nvSpPr>
-        <p:spPr>
-          <a:xfrm>
-            <a:off x="677333" y="2160589"/>
-            <a:ext cx="8912715" cy="3880773"/>
-          </a:xfrm>
-        </p:spPr>
+        <p:spPr/>
         <p:txBody>
           <a:bodyPr>
-            <a:normAutofit/>
+            <a:noAutofit/>
           </a:bodyPr>
           <a:lstStyle/>
           <a:p>
-            <a:pPr marL="400050" lvl="1" indent="0">
+            <a:pPr marL="1257300" lvl="2" indent="-457200"/>
+            <a:r>
+              <a:rPr lang="en-US" sz="3600" dirty="0">
+                <a:cs typeface="Courier New" panose="02070309020205020404" pitchFamily="49" charset="0"/>
+              </a:rPr>
+              <a:t>Strings </a:t>
+            </a:r>
+            <a:r>
+              <a:rPr lang="en-US" sz="3600" b="1" dirty="0">
+                <a:solidFill>
+                  <a:srgbClr val="C00000"/>
+                </a:solidFill>
+                <a:cs typeface="Courier New" panose="02070309020205020404" pitchFamily="49" charset="0"/>
+              </a:rPr>
+              <a:t>can't</a:t>
+            </a:r>
+            <a:r>
+              <a:rPr lang="en-US" sz="3600" dirty="0">
+                <a:cs typeface="Courier New" panose="02070309020205020404" pitchFamily="49" charset="0"/>
+              </a:rPr>
+              <a:t> be changed in place (immutable)</a:t>
+            </a:r>
+          </a:p>
+          <a:p>
+            <a:pPr marL="1257300" lvl="2" indent="-457200"/>
+            <a:r>
+              <a:rPr lang="en-US" sz="3600" dirty="0">
+                <a:cs typeface="Courier New" panose="02070309020205020404" pitchFamily="49" charset="0"/>
+              </a:rPr>
+              <a:t>But </a:t>
+            </a:r>
+            <a:r>
+              <a:rPr lang="en-US" sz="3600" b="1" dirty="0">
+                <a:cs typeface="Courier New" panose="02070309020205020404" pitchFamily="49" charset="0"/>
+              </a:rPr>
+              <a:t>+=</a:t>
+            </a:r>
+            <a:r>
+              <a:rPr lang="en-US" sz="3600" dirty="0">
+                <a:cs typeface="Courier New" panose="02070309020205020404" pitchFamily="49" charset="0"/>
+              </a:rPr>
+              <a:t> works</a:t>
+            </a:r>
+          </a:p>
+          <a:p>
+            <a:pPr marL="1257300" lvl="3" indent="0">
               <a:buNone/>
             </a:pPr>
             <a:r>
-              <a:rPr lang="en-US" sz="3200" dirty="0">
+              <a:rPr lang="en-US" sz="3400" dirty="0">
                 <a:latin typeface="Courier New" panose="02070309020205020404" pitchFamily="49" charset="0"/>
                 <a:cs typeface="Courier New" panose="02070309020205020404" pitchFamily="49" charset="0"/>
               </a:rPr>
-              <a:t>for trade in trades_d:</a:t>
-            </a:r>
-          </a:p>
-          <a:p>
-            <a:pPr marL="400050" lvl="1" indent="0">
-              <a:buNone/>
-            </a:pPr>
-            <a:r>
-              <a:rPr lang="en-US" sz="3200" dirty="0">
+              <a:t>name </a:t>
+            </a:r>
+            <a:r>
+              <a:rPr lang="en-US" sz="3400" b="1" dirty="0">
                 <a:latin typeface="Courier New" panose="02070309020205020404" pitchFamily="49" charset="0"/>
                 <a:cs typeface="Courier New" panose="02070309020205020404" pitchFamily="49" charset="0"/>
               </a:rPr>
-              <a:t>	    print(trade, trades_d[trade])</a:t>
-            </a:r>
-          </a:p>
-          <a:p>
-            <a:pPr marL="400050" lvl="1" indent="0">
+              <a:t>+=</a:t>
+            </a:r>
+            <a:r>
+              <a:rPr lang="en-US" sz="3400" dirty="0">
+                <a:latin typeface="Courier New" panose="02070309020205020404" pitchFamily="49" charset="0"/>
+                <a:cs typeface="Courier New" panose="02070309020205020404" pitchFamily="49" charset="0"/>
+              </a:rPr>
+              <a:t> last_name</a:t>
+            </a:r>
+          </a:p>
+          <a:p>
+            <a:pPr marL="800100" lvl="2" indent="0">
               <a:buNone/>
             </a:pPr>
-            <a:endParaRPr lang="en-US" sz="3200" dirty="0">
+            <a:r>
+              <a:rPr lang="en-US" sz="3600" dirty="0">
+                <a:solidFill>
+                  <a:schemeClr val="tx1"/>
+                </a:solidFill>
+                <a:cs typeface="Courier New" panose="02070309020205020404" pitchFamily="49" charset="0"/>
+              </a:rPr>
+              <a:t>Because x </a:t>
+            </a:r>
+            <a:r>
+              <a:rPr lang="en-US" sz="3600" b="1" dirty="0">
+                <a:solidFill>
+                  <a:schemeClr val="tx1"/>
+                </a:solidFill>
+                <a:cs typeface="Courier New" panose="02070309020205020404" pitchFamily="49" charset="0"/>
+              </a:rPr>
+              <a:t>+= </a:t>
+            </a:r>
+            <a:r>
+              <a:rPr lang="en-US" sz="3600" i="1" dirty="0">
+                <a:solidFill>
+                  <a:schemeClr val="tx1"/>
+                </a:solidFill>
+                <a:cs typeface="Courier New" panose="02070309020205020404" pitchFamily="49" charset="0"/>
+              </a:rPr>
+              <a:t>y</a:t>
+            </a:r>
+            <a:r>
+              <a:rPr lang="en-US" sz="3600" dirty="0">
+                <a:solidFill>
+                  <a:schemeClr val="tx1"/>
+                </a:solidFill>
+                <a:cs typeface="Courier New" panose="02070309020205020404" pitchFamily="49" charset="0"/>
+              </a:rPr>
+              <a:t> defined</a:t>
+            </a:r>
+            <a:r>
+              <a:rPr lang="en-US" sz="3600" b="1" dirty="0">
+                <a:solidFill>
+                  <a:schemeClr val="accent2"/>
+                </a:solidFill>
+                <a:cs typeface="Courier New" panose="02070309020205020404" pitchFamily="49" charset="0"/>
+              </a:rPr>
+              <a:t> </a:t>
+            </a:r>
+            <a:r>
+              <a:rPr lang="en-US" sz="3600" dirty="0">
+                <a:solidFill>
+                  <a:schemeClr val="tx1"/>
+                </a:solidFill>
+                <a:cs typeface="Courier New" panose="02070309020205020404" pitchFamily="49" charset="0"/>
+              </a:rPr>
+              <a:t>as </a:t>
+            </a:r>
+            <a:r>
+              <a:rPr lang="en-US" sz="3600" i="1" dirty="0">
+                <a:solidFill>
+                  <a:schemeClr val="tx1"/>
+                </a:solidFill>
+                <a:cs typeface="Courier New" panose="02070309020205020404" pitchFamily="49" charset="0"/>
+              </a:rPr>
+              <a:t>x</a:t>
+            </a:r>
+            <a:r>
+              <a:rPr lang="en-US" sz="3600" dirty="0">
+                <a:solidFill>
+                  <a:schemeClr val="tx1"/>
+                </a:solidFill>
+                <a:cs typeface="Courier New" panose="02070309020205020404" pitchFamily="49" charset="0"/>
+              </a:rPr>
+              <a:t> </a:t>
+            </a:r>
+            <a:r>
+              <a:rPr lang="en-US" sz="3600" b="1" dirty="0">
+                <a:solidFill>
+                  <a:schemeClr val="tx1"/>
+                </a:solidFill>
+                <a:cs typeface="Courier New" panose="02070309020205020404" pitchFamily="49" charset="0"/>
+              </a:rPr>
+              <a:t>=</a:t>
+            </a:r>
+            <a:r>
+              <a:rPr lang="en-US" sz="3600" dirty="0">
+                <a:solidFill>
+                  <a:schemeClr val="tx1"/>
+                </a:solidFill>
+                <a:cs typeface="Courier New" panose="02070309020205020404" pitchFamily="49" charset="0"/>
+              </a:rPr>
+              <a:t> </a:t>
+            </a:r>
+            <a:r>
+              <a:rPr lang="en-US" sz="3600" i="1" dirty="0">
+                <a:solidFill>
+                  <a:schemeClr val="tx1"/>
+                </a:solidFill>
+                <a:cs typeface="Courier New" panose="02070309020205020404" pitchFamily="49" charset="0"/>
+              </a:rPr>
+              <a:t>x</a:t>
+            </a:r>
+            <a:r>
+              <a:rPr lang="en-US" sz="3600" dirty="0">
+                <a:solidFill>
+                  <a:schemeClr val="tx1"/>
+                </a:solidFill>
+                <a:cs typeface="Courier New" panose="02070309020205020404" pitchFamily="49" charset="0"/>
+              </a:rPr>
+              <a:t> </a:t>
+            </a:r>
+            <a:r>
+              <a:rPr lang="en-US" sz="3600" b="1" dirty="0">
+                <a:solidFill>
+                  <a:schemeClr val="tx1"/>
+                </a:solidFill>
+                <a:cs typeface="Courier New" panose="02070309020205020404" pitchFamily="49" charset="0"/>
+              </a:rPr>
+              <a:t>+</a:t>
+            </a:r>
+            <a:r>
+              <a:rPr lang="en-US" sz="3600" dirty="0">
+                <a:solidFill>
+                  <a:schemeClr val="tx1"/>
+                </a:solidFill>
+                <a:cs typeface="Courier New" panose="02070309020205020404" pitchFamily="49" charset="0"/>
+              </a:rPr>
+              <a:t> </a:t>
+            </a:r>
+            <a:r>
+              <a:rPr lang="en-US" sz="3600" i="1" dirty="0">
+                <a:solidFill>
+                  <a:schemeClr val="tx1"/>
+                </a:solidFill>
+                <a:cs typeface="Courier New" panose="02070309020205020404" pitchFamily="49" charset="0"/>
+              </a:rPr>
+              <a:t>y</a:t>
+            </a:r>
+            <a:endParaRPr lang="en-US" sz="3600" b="1" dirty="0">
+              <a:solidFill>
+                <a:schemeClr val="tx1"/>
+              </a:solidFill>
+              <a:cs typeface="Courier New" panose="02070309020205020404" pitchFamily="49" charset="0"/>
+            </a:endParaRPr>
+          </a:p>
+          <a:p>
+            <a:pPr marL="1257300" lvl="3" indent="0">
+              <a:buNone/>
+            </a:pPr>
+            <a:r>
+              <a:rPr lang="en-US" sz="3400" dirty="0">
+                <a:latin typeface="Courier New" panose="02070309020205020404" pitchFamily="49" charset="0"/>
+                <a:cs typeface="Courier New" panose="02070309020205020404" pitchFamily="49" charset="0"/>
+              </a:rPr>
+              <a:t>name </a:t>
+            </a:r>
+            <a:r>
+              <a:rPr lang="en-US" sz="3400" b="1" dirty="0">
+                <a:latin typeface="Courier New" panose="02070309020205020404" pitchFamily="49" charset="0"/>
+                <a:cs typeface="Courier New" panose="02070309020205020404" pitchFamily="49" charset="0"/>
+              </a:rPr>
+              <a:t>=</a:t>
+            </a:r>
+            <a:r>
+              <a:rPr lang="en-US" sz="3400" dirty="0">
+                <a:latin typeface="Courier New" panose="02070309020205020404" pitchFamily="49" charset="0"/>
+                <a:cs typeface="Courier New" panose="02070309020205020404" pitchFamily="49" charset="0"/>
+              </a:rPr>
+              <a:t> name </a:t>
+            </a:r>
+            <a:r>
+              <a:rPr lang="en-US" sz="3400" b="1" dirty="0">
+                <a:latin typeface="Courier New" panose="02070309020205020404" pitchFamily="49" charset="0"/>
+                <a:cs typeface="Courier New" panose="02070309020205020404" pitchFamily="49" charset="0"/>
+              </a:rPr>
+              <a:t>+</a:t>
+            </a:r>
+            <a:r>
+              <a:rPr lang="en-US" sz="3400" dirty="0">
+                <a:latin typeface="Courier New" panose="02070309020205020404" pitchFamily="49" charset="0"/>
+                <a:cs typeface="Courier New" panose="02070309020205020404" pitchFamily="49" charset="0"/>
+              </a:rPr>
+              <a:t> last_name</a:t>
+            </a:r>
+            <a:endParaRPr lang="en-US" sz="3000" dirty="0">
               <a:latin typeface="Courier New" panose="02070309020205020404" pitchFamily="49" charset="0"/>
               <a:cs typeface="Courier New" panose="02070309020205020404" pitchFamily="49" charset="0"/>
             </a:endParaRPr>
           </a:p>
-          <a:p>
-            <a:pPr marL="400050" lvl="1" indent="0">
-              <a:buNone/>
-            </a:pPr>
-            <a:r>
-              <a:rPr lang="en-US" sz="3200" dirty="0">
-                <a:latin typeface="Courier New" panose="02070309020205020404" pitchFamily="49" charset="0"/>
-                <a:cs typeface="Courier New" panose="02070309020205020404" pitchFamily="49" charset="0"/>
-              </a:rPr>
-              <a:t>for tra, who in trades_d.items():</a:t>
-            </a:r>
-          </a:p>
-          <a:p>
-            <a:pPr marL="400050" lvl="1" indent="0">
-              <a:buNone/>
-            </a:pPr>
-            <a:r>
-              <a:rPr lang="en-US" sz="3200" dirty="0">
-                <a:latin typeface="Courier New" panose="02070309020205020404" pitchFamily="49" charset="0"/>
-                <a:cs typeface="Courier New" panose="02070309020205020404" pitchFamily="49" charset="0"/>
-              </a:rPr>
-              <a:t>    print(tra, who)</a:t>
-            </a:r>
-          </a:p>
-          <a:p>
-            <a:pPr marL="400050" lvl="1" indent="0">
-              <a:buNone/>
-            </a:pPr>
-            <a:r>
-              <a:rPr lang="en-US" sz="3200" dirty="0">
-                <a:latin typeface="Courier New" panose="02070309020205020404" pitchFamily="49" charset="0"/>
-                <a:cs typeface="Courier New" panose="02070309020205020404" pitchFamily="49" charset="0"/>
-              </a:rPr>
-              <a:t>trades_d["programmer"] = "ray"</a:t>
-            </a:r>
-          </a:p>
         </p:txBody>
       </p:sp>
       <p:sp>
@@ -39221,7 +40448,7 @@
           <a:p>
             <a:fld id="{A7119916-CD40-456D-ABE3-55F8822671F7}" type="datetime1">
               <a:rPr lang="en-US" smtClean="0"/>
-              <a:t>6/11/2020</a:t>
+              <a:t>6/18/2020</a:t>
             </a:fld>
             <a:endParaRPr lang="en-US" dirty="0"/>
           </a:p>
@@ -39287,7 +40514,7 @@
     </p:spTree>
     <p:extLst>
       <p:ext uri="{BB962C8B-B14F-4D97-AF65-F5344CB8AC3E}">
-        <p14:creationId xmlns:p14="http://schemas.microsoft.com/office/powerpoint/2010/main" val="3493103076"/>
+        <p14:creationId xmlns:p14="http://schemas.microsoft.com/office/powerpoint/2010/main" val="1255382415"/>
       </p:ext>
     </p:extLst>
   </p:cSld>
@@ -39349,7 +40576,7 @@
           <a:p>
             <a:r>
               <a:rPr lang="en-US" dirty="0"/>
-              <a:t>F-string – easer print formatting</a:t>
+              <a:t>Strings – continued - immutable</a:t>
             </a:r>
           </a:p>
         </p:txBody>
@@ -39370,152 +40597,48 @@
             <p:ph idx="1"/>
           </p:nvPr>
         </p:nvSpPr>
-        <p:spPr>
-          <a:xfrm>
-            <a:off x="677333" y="2160589"/>
-            <a:ext cx="8912715" cy="3880773"/>
-          </a:xfrm>
-        </p:spPr>
+        <p:spPr/>
         <p:txBody>
           <a:bodyPr>
-            <a:normAutofit/>
+            <a:noAutofit/>
           </a:bodyPr>
           <a:lstStyle/>
           <a:p>
-            <a:pPr marL="857250" lvl="1" indent="-457200"/>
+            <a:pPr marL="1257300" lvl="2" indent="-457200"/>
+            <a:r>
+              <a:rPr lang="en-US" sz="3600" dirty="0">
+                <a:cs typeface="Courier New" panose="02070309020205020404" pitchFamily="49" charset="0"/>
+              </a:rPr>
+              <a:t>Not modifiable == immutable</a:t>
+            </a:r>
+          </a:p>
+          <a:p>
+            <a:pPr marL="1257300" lvl="2" indent="-457200"/>
+            <a:r>
+              <a:rPr lang="en-US" sz="3600" dirty="0">
+                <a:cs typeface="Courier New" panose="02070309020205020404" pitchFamily="49" charset="0"/>
+              </a:rPr>
+              <a:t>Don't change – replace</a:t>
+            </a:r>
+          </a:p>
+          <a:p>
+            <a:pPr marL="800100" lvl="2" indent="0">
+              <a:buNone/>
+            </a:pPr>
             <a:r>
               <a:rPr lang="en-US" sz="3200" dirty="0">
                 <a:latin typeface="Courier New" panose="02070309020205020404" pitchFamily="49" charset="0"/>
                 <a:cs typeface="Courier New" panose="02070309020205020404" pitchFamily="49" charset="0"/>
               </a:rPr>
-              <a:t>building print strings</a:t>
-            </a:r>
-          </a:p>
-          <a:p>
-            <a:pPr marL="857250" lvl="1" indent="-457200"/>
-            <a:r>
-              <a:rPr lang="en-US" sz="3200" dirty="0">
-                <a:latin typeface="Courier New" panose="02070309020205020404" pitchFamily="49" charset="0"/>
-                <a:cs typeface="Courier New" panose="02070309020205020404" pitchFamily="49" charset="0"/>
-              </a:rPr>
-              <a:t>Put "f" before first quote</a:t>
-            </a:r>
-          </a:p>
-          <a:p>
-            <a:pPr marL="857250" lvl="1" indent="-457200"/>
-            <a:r>
-              <a:rPr lang="en-US" sz="3200" dirty="0">
-                <a:latin typeface="Courier New" panose="02070309020205020404" pitchFamily="49" charset="0"/>
-                <a:cs typeface="Courier New" panose="02070309020205020404" pitchFamily="49" charset="0"/>
-              </a:rPr>
-              <a:t>Place variable inside "{}"</a:t>
-            </a:r>
-          </a:p>
-          <a:p>
-            <a:pPr marL="400050" lvl="1" indent="0">
-              <a:buNone/>
-            </a:pPr>
-            <a:r>
-              <a:rPr lang="en-US" sz="3200" dirty="0" err="1">
-                <a:latin typeface="Courier New" panose="02070309020205020404" pitchFamily="49" charset="0"/>
-                <a:cs typeface="Courier New" panose="02070309020205020404" pitchFamily="49" charset="0"/>
-              </a:rPr>
-              <a:t>t_nm</a:t>
-            </a:r>
-            <a:r>
-              <a:rPr lang="en-US" sz="3200" dirty="0">
-                <a:latin typeface="Courier New" panose="02070309020205020404" pitchFamily="49" charset="0"/>
-                <a:cs typeface="Courier New" panose="02070309020205020404" pitchFamily="49" charset="0"/>
-              </a:rPr>
-              <a:t> = "Tom"</a:t>
-            </a:r>
-          </a:p>
-          <a:p>
-            <a:pPr marL="400050" lvl="1" indent="0">
-              <a:buNone/>
-            </a:pPr>
-            <a:r>
-              <a:rPr lang="en-US" sz="3200" dirty="0" err="1">
-                <a:latin typeface="Courier New" panose="02070309020205020404" pitchFamily="49" charset="0"/>
-                <a:cs typeface="Courier New" panose="02070309020205020404" pitchFamily="49" charset="0"/>
-              </a:rPr>
-              <a:t>m_nm</a:t>
-            </a:r>
-            <a:r>
-              <a:rPr lang="en-US" sz="3200" dirty="0">
-                <a:latin typeface="Courier New" panose="02070309020205020404" pitchFamily="49" charset="0"/>
-                <a:cs typeface="Courier New" panose="02070309020205020404" pitchFamily="49" charset="0"/>
-              </a:rPr>
-              <a:t> = "Mary"</a:t>
-            </a:r>
-          </a:p>
-          <a:p>
-            <a:pPr marL="400050" lvl="1" indent="0">
-              <a:buNone/>
-            </a:pPr>
-            <a:r>
-              <a:rPr lang="en-US" sz="3200" dirty="0">
-                <a:latin typeface="Courier New" panose="02070309020205020404" pitchFamily="49" charset="0"/>
-                <a:cs typeface="Courier New" panose="02070309020205020404" pitchFamily="49" charset="0"/>
-              </a:rPr>
-              <a:t>print(</a:t>
-            </a:r>
-            <a:r>
-              <a:rPr lang="en-US" sz="3200" dirty="0" err="1">
-                <a:latin typeface="Courier New" panose="02070309020205020404" pitchFamily="49" charset="0"/>
-                <a:cs typeface="Courier New" panose="02070309020205020404" pitchFamily="49" charset="0"/>
-              </a:rPr>
-              <a:t>f"tom</a:t>
-            </a:r>
-            <a:r>
-              <a:rPr lang="en-US" sz="3200" dirty="0">
-                <a:latin typeface="Courier New" panose="02070309020205020404" pitchFamily="49" charset="0"/>
-                <a:cs typeface="Courier New" panose="02070309020205020404" pitchFamily="49" charset="0"/>
-              </a:rPr>
-              <a:t>={</a:t>
-            </a:r>
-            <a:r>
-              <a:rPr lang="en-US" sz="3200" dirty="0" err="1">
-                <a:latin typeface="Courier New" panose="02070309020205020404" pitchFamily="49" charset="0"/>
-                <a:cs typeface="Courier New" panose="02070309020205020404" pitchFamily="49" charset="0"/>
-              </a:rPr>
-              <a:t>t_nm</a:t>
-            </a:r>
-            <a:r>
-              <a:rPr lang="en-US" sz="3200" dirty="0">
-                <a:latin typeface="Courier New" panose="02070309020205020404" pitchFamily="49" charset="0"/>
-                <a:cs typeface="Courier New" panose="02070309020205020404" pitchFamily="49" charset="0"/>
-              </a:rPr>
-              <a:t>} </a:t>
-            </a:r>
-            <a:r>
-              <a:rPr lang="en-US" sz="3200" dirty="0" err="1">
-                <a:latin typeface="Courier New" panose="02070309020205020404" pitchFamily="49" charset="0"/>
-                <a:cs typeface="Courier New" panose="02070309020205020404" pitchFamily="49" charset="0"/>
-              </a:rPr>
-              <a:t>mary</a:t>
-            </a:r>
-            <a:r>
-              <a:rPr lang="en-US" sz="3200" dirty="0">
-                <a:latin typeface="Courier New" panose="02070309020205020404" pitchFamily="49" charset="0"/>
-                <a:cs typeface="Courier New" panose="02070309020205020404" pitchFamily="49" charset="0"/>
-              </a:rPr>
-              <a:t>={</a:t>
-            </a:r>
-            <a:r>
-              <a:rPr lang="en-US" sz="3200" dirty="0" err="1">
-                <a:latin typeface="Courier New" panose="02070309020205020404" pitchFamily="49" charset="0"/>
-                <a:cs typeface="Courier New" panose="02070309020205020404" pitchFamily="49" charset="0"/>
-              </a:rPr>
-              <a:t>m_nm</a:t>
-            </a:r>
-            <a:r>
-              <a:rPr lang="en-US" sz="3200" dirty="0">
-                <a:latin typeface="Courier New" panose="02070309020205020404" pitchFamily="49" charset="0"/>
-                <a:cs typeface="Courier New" panose="02070309020205020404" pitchFamily="49" charset="0"/>
-              </a:rPr>
-              <a:t>}")</a:t>
-            </a:r>
+              <a:t>str_name = "a" + str_name[1:]</a:t>
+            </a:r>
+          </a:p>
+          <a:p>
+            <a:pPr marL="1257300" lvl="2" indent="-457200"/>
+            <a:endParaRPr lang="en-US" sz="3000" dirty="0">
+              <a:latin typeface="Courier New" panose="02070309020205020404" pitchFamily="49" charset="0"/>
+              <a:cs typeface="Courier New" panose="02070309020205020404" pitchFamily="49" charset="0"/>
+            </a:endParaRPr>
           </a:p>
         </p:txBody>
       </p:sp>
@@ -39542,7 +40665,7 @@
           <a:p>
             <a:fld id="{A7119916-CD40-456D-ABE3-55F8822671F7}" type="datetime1">
               <a:rPr lang="en-US" smtClean="0"/>
-              <a:t>6/11/2020</a:t>
+              <a:t>6/18/2020</a:t>
             </a:fld>
             <a:endParaRPr lang="en-US" dirty="0"/>
           </a:p>
@@ -39608,7 +40731,7 @@
     </p:spTree>
     <p:extLst>
       <p:ext uri="{BB962C8B-B14F-4D97-AF65-F5344CB8AC3E}">
-        <p14:creationId xmlns:p14="http://schemas.microsoft.com/office/powerpoint/2010/main" val="1358359583"/>
+        <p14:creationId xmlns:p14="http://schemas.microsoft.com/office/powerpoint/2010/main" val="2101220268"/>
       </p:ext>
     </p:extLst>
   </p:cSld>
@@ -39663,19 +40786,14 @@
             <p:ph type="title"/>
           </p:nvPr>
         </p:nvSpPr>
-        <p:spPr>
-          <a:xfrm>
-            <a:off x="677334" y="609600"/>
-            <a:ext cx="8596668" cy="1096537"/>
-          </a:xfrm>
-        </p:spPr>
-        <p:txBody>
-          <a:bodyPr/>
-          <a:lstStyle/>
-          <a:p>
-            <a:r>
-              <a:rPr lang="en-US" dirty="0"/>
-              <a:t>F-string – continued</a:t>
+        <p:spPr/>
+        <p:txBody>
+          <a:bodyPr/>
+          <a:lstStyle/>
+          <a:p>
+            <a:r>
+              <a:rPr lang="en-US" dirty="0"/>
+              <a:t>Dictionary  - Group of values - Access by name</a:t>
             </a:r>
           </a:p>
         </p:txBody>
@@ -39696,56 +40814,66 @@
             <p:ph idx="1"/>
           </p:nvPr>
         </p:nvSpPr>
-        <p:spPr>
-          <a:xfrm>
-            <a:off x="677333" y="1706137"/>
-            <a:ext cx="8912715" cy="4335225"/>
-          </a:xfrm>
-        </p:spPr>
+        <p:spPr/>
         <p:txBody>
           <a:bodyPr>
             <a:normAutofit/>
           </a:bodyPr>
           <a:lstStyle/>
           <a:p>
-            <a:pPr marL="857250" lvl="1" indent="-457200"/>
-            <a:r>
-              <a:rPr lang="en-US" sz="3200" b="1" dirty="0">
+            <a:pPr marL="800100" lvl="2" indent="0">
+              <a:buNone/>
+            </a:pPr>
+            <a:r>
+              <a:rPr lang="en-US" sz="3000" dirty="0">
                 <a:latin typeface="Courier New" panose="02070309020205020404" pitchFamily="49" charset="0"/>
                 <a:cs typeface="Courier New" panose="02070309020205020404" pitchFamily="49" charset="0"/>
               </a:rPr>
-              <a:t>{</a:t>
-            </a:r>
-            <a:r>
-              <a:rPr lang="en-US" sz="3200" i="1" dirty="0">
+              <a:t>trades_d = { </a:t>
+            </a:r>
+          </a:p>
+          <a:p>
+            <a:pPr marL="1257300" lvl="3" indent="0">
+              <a:buNone/>
+            </a:pPr>
+            <a:r>
+              <a:rPr lang="en-US" sz="2800" dirty="0">
                 <a:latin typeface="Courier New" panose="02070309020205020404" pitchFamily="49" charset="0"/>
                 <a:cs typeface="Courier New" panose="02070309020205020404" pitchFamily="49" charset="0"/>
               </a:rPr>
-              <a:t>variable/</a:t>
-            </a:r>
-            <a:r>
-              <a:rPr lang="en-US" sz="3200" i="1" dirty="0" err="1">
+              <a:t>"painter" : "tom",</a:t>
+            </a:r>
+          </a:p>
+          <a:p>
+            <a:pPr marL="1257300" lvl="3" indent="0">
+              <a:buNone/>
+            </a:pPr>
+            <a:r>
+              <a:rPr lang="en-US" sz="2800" dirty="0">
                 <a:latin typeface="Courier New" panose="02070309020205020404" pitchFamily="49" charset="0"/>
                 <a:cs typeface="Courier New" panose="02070309020205020404" pitchFamily="49" charset="0"/>
               </a:rPr>
-              <a:t>expression</a:t>
-            </a:r>
-            <a:r>
-              <a:rPr lang="en-US" sz="3200" b="1" dirty="0" err="1">
+              <a:t>"landscaper" : "joe",</a:t>
+            </a:r>
+          </a:p>
+          <a:p>
+            <a:pPr marL="1257300" lvl="3" indent="0">
+              <a:buNone/>
+            </a:pPr>
+            <a:r>
+              <a:rPr lang="en-US" sz="2800" dirty="0">
                 <a:latin typeface="Courier New" panose="02070309020205020404" pitchFamily="49" charset="0"/>
                 <a:cs typeface="Courier New" panose="02070309020205020404" pitchFamily="49" charset="0"/>
               </a:rPr>
-              <a:t>:</a:t>
-            </a:r>
-            <a:r>
-              <a:rPr lang="en-US" sz="3200" i="1" dirty="0" err="1">
-                <a:latin typeface="Courier New" panose="02070309020205020404" pitchFamily="49" charset="0"/>
-                <a:cs typeface="Courier New" panose="02070309020205020404" pitchFamily="49" charset="0"/>
-              </a:rPr>
-              <a:t>formatting</a:t>
-            </a:r>
-            <a:r>
-              <a:rPr lang="en-US" sz="3200" b="1" dirty="0">
+              <a:t>"plumber" : "kate"</a:t>
+            </a:r>
+          </a:p>
+          <a:p>
+            <a:pPr marL="1257300" lvl="3" indent="0">
+              <a:buNone/>
+            </a:pPr>
+            <a:r>
+              <a:rPr lang="en-US" sz="2800" dirty="0">
                 <a:latin typeface="Courier New" panose="02070309020205020404" pitchFamily="49" charset="0"/>
                 <a:cs typeface="Courier New" panose="02070309020205020404" pitchFamily="49" charset="0"/>
               </a:rPr>
@@ -39753,60 +40881,20 @@
             </a:r>
           </a:p>
           <a:p>
-            <a:pPr marL="857250" lvl="1" indent="-457200"/>
-            <a:r>
-              <a:rPr lang="en-US" sz="3200" b="1" dirty="0">
+            <a:pPr marL="800100" lvl="2" indent="0">
+              <a:buNone/>
+            </a:pPr>
+            <a:r>
+              <a:rPr lang="en-US" sz="3000" dirty="0">
                 <a:latin typeface="Courier New" panose="02070309020205020404" pitchFamily="49" charset="0"/>
                 <a:cs typeface="Courier New" panose="02070309020205020404" pitchFamily="49" charset="0"/>
               </a:rPr>
-              <a:t>:5d – integer 5 places</a:t>
-            </a:r>
-          </a:p>
-          <a:p>
-            <a:pPr marL="857250" lvl="1" indent="-457200"/>
-            <a:r>
-              <a:rPr lang="en-US" sz="3200" b="1" dirty="0">
-                <a:latin typeface="Courier New" panose="02070309020205020404" pitchFamily="49" charset="0"/>
-                <a:cs typeface="Courier New" panose="02070309020205020404" pitchFamily="49" charset="0"/>
-              </a:rPr>
-              <a:t>:5.2 – float 5 places, 2 </a:t>
-            </a:r>
-            <a:r>
-              <a:rPr lang="en-US" sz="3200" b="1" dirty="0" err="1">
-                <a:latin typeface="Courier New" panose="02070309020205020404" pitchFamily="49" charset="0"/>
-                <a:cs typeface="Courier New" panose="02070309020205020404" pitchFamily="49" charset="0"/>
-              </a:rPr>
-              <a:t>dec</a:t>
-            </a:r>
-            <a:r>
-              <a:rPr lang="en-US" sz="3200" b="1" dirty="0">
-                <a:latin typeface="Courier New" panose="02070309020205020404" pitchFamily="49" charset="0"/>
-                <a:cs typeface="Courier New" panose="02070309020205020404" pitchFamily="49" charset="0"/>
-              </a:rPr>
-              <a:t> </a:t>
-            </a:r>
-            <a:r>
-              <a:rPr lang="en-US" sz="3200" b="1" dirty="0" err="1">
-                <a:latin typeface="Courier New" panose="02070309020205020404" pitchFamily="49" charset="0"/>
-                <a:cs typeface="Courier New" panose="02070309020205020404" pitchFamily="49" charset="0"/>
-              </a:rPr>
-              <a:t>pt</a:t>
-            </a:r>
-            <a:endParaRPr lang="en-US" sz="3200" b="1" dirty="0">
-              <a:latin typeface="Courier New" panose="02070309020205020404" pitchFamily="49" charset="0"/>
-              <a:cs typeface="Courier New" panose="02070309020205020404" pitchFamily="49" charset="0"/>
-            </a:endParaRPr>
-          </a:p>
-          <a:p>
-            <a:pPr marL="857250" lvl="1" indent="-457200"/>
-            <a:r>
-              <a:rPr lang="en-US" sz="3200" dirty="0">
-                <a:latin typeface="Tahoma" panose="020B0604030504040204" pitchFamily="34" charset="0"/>
-                <a:ea typeface="Tahoma" panose="020B0604030504040204" pitchFamily="34" charset="0"/>
-                <a:cs typeface="Tahoma" panose="020B0604030504040204" pitchFamily="34" charset="0"/>
-              </a:rPr>
-              <a:t>:&gt;5 – string 5 places right justified </a:t>
-            </a:r>
+              <a:t>print("landscaper:", trades_d["landscaper"])</a:t>
+            </a:r>
+          </a:p>
+          <a:p>
+            <a:pPr marL="3086100" lvl="6" indent="-457200"/>
+            <a:endParaRPr lang="en-US" sz="2800" dirty="0"/>
           </a:p>
         </p:txBody>
       </p:sp>
@@ -39833,7 +40921,7 @@
           <a:p>
             <a:fld id="{A7119916-CD40-456D-ABE3-55F8822671F7}" type="datetime1">
               <a:rPr lang="en-US" smtClean="0"/>
-              <a:t>6/11/2020</a:t>
+              <a:t>6/18/2020</a:t>
             </a:fld>
             <a:endParaRPr lang="en-US" dirty="0"/>
           </a:p>
@@ -39899,7 +40987,7 @@
     </p:spTree>
     <p:extLst>
       <p:ext uri="{BB962C8B-B14F-4D97-AF65-F5344CB8AC3E}">
-        <p14:creationId xmlns:p14="http://schemas.microsoft.com/office/powerpoint/2010/main" val="4088521725"/>
+        <p14:creationId xmlns:p14="http://schemas.microsoft.com/office/powerpoint/2010/main" val="1324076079"/>
       </p:ext>
     </p:extLst>
   </p:cSld>
@@ -39954,48 +41042,43 @@
             <p:ph type="title"/>
           </p:nvPr>
         </p:nvSpPr>
+        <p:spPr/>
+        <p:txBody>
+          <a:bodyPr/>
+          <a:lstStyle/>
+          <a:p>
+            <a:r>
+              <a:rPr lang="en-US" dirty="0"/>
+              <a:t>Dictionary - continued</a:t>
+            </a:r>
+          </a:p>
+        </p:txBody>
+      </p:sp>
+      <p:sp>
+        <p:nvSpPr>
+          <p:cNvPr id="3" name="Content Placeholder 2">
+            <a:extLst>
+              <a:ext uri="{FF2B5EF4-FFF2-40B4-BE49-F238E27FC236}">
+                <a16:creationId xmlns:a16="http://schemas.microsoft.com/office/drawing/2014/main" id="{64372DD4-6DBF-43CC-8728-9C2DC16B0267}"/>
+              </a:ext>
+            </a:extLst>
+          </p:cNvPr>
+          <p:cNvSpPr>
+            <a:spLocks noGrp="1"/>
+          </p:cNvSpPr>
+          <p:nvPr>
+            <p:ph idx="1"/>
+          </p:nvPr>
+        </p:nvSpPr>
         <p:spPr>
           <a:xfrm>
-            <a:off x="677334" y="609600"/>
-            <a:ext cx="8596668" cy="895815"/>
+            <a:off x="677333" y="2160589"/>
+            <a:ext cx="8912715" cy="3880773"/>
           </a:xfrm>
         </p:spPr>
         <p:txBody>
-          <a:bodyPr/>
-          <a:lstStyle/>
-          <a:p>
-            <a:r>
-              <a:rPr lang="en-US" dirty="0"/>
-              <a:t>F-string – continued</a:t>
-            </a:r>
-          </a:p>
-        </p:txBody>
-      </p:sp>
-      <p:sp>
-        <p:nvSpPr>
-          <p:cNvPr id="3" name="Content Placeholder 2">
-            <a:extLst>
-              <a:ext uri="{FF2B5EF4-FFF2-40B4-BE49-F238E27FC236}">
-                <a16:creationId xmlns:a16="http://schemas.microsoft.com/office/drawing/2014/main" id="{64372DD4-6DBF-43CC-8728-9C2DC16B0267}"/>
-              </a:ext>
-            </a:extLst>
-          </p:cNvPr>
-          <p:cNvSpPr>
-            <a:spLocks noGrp="1"/>
-          </p:cNvSpPr>
-          <p:nvPr>
-            <p:ph idx="1"/>
-          </p:nvPr>
-        </p:nvSpPr>
-        <p:spPr>
-          <a:xfrm>
-            <a:off x="677333" y="1505415"/>
-            <a:ext cx="8912715" cy="4901072"/>
-          </a:xfrm>
-        </p:spPr>
-        <p:txBody>
           <a:bodyPr>
-            <a:normAutofit fontScale="92500" lnSpcReduction="20000"/>
+            <a:normAutofit/>
           </a:bodyPr>
           <a:lstStyle/>
           <a:p>
@@ -40004,11 +41087,10 @@
             </a:pPr>
             <a:r>
               <a:rPr lang="en-US" sz="3200" dirty="0">
-                <a:latin typeface="Tahoma" panose="020B0604030504040204" pitchFamily="34" charset="0"/>
-                <a:ea typeface="Tahoma" panose="020B0604030504040204" pitchFamily="34" charset="0"/>
-                <a:cs typeface="Tahoma" panose="020B0604030504040204" pitchFamily="34" charset="0"/>
+                <a:latin typeface="Courier New" panose="02070309020205020404" pitchFamily="49" charset="0"/>
+                <a:cs typeface="Courier New" panose="02070309020205020404" pitchFamily="49" charset="0"/>
               </a:rPr>
-              <a:t>runners =   {  "tom" :   {   "count" : 5,</a:t>
+              <a:t>for trade in trades_d:</a:t>
             </a:r>
           </a:p>
           <a:p>
@@ -40017,25 +41099,20 @@
             </a:pPr>
             <a:r>
               <a:rPr lang="en-US" sz="3200" dirty="0">
-                <a:latin typeface="Tahoma" panose="020B0604030504040204" pitchFamily="34" charset="0"/>
-                <a:ea typeface="Tahoma" panose="020B0604030504040204" pitchFamily="34" charset="0"/>
-                <a:cs typeface="Tahoma" panose="020B0604030504040204" pitchFamily="34" charset="0"/>
+                <a:latin typeface="Courier New" panose="02070309020205020404" pitchFamily="49" charset="0"/>
+                <a:cs typeface="Courier New" panose="02070309020205020404" pitchFamily="49" charset="0"/>
               </a:rPr>
-              <a:t>                                      "time" : 3.8</a:t>
+              <a:t>	    print(trade, trades_d[trade])</a:t>
             </a:r>
           </a:p>
           <a:p>
             <a:pPr marL="400050" lvl="1" indent="0">
               <a:buNone/>
             </a:pPr>
-            <a:r>
-              <a:rPr lang="en-US" sz="3200" dirty="0">
-                <a:latin typeface="Tahoma" panose="020B0604030504040204" pitchFamily="34" charset="0"/>
-                <a:ea typeface="Tahoma" panose="020B0604030504040204" pitchFamily="34" charset="0"/>
-                <a:cs typeface="Tahoma" panose="020B0604030504040204" pitchFamily="34" charset="0"/>
-              </a:rPr>
-              <a:t>                                 },</a:t>
-            </a:r>
+            <a:endParaRPr lang="en-US" sz="3200" dirty="0">
+              <a:latin typeface="Courier New" panose="02070309020205020404" pitchFamily="49" charset="0"/>
+              <a:cs typeface="Courier New" panose="02070309020205020404" pitchFamily="49" charset="0"/>
+            </a:endParaRPr>
           </a:p>
           <a:p>
             <a:pPr marL="400050" lvl="1" indent="0">
@@ -40043,11 +41120,10 @@
             </a:pPr>
             <a:r>
               <a:rPr lang="en-US" sz="3200" dirty="0">
-                <a:latin typeface="Tahoma" panose="020B0604030504040204" pitchFamily="34" charset="0"/>
-                <a:ea typeface="Tahoma" panose="020B0604030504040204" pitchFamily="34" charset="0"/>
-                <a:cs typeface="Tahoma" panose="020B0604030504040204" pitchFamily="34" charset="0"/>
+                <a:latin typeface="Courier New" panose="02070309020205020404" pitchFamily="49" charset="0"/>
+                <a:cs typeface="Courier New" panose="02070309020205020404" pitchFamily="49" charset="0"/>
               </a:rPr>
-              <a:t>                    "joe" :    {   "count" : 7,</a:t>
+              <a:t>for tra, who in trades_d.items():</a:t>
             </a:r>
           </a:p>
           <a:p>
@@ -40056,11 +41132,10 @@
             </a:pPr>
             <a:r>
               <a:rPr lang="en-US" sz="3200" dirty="0">
-                <a:latin typeface="Tahoma" panose="020B0604030504040204" pitchFamily="34" charset="0"/>
-                <a:ea typeface="Tahoma" panose="020B0604030504040204" pitchFamily="34" charset="0"/>
-                <a:cs typeface="Tahoma" panose="020B0604030504040204" pitchFamily="34" charset="0"/>
+                <a:latin typeface="Courier New" panose="02070309020205020404" pitchFamily="49" charset="0"/>
+                <a:cs typeface="Courier New" panose="02070309020205020404" pitchFamily="49" charset="0"/>
               </a:rPr>
-              <a:t>                                     "time" : 5.728</a:t>
+              <a:t>    print(tra, who)</a:t>
             </a:r>
           </a:p>
           <a:p>
@@ -40069,96 +41144,11 @@
             </a:pPr>
             <a:r>
               <a:rPr lang="en-US" sz="3200" dirty="0">
-                <a:latin typeface="Tahoma" panose="020B0604030504040204" pitchFamily="34" charset="0"/>
-                <a:ea typeface="Tahoma" panose="020B0604030504040204" pitchFamily="34" charset="0"/>
-                <a:cs typeface="Tahoma" panose="020B0604030504040204" pitchFamily="34" charset="0"/>
+                <a:latin typeface="Courier New" panose="02070309020205020404" pitchFamily="49" charset="0"/>
+                <a:cs typeface="Courier New" panose="02070309020205020404" pitchFamily="49" charset="0"/>
               </a:rPr>
-              <a:t>                                 },</a:t>
-            </a:r>
-          </a:p>
-          <a:p>
-            <a:pPr marL="400050" lvl="1" indent="0">
-              <a:buNone/>
-            </a:pPr>
-            <a:r>
-              <a:rPr lang="en-US" sz="3200" dirty="0">
-                <a:latin typeface="Tahoma" panose="020B0604030504040204" pitchFamily="34" charset="0"/>
-                <a:ea typeface="Tahoma" panose="020B0604030504040204" pitchFamily="34" charset="0"/>
-                <a:cs typeface="Tahoma" panose="020B0604030504040204" pitchFamily="34" charset="0"/>
-              </a:rPr>
-              <a:t>                   "</a:t>
-            </a:r>
-            <a:r>
-              <a:rPr lang="en-US" sz="3200" dirty="0" err="1">
-                <a:latin typeface="Tahoma" panose="020B0604030504040204" pitchFamily="34" charset="0"/>
-                <a:ea typeface="Tahoma" panose="020B0604030504040204" pitchFamily="34" charset="0"/>
-                <a:cs typeface="Tahoma" panose="020B0604030504040204" pitchFamily="34" charset="0"/>
-              </a:rPr>
-              <a:t>mary</a:t>
-            </a:r>
-            <a:r>
-              <a:rPr lang="en-US" sz="3200" dirty="0">
-                <a:latin typeface="Tahoma" panose="020B0604030504040204" pitchFamily="34" charset="0"/>
-                <a:ea typeface="Tahoma" panose="020B0604030504040204" pitchFamily="34" charset="0"/>
-                <a:cs typeface="Tahoma" panose="020B0604030504040204" pitchFamily="34" charset="0"/>
-              </a:rPr>
-              <a:t>" :  {   "count" : 10,</a:t>
-            </a:r>
-          </a:p>
-          <a:p>
-            <a:pPr marL="400050" lvl="1" indent="0">
-              <a:buNone/>
-            </a:pPr>
-            <a:r>
-              <a:rPr lang="en-US" sz="3200" dirty="0">
-                <a:latin typeface="Tahoma" panose="020B0604030504040204" pitchFamily="34" charset="0"/>
-                <a:ea typeface="Tahoma" panose="020B0604030504040204" pitchFamily="34" charset="0"/>
-                <a:cs typeface="Tahoma" panose="020B0604030504040204" pitchFamily="34" charset="0"/>
-              </a:rPr>
-              <a:t>                                     "time" : 7.62</a:t>
-            </a:r>
-          </a:p>
-          <a:p>
-            <a:pPr marL="400050" lvl="1" indent="0">
-              <a:buNone/>
-            </a:pPr>
-            <a:r>
-              <a:rPr lang="en-US" sz="3200" dirty="0">
-                <a:latin typeface="Tahoma" panose="020B0604030504040204" pitchFamily="34" charset="0"/>
-                <a:ea typeface="Tahoma" panose="020B0604030504040204" pitchFamily="34" charset="0"/>
-                <a:cs typeface="Tahoma" panose="020B0604030504040204" pitchFamily="34" charset="0"/>
-              </a:rPr>
-              <a:t>                                 }</a:t>
-            </a:r>
-          </a:p>
-          <a:p>
-            <a:pPr marL="400050" lvl="1" indent="0">
-              <a:buNone/>
-            </a:pPr>
-            <a:r>
-              <a:rPr lang="en-US" sz="3200" dirty="0">
-                <a:latin typeface="Tahoma" panose="020B0604030504040204" pitchFamily="34" charset="0"/>
-                <a:ea typeface="Tahoma" panose="020B0604030504040204" pitchFamily="34" charset="0"/>
-                <a:cs typeface="Tahoma" panose="020B0604030504040204" pitchFamily="34" charset="0"/>
-              </a:rPr>
-              <a:t>                }</a:t>
-            </a:r>
-          </a:p>
-          <a:p>
-            <a:pPr marL="857250" lvl="1" indent="-457200"/>
-            <a:endParaRPr lang="en-US" sz="3200" dirty="0">
-              <a:latin typeface="Tahoma" panose="020B0604030504040204" pitchFamily="34" charset="0"/>
-              <a:ea typeface="Tahoma" panose="020B0604030504040204" pitchFamily="34" charset="0"/>
-              <a:cs typeface="Tahoma" panose="020B0604030504040204" pitchFamily="34" charset="0"/>
-            </a:endParaRPr>
-          </a:p>
-          <a:p>
-            <a:pPr marL="857250" lvl="1" indent="-457200"/>
-            <a:endParaRPr lang="en-US" sz="3200" dirty="0">
-              <a:latin typeface="Tahoma" panose="020B0604030504040204" pitchFamily="34" charset="0"/>
-              <a:ea typeface="Tahoma" panose="020B0604030504040204" pitchFamily="34" charset="0"/>
-              <a:cs typeface="Tahoma" panose="020B0604030504040204" pitchFamily="34" charset="0"/>
-            </a:endParaRPr>
+              <a:t>trades_d["programmer"] = "ray"</a:t>
+            </a:r>
           </a:p>
         </p:txBody>
       </p:sp>
@@ -40185,7 +41175,7 @@
           <a:p>
             <a:fld id="{A7119916-CD40-456D-ABE3-55F8822671F7}" type="datetime1">
               <a:rPr lang="en-US" smtClean="0"/>
-              <a:t>6/11/2020</a:t>
+              <a:t>6/18/2020</a:t>
             </a:fld>
             <a:endParaRPr lang="en-US" dirty="0"/>
           </a:p>
@@ -40251,7 +41241,7 @@
     </p:spTree>
     <p:extLst>
       <p:ext uri="{BB962C8B-B14F-4D97-AF65-F5344CB8AC3E}">
-        <p14:creationId xmlns:p14="http://schemas.microsoft.com/office/powerpoint/2010/main" val="541075202"/>
+        <p14:creationId xmlns:p14="http://schemas.microsoft.com/office/powerpoint/2010/main" val="3493103076"/>
       </p:ext>
     </p:extLst>
   </p:cSld>
@@ -40411,7 +41401,7 @@
           <a:p>
             <a:fld id="{C1136F0E-77BB-4D7A-B934-85448C938E7B}" type="datetime1">
               <a:rPr lang="en-US" smtClean="0"/>
-              <a:t>6/11/2020</a:t>
+              <a:t>6/18/2020</a:t>
             </a:fld>
             <a:endParaRPr lang="en-US" dirty="0"/>
           </a:p>
@@ -40520,43 +41510,38 @@
             <p:ph type="title"/>
           </p:nvPr>
         </p:nvSpPr>
+        <p:spPr/>
+        <p:txBody>
+          <a:bodyPr/>
+          <a:lstStyle/>
+          <a:p>
+            <a:r>
+              <a:rPr lang="en-US" dirty="0"/>
+              <a:t>F-string – easer print formatting</a:t>
+            </a:r>
+          </a:p>
+        </p:txBody>
+      </p:sp>
+      <p:sp>
+        <p:nvSpPr>
+          <p:cNvPr id="3" name="Content Placeholder 2">
+            <a:extLst>
+              <a:ext uri="{FF2B5EF4-FFF2-40B4-BE49-F238E27FC236}">
+                <a16:creationId xmlns:a16="http://schemas.microsoft.com/office/drawing/2014/main" id="{64372DD4-6DBF-43CC-8728-9C2DC16B0267}"/>
+              </a:ext>
+            </a:extLst>
+          </p:cNvPr>
+          <p:cNvSpPr>
+            <a:spLocks noGrp="1"/>
+          </p:cNvSpPr>
+          <p:nvPr>
+            <p:ph idx="1"/>
+          </p:nvPr>
+        </p:nvSpPr>
         <p:spPr>
           <a:xfrm>
-            <a:off x="677334" y="609600"/>
-            <a:ext cx="8596668" cy="1096537"/>
-          </a:xfrm>
-        </p:spPr>
-        <p:txBody>
-          <a:bodyPr/>
-          <a:lstStyle/>
-          <a:p>
-            <a:r>
-              <a:rPr lang="en-US" dirty="0"/>
-              <a:t>F-string – continued</a:t>
-            </a:r>
-          </a:p>
-        </p:txBody>
-      </p:sp>
-      <p:sp>
-        <p:nvSpPr>
-          <p:cNvPr id="3" name="Content Placeholder 2">
-            <a:extLst>
-              <a:ext uri="{FF2B5EF4-FFF2-40B4-BE49-F238E27FC236}">
-                <a16:creationId xmlns:a16="http://schemas.microsoft.com/office/drawing/2014/main" id="{64372DD4-6DBF-43CC-8728-9C2DC16B0267}"/>
-              </a:ext>
-            </a:extLst>
-          </p:cNvPr>
-          <p:cNvSpPr>
-            <a:spLocks noGrp="1"/>
-          </p:cNvSpPr>
-          <p:nvPr>
-            <p:ph idx="1"/>
-          </p:nvPr>
-        </p:nvSpPr>
-        <p:spPr>
-          <a:xfrm>
-            <a:off x="423747" y="1706137"/>
-            <a:ext cx="11090920" cy="4335225"/>
+            <a:off x="677333" y="2160589"/>
+            <a:ext cx="8912715" cy="3880773"/>
           </a:xfrm>
         </p:spPr>
         <p:txBody>
@@ -40565,16 +41550,52 @@
           </a:bodyPr>
           <a:lstStyle/>
           <a:p>
+            <a:pPr marL="857250" lvl="1" indent="-457200"/>
+            <a:r>
+              <a:rPr lang="en-US" sz="3200" dirty="0">
+                <a:latin typeface="Courier New" panose="02070309020205020404" pitchFamily="49" charset="0"/>
+                <a:cs typeface="Courier New" panose="02070309020205020404" pitchFamily="49" charset="0"/>
+              </a:rPr>
+              <a:t>building print strings</a:t>
+            </a:r>
+          </a:p>
+          <a:p>
+            <a:pPr marL="857250" lvl="1" indent="-457200"/>
+            <a:r>
+              <a:rPr lang="en-US" sz="3200" dirty="0">
+                <a:latin typeface="Courier New" panose="02070309020205020404" pitchFamily="49" charset="0"/>
+                <a:cs typeface="Courier New" panose="02070309020205020404" pitchFamily="49" charset="0"/>
+              </a:rPr>
+              <a:t>Put "f" before first quote</a:t>
+            </a:r>
+          </a:p>
+          <a:p>
+            <a:pPr marL="857250" lvl="1" indent="-457200"/>
+            <a:r>
+              <a:rPr lang="en-US" sz="3200" dirty="0">
+                <a:latin typeface="Courier New" panose="02070309020205020404" pitchFamily="49" charset="0"/>
+                <a:cs typeface="Courier New" panose="02070309020205020404" pitchFamily="49" charset="0"/>
+              </a:rPr>
+              <a:t>Place variable inside "{}"</a:t>
+            </a:r>
+          </a:p>
+          <a:p>
             <a:pPr marL="400050" lvl="1" indent="0">
               <a:buNone/>
             </a:pPr>
             <a:r>
+              <a:rPr lang="en-US" sz="3200" dirty="0" err="1">
+                <a:latin typeface="Courier New" panose="02070309020205020404" pitchFamily="49" charset="0"/>
+                <a:cs typeface="Courier New" panose="02070309020205020404" pitchFamily="49" charset="0"/>
+              </a:rPr>
+              <a:t>t_nm</a:t>
+            </a:r>
+            <a:r>
               <a:rPr lang="en-US" sz="3200" dirty="0">
                 <a:latin typeface="Courier New" panose="02070309020205020404" pitchFamily="49" charset="0"/>
-                <a:ea typeface="Tahoma" panose="020B0604030504040204" pitchFamily="34" charset="0"/>
                 <a:cs typeface="Courier New" panose="02070309020205020404" pitchFamily="49" charset="0"/>
               </a:rPr>
-              <a:t># Print Heading</a:t>
+              <a:t> = "Tom"</a:t>
             </a:r>
           </a:p>
           <a:p>
@@ -40582,12 +41603,18 @@
               <a:buNone/>
             </a:pPr>
             <a:r>
+              <a:rPr lang="en-US" sz="3200" dirty="0" err="1">
+                <a:latin typeface="Courier New" panose="02070309020205020404" pitchFamily="49" charset="0"/>
+                <a:cs typeface="Courier New" panose="02070309020205020404" pitchFamily="49" charset="0"/>
+              </a:rPr>
+              <a:t>m_nm</a:t>
+            </a:r>
+            <a:r>
               <a:rPr lang="en-US" sz="3200" dirty="0">
                 <a:latin typeface="Courier New" panose="02070309020205020404" pitchFamily="49" charset="0"/>
-                <a:ea typeface="Tahoma" panose="020B0604030504040204" pitchFamily="34" charset="0"/>
                 <a:cs typeface="Courier New" panose="02070309020205020404" pitchFamily="49" charset="0"/>
               </a:rPr>
-              <a:t>print(f"{'name':10}"</a:t>
+              <a:t> = "Mary"</a:t>
             </a:r>
           </a:p>
           <a:p>
@@ -40597,103 +41624,66 @@
             <a:r>
               <a:rPr lang="en-US" sz="3200" dirty="0">
                 <a:latin typeface="Courier New" panose="02070309020205020404" pitchFamily="49" charset="0"/>
-                <a:ea typeface="Tahoma" panose="020B0604030504040204" pitchFamily="34" charset="0"/>
                 <a:cs typeface="Courier New" panose="02070309020205020404" pitchFamily="49" charset="0"/>
               </a:rPr>
-              <a:t>      + f" {'count':5}{'time':&gt;5}") </a:t>
-            </a:r>
-          </a:p>
-          <a:p>
-            <a:pPr marL="400050" lvl="1" indent="0">
-              <a:buNone/>
-            </a:pPr>
+              <a:t>print(</a:t>
+            </a:r>
+            <a:r>
+              <a:rPr lang="en-US" sz="3200" dirty="0" err="1">
+                <a:latin typeface="Courier New" panose="02070309020205020404" pitchFamily="49" charset="0"/>
+                <a:cs typeface="Courier New" panose="02070309020205020404" pitchFamily="49" charset="0"/>
+              </a:rPr>
+              <a:t>f"tom</a:t>
+            </a:r>
             <a:r>
               <a:rPr lang="en-US" sz="3200" dirty="0">
                 <a:latin typeface="Courier New" panose="02070309020205020404" pitchFamily="49" charset="0"/>
-                <a:ea typeface="Tahoma" panose="020B0604030504040204" pitchFamily="34" charset="0"/>
                 <a:cs typeface="Courier New" panose="02070309020205020404" pitchFamily="49" charset="0"/>
               </a:rPr>
-              <a:t>for </a:t>
+              <a:t>={</a:t>
             </a:r>
             <a:r>
               <a:rPr lang="en-US" sz="3200" dirty="0" err="1">
                 <a:latin typeface="Courier New" panose="02070309020205020404" pitchFamily="49" charset="0"/>
-                <a:ea typeface="Tahoma" panose="020B0604030504040204" pitchFamily="34" charset="0"/>
                 <a:cs typeface="Courier New" panose="02070309020205020404" pitchFamily="49" charset="0"/>
               </a:rPr>
-              <a:t>rname</a:t>
+              <a:t>t_nm</a:t>
             </a:r>
             <a:r>
               <a:rPr lang="en-US" sz="3200" dirty="0">
                 <a:latin typeface="Courier New" panose="02070309020205020404" pitchFamily="49" charset="0"/>
-                <a:ea typeface="Tahoma" panose="020B0604030504040204" pitchFamily="34" charset="0"/>
                 <a:cs typeface="Courier New" panose="02070309020205020404" pitchFamily="49" charset="0"/>
               </a:rPr>
-              <a:t> in runners:</a:t>
-            </a:r>
-          </a:p>
-          <a:p>
-            <a:pPr marL="400050" lvl="1" indent="0">
-              <a:buNone/>
-            </a:pPr>
+              <a:t>} </a:t>
+            </a:r>
+            <a:r>
+              <a:rPr lang="en-US" sz="3200" dirty="0" err="1">
+                <a:latin typeface="Courier New" panose="02070309020205020404" pitchFamily="49" charset="0"/>
+                <a:cs typeface="Courier New" panose="02070309020205020404" pitchFamily="49" charset="0"/>
+              </a:rPr>
+              <a:t>mary</a:t>
+            </a:r>
             <a:r>
               <a:rPr lang="en-US" sz="3200" dirty="0">
                 <a:latin typeface="Courier New" panose="02070309020205020404" pitchFamily="49" charset="0"/>
-                <a:ea typeface="Tahoma" panose="020B0604030504040204" pitchFamily="34" charset="0"/>
                 <a:cs typeface="Courier New" panose="02070309020205020404" pitchFamily="49" charset="0"/>
               </a:rPr>
-              <a:t>    info = runners[</a:t>
+              <a:t>={</a:t>
             </a:r>
             <a:r>
               <a:rPr lang="en-US" sz="3200" dirty="0" err="1">
                 <a:latin typeface="Courier New" panose="02070309020205020404" pitchFamily="49" charset="0"/>
-                <a:ea typeface="Tahoma" panose="020B0604030504040204" pitchFamily="34" charset="0"/>
                 <a:cs typeface="Courier New" panose="02070309020205020404" pitchFamily="49" charset="0"/>
               </a:rPr>
-              <a:t>rname</a:t>
+              <a:t>m_nm</a:t>
             </a:r>
             <a:r>
               <a:rPr lang="en-US" sz="3200" dirty="0">
                 <a:latin typeface="Courier New" panose="02070309020205020404" pitchFamily="49" charset="0"/>
-                <a:ea typeface="Tahoma" panose="020B0604030504040204" pitchFamily="34" charset="0"/>
                 <a:cs typeface="Courier New" panose="02070309020205020404" pitchFamily="49" charset="0"/>
               </a:rPr>
-              <a:t>]</a:t>
-            </a:r>
-          </a:p>
-          <a:p>
-            <a:pPr marL="400050" lvl="1" indent="0">
-              <a:buNone/>
-            </a:pPr>
-            <a:r>
-              <a:rPr lang="en-US" sz="3200" dirty="0">
-                <a:latin typeface="Courier New" panose="02070309020205020404" pitchFamily="49" charset="0"/>
-                <a:ea typeface="Tahoma" panose="020B0604030504040204" pitchFamily="34" charset="0"/>
-                <a:cs typeface="Courier New" panose="02070309020205020404" pitchFamily="49" charset="0"/>
-              </a:rPr>
-              <a:t>    print(f"{rname:10} {info['count']:5d}"</a:t>
-            </a:r>
-          </a:p>
-          <a:p>
-            <a:pPr marL="400050" lvl="1" indent="0">
-              <a:buNone/>
-            </a:pPr>
-            <a:r>
-              <a:rPr lang="en-US" sz="3200" dirty="0">
-                <a:latin typeface="Courier New" panose="02070309020205020404" pitchFamily="49" charset="0"/>
-                <a:ea typeface="Tahoma" panose="020B0604030504040204" pitchFamily="34" charset="0"/>
-                <a:cs typeface="Courier New" panose="02070309020205020404" pitchFamily="49" charset="0"/>
-              </a:rPr>
-              <a:t>          + f" {info['time']:5.3f}")</a:t>
-            </a:r>
-          </a:p>
-          <a:p>
-            <a:pPr marL="857250" lvl="1" indent="-457200"/>
-            <a:endParaRPr lang="en-US" sz="3200" dirty="0">
-              <a:latin typeface="Tahoma" panose="020B0604030504040204" pitchFamily="34" charset="0"/>
-              <a:ea typeface="Tahoma" panose="020B0604030504040204" pitchFamily="34" charset="0"/>
-              <a:cs typeface="Tahoma" panose="020B0604030504040204" pitchFamily="34" charset="0"/>
-            </a:endParaRPr>
+              <a:t>}")</a:t>
+            </a:r>
           </a:p>
         </p:txBody>
       </p:sp>
@@ -40720,7 +41710,7 @@
           <a:p>
             <a:fld id="{A7119916-CD40-456D-ABE3-55F8822671F7}" type="datetime1">
               <a:rPr lang="en-US" smtClean="0"/>
-              <a:t>6/11/2020</a:t>
+              <a:t>6/18/2020</a:t>
             </a:fld>
             <a:endParaRPr lang="en-US" dirty="0"/>
           </a:p>
@@ -40786,7 +41776,7 @@
     </p:spTree>
     <p:extLst>
       <p:ext uri="{BB962C8B-B14F-4D97-AF65-F5344CB8AC3E}">
-        <p14:creationId xmlns:p14="http://schemas.microsoft.com/office/powerpoint/2010/main" val="2196127733"/>
+        <p14:creationId xmlns:p14="http://schemas.microsoft.com/office/powerpoint/2010/main" val="1358359583"/>
       </p:ext>
     </p:extLst>
   </p:cSld>
@@ -40876,8 +41866,8 @@
         </p:nvSpPr>
         <p:spPr>
           <a:xfrm>
-            <a:off x="423747" y="1706137"/>
-            <a:ext cx="11090920" cy="4335225"/>
+            <a:off x="677333" y="1706137"/>
+            <a:ext cx="8912715" cy="4335225"/>
           </a:xfrm>
         </p:spPr>
         <p:txBody>
@@ -40886,85 +41876,105 @@
           </a:bodyPr>
           <a:lstStyle/>
           <a:p>
-            <a:pPr marL="400050" lvl="1" indent="0">
-              <a:buNone/>
-            </a:pPr>
+            <a:pPr marL="857250" lvl="1" indent="-457200"/>
+            <a:r>
+              <a:rPr lang="en-US" sz="3200" b="1" dirty="0">
+                <a:latin typeface="Courier New" panose="02070309020205020404" pitchFamily="49" charset="0"/>
+                <a:cs typeface="Courier New" panose="02070309020205020404" pitchFamily="49" charset="0"/>
+              </a:rPr>
+              <a:t>{</a:t>
+            </a:r>
+            <a:r>
+              <a:rPr lang="en-US" sz="3200" i="1" dirty="0">
+                <a:latin typeface="Courier New" panose="02070309020205020404" pitchFamily="49" charset="0"/>
+                <a:cs typeface="Courier New" panose="02070309020205020404" pitchFamily="49" charset="0"/>
+              </a:rPr>
+              <a:t>variable/</a:t>
+            </a:r>
+            <a:r>
+              <a:rPr lang="en-US" sz="3200" i="1" dirty="0" err="1">
+                <a:latin typeface="Courier New" panose="02070309020205020404" pitchFamily="49" charset="0"/>
+                <a:cs typeface="Courier New" panose="02070309020205020404" pitchFamily="49" charset="0"/>
+              </a:rPr>
+              <a:t>expression</a:t>
+            </a:r>
+            <a:r>
+              <a:rPr lang="en-US" sz="3200" b="1" dirty="0" err="1">
+                <a:latin typeface="Courier New" panose="02070309020205020404" pitchFamily="49" charset="0"/>
+                <a:cs typeface="Courier New" panose="02070309020205020404" pitchFamily="49" charset="0"/>
+              </a:rPr>
+              <a:t>:</a:t>
+            </a:r>
+            <a:r>
+              <a:rPr lang="en-US" sz="3200" i="1" dirty="0" err="1">
+                <a:latin typeface="Courier New" panose="02070309020205020404" pitchFamily="49" charset="0"/>
+                <a:cs typeface="Courier New" panose="02070309020205020404" pitchFamily="49" charset="0"/>
+              </a:rPr>
+              <a:t>formatting</a:t>
+            </a:r>
+            <a:r>
+              <a:rPr lang="en-US" sz="3200" b="1" dirty="0">
+                <a:latin typeface="Courier New" panose="02070309020205020404" pitchFamily="49" charset="0"/>
+                <a:cs typeface="Courier New" panose="02070309020205020404" pitchFamily="49" charset="0"/>
+              </a:rPr>
+              <a:t>}</a:t>
+            </a:r>
+          </a:p>
+          <a:p>
+            <a:pPr marL="857250" lvl="1" indent="-457200"/>
+            <a:r>
+              <a:rPr lang="en-US" sz="3200" b="1" dirty="0">
+                <a:latin typeface="Courier New" panose="02070309020205020404" pitchFamily="49" charset="0"/>
+                <a:cs typeface="Courier New" panose="02070309020205020404" pitchFamily="49" charset="0"/>
+              </a:rPr>
+              <a:t>:5d – integer 5 places</a:t>
+            </a:r>
+          </a:p>
+          <a:p>
+            <a:pPr marL="857250" lvl="1" indent="-457200"/>
+            <a:r>
+              <a:rPr lang="en-US" sz="3200" b="1" dirty="0">
+                <a:latin typeface="Courier New" panose="02070309020205020404" pitchFamily="49" charset="0"/>
+                <a:cs typeface="Courier New" panose="02070309020205020404" pitchFamily="49" charset="0"/>
+              </a:rPr>
+              <a:t>:5.2 – float 5 places, 2 </a:t>
+            </a:r>
+            <a:r>
+              <a:rPr lang="en-US" sz="3200" b="1" dirty="0" err="1">
+                <a:latin typeface="Courier New" panose="02070309020205020404" pitchFamily="49" charset="0"/>
+                <a:cs typeface="Courier New" panose="02070309020205020404" pitchFamily="49" charset="0"/>
+              </a:rPr>
+              <a:t>dec</a:t>
+            </a:r>
+            <a:r>
+              <a:rPr lang="en-US" sz="3200" b="1" dirty="0">
+                <a:latin typeface="Courier New" panose="02070309020205020404" pitchFamily="49" charset="0"/>
+                <a:cs typeface="Courier New" panose="02070309020205020404" pitchFamily="49" charset="0"/>
+              </a:rPr>
+              <a:t> </a:t>
+            </a:r>
+            <a:r>
+              <a:rPr lang="en-US" sz="3200" b="1" dirty="0" err="1">
+                <a:latin typeface="Courier New" panose="02070309020205020404" pitchFamily="49" charset="0"/>
+                <a:cs typeface="Courier New" panose="02070309020205020404" pitchFamily="49" charset="0"/>
+              </a:rPr>
+              <a:t>pt</a:t>
+            </a:r>
+            <a:endParaRPr lang="en-US" sz="3200" b="1" dirty="0">
+              <a:latin typeface="Courier New" panose="02070309020205020404" pitchFamily="49" charset="0"/>
+              <a:cs typeface="Courier New" panose="02070309020205020404" pitchFamily="49" charset="0"/>
+            </a:endParaRPr>
+          </a:p>
+          <a:p>
+            <a:pPr marL="857250" lvl="1" indent="-457200"/>
             <a:r>
               <a:rPr lang="en-US" sz="3200" dirty="0">
                 <a:latin typeface="Tahoma" panose="020B0604030504040204" pitchFamily="34" charset="0"/>
                 <a:ea typeface="Tahoma" panose="020B0604030504040204" pitchFamily="34" charset="0"/>
                 <a:cs typeface="Tahoma" panose="020B0604030504040204" pitchFamily="34" charset="0"/>
               </a:rPr>
-              <a:t>Output:</a:t>
-            </a:r>
-          </a:p>
-          <a:p>
-            <a:pPr marL="800100" lvl="2" indent="0">
-              <a:buNone/>
-            </a:pPr>
-            <a:r>
-              <a:rPr lang="en-US" sz="3000" dirty="0">
-                <a:latin typeface="Courier New" panose="02070309020205020404" pitchFamily="49" charset="0"/>
-                <a:ea typeface="Tahoma" panose="020B0604030504040204" pitchFamily="34" charset="0"/>
-                <a:cs typeface="Courier New" panose="02070309020205020404" pitchFamily="49" charset="0"/>
-              </a:rPr>
-              <a:t>name       count  time</a:t>
-            </a:r>
-          </a:p>
-          <a:p>
-            <a:pPr marL="800100" lvl="2" indent="0">
-              <a:buNone/>
-            </a:pPr>
-            <a:r>
-              <a:rPr lang="en-US" sz="3000" dirty="0">
-                <a:latin typeface="Courier New" panose="02070309020205020404" pitchFamily="49" charset="0"/>
-                <a:ea typeface="Tahoma" panose="020B0604030504040204" pitchFamily="34" charset="0"/>
-                <a:cs typeface="Courier New" panose="02070309020205020404" pitchFamily="49" charset="0"/>
-              </a:rPr>
-              <a:t>tom            5 3.800</a:t>
-            </a:r>
-          </a:p>
-          <a:p>
-            <a:pPr marL="800100" lvl="2" indent="0">
-              <a:buNone/>
-            </a:pPr>
-            <a:r>
-              <a:rPr lang="en-US" sz="3000" dirty="0">
-                <a:latin typeface="Courier New" panose="02070309020205020404" pitchFamily="49" charset="0"/>
-                <a:ea typeface="Tahoma" panose="020B0604030504040204" pitchFamily="34" charset="0"/>
-                <a:cs typeface="Courier New" panose="02070309020205020404" pitchFamily="49" charset="0"/>
-              </a:rPr>
-              <a:t>joe            7 5.728</a:t>
-            </a:r>
-          </a:p>
-          <a:p>
-            <a:pPr marL="800100" lvl="2" indent="0">
-              <a:buNone/>
-            </a:pPr>
-            <a:r>
-              <a:rPr lang="en-US" sz="3000" dirty="0" err="1">
-                <a:latin typeface="Courier New" panose="02070309020205020404" pitchFamily="49" charset="0"/>
-                <a:ea typeface="Tahoma" panose="020B0604030504040204" pitchFamily="34" charset="0"/>
-                <a:cs typeface="Courier New" panose="02070309020205020404" pitchFamily="49" charset="0"/>
-              </a:rPr>
-              <a:t>mary</a:t>
-            </a:r>
-            <a:r>
-              <a:rPr lang="en-US" sz="3000" dirty="0">
-                <a:latin typeface="Courier New" panose="02070309020205020404" pitchFamily="49" charset="0"/>
-                <a:ea typeface="Tahoma" panose="020B0604030504040204" pitchFamily="34" charset="0"/>
-                <a:cs typeface="Courier New" panose="02070309020205020404" pitchFamily="49" charset="0"/>
-              </a:rPr>
-              <a:t>          10 7.620</a:t>
-            </a:r>
-          </a:p>
-          <a:p>
-            <a:pPr marL="857250" lvl="1" indent="-457200"/>
-            <a:endParaRPr lang="en-US" sz="3200" dirty="0">
-              <a:latin typeface="Tahoma" panose="020B0604030504040204" pitchFamily="34" charset="0"/>
-              <a:ea typeface="Tahoma" panose="020B0604030504040204" pitchFamily="34" charset="0"/>
-              <a:cs typeface="Tahoma" panose="020B0604030504040204" pitchFamily="34" charset="0"/>
-            </a:endParaRPr>
+              <a:t>:&gt;5 – string 5 places right justified </a:t>
+            </a:r>
           </a:p>
         </p:txBody>
       </p:sp>
@@ -40991,7 +42001,7 @@
           <a:p>
             <a:fld id="{A7119916-CD40-456D-ABE3-55F8822671F7}" type="datetime1">
               <a:rPr lang="en-US" smtClean="0"/>
-              <a:t>6/11/2020</a:t>
+              <a:t>6/18/2020</a:t>
             </a:fld>
             <a:endParaRPr lang="en-US" dirty="0"/>
           </a:p>
@@ -41057,7 +42067,7 @@
     </p:spTree>
     <p:extLst>
       <p:ext uri="{BB962C8B-B14F-4D97-AF65-F5344CB8AC3E}">
-        <p14:creationId xmlns:p14="http://schemas.microsoft.com/office/powerpoint/2010/main" val="403989308"/>
+        <p14:creationId xmlns:p14="http://schemas.microsoft.com/office/powerpoint/2010/main" val="4088521725"/>
       </p:ext>
     </p:extLst>
   </p:cSld>
@@ -41101,7 +42111,7 @@
           <p:cNvPr id="2" name="Title 1">
             <a:extLst>
               <a:ext uri="{FF2B5EF4-FFF2-40B4-BE49-F238E27FC236}">
-                <a16:creationId xmlns:a16="http://schemas.microsoft.com/office/drawing/2014/main" id="{00C99C45-A655-40FD-BF53-F03EF1F5E416}"/>
+                <a16:creationId xmlns:a16="http://schemas.microsoft.com/office/drawing/2014/main" id="{9E6A877F-A718-47D6-828D-F14357B0EE64}"/>
               </a:ext>
             </a:extLst>
           </p:cNvPr>
@@ -41112,21 +42122,19 @@
             <p:ph type="title"/>
           </p:nvPr>
         </p:nvSpPr>
-        <p:spPr/>
-        <p:txBody>
-          <a:bodyPr/>
-          <a:lstStyle/>
-          <a:p>
-            <a:r>
-              <a:rPr lang="en-US" dirty="0"/>
-              <a:t>Files</a:t>
-            </a:r>
-            <a:br>
-              <a:rPr lang="en-US" dirty="0"/>
-            </a:br>
-            <a:r>
-              <a:rPr lang="en-US" dirty="0"/>
-              <a:t>Data that remains</a:t>
+        <p:spPr>
+          <a:xfrm>
+            <a:off x="677334" y="609600"/>
+            <a:ext cx="8596668" cy="895815"/>
+          </a:xfrm>
+        </p:spPr>
+        <p:txBody>
+          <a:bodyPr/>
+          <a:lstStyle/>
+          <a:p>
+            <a:r>
+              <a:rPr lang="en-US" dirty="0"/>
+              <a:t>F-string – continued</a:t>
             </a:r>
           </a:p>
         </p:txBody>
@@ -41136,7 +42144,7 @@
           <p:cNvPr id="3" name="Content Placeholder 2">
             <a:extLst>
               <a:ext uri="{FF2B5EF4-FFF2-40B4-BE49-F238E27FC236}">
-                <a16:creationId xmlns:a16="http://schemas.microsoft.com/office/drawing/2014/main" id="{AAE989A4-422F-4666-8E03-249076443C19}"/>
+                <a16:creationId xmlns:a16="http://schemas.microsoft.com/office/drawing/2014/main" id="{64372DD4-6DBF-43CC-8728-9C2DC16B0267}"/>
               </a:ext>
             </a:extLst>
           </p:cNvPr>
@@ -41147,47 +42155,178 @@
             <p:ph idx="1"/>
           </p:nvPr>
         </p:nvSpPr>
-        <p:spPr/>
+        <p:spPr>
+          <a:xfrm>
+            <a:off x="677333" y="1505415"/>
+            <a:ext cx="8912715" cy="4901072"/>
+          </a:xfrm>
+        </p:spPr>
         <p:txBody>
           <a:bodyPr>
-            <a:normAutofit/>
+            <a:normAutofit fontScale="92500" lnSpcReduction="20000"/>
           </a:bodyPr>
           <a:lstStyle/>
           <a:p>
-            <a:r>
-              <a:rPr lang="en-US" sz="3600" dirty="0"/>
-              <a:t>Stream of bytes/characters "on disk"</a:t>
-            </a:r>
-          </a:p>
-          <a:p>
-            <a:r>
-              <a:rPr lang="en-US" sz="3600" dirty="0"/>
-              <a:t>Has a File Name</a:t>
-            </a:r>
-          </a:p>
-          <a:p>
-            <a:pPr lvl="1"/>
-            <a:r>
-              <a:rPr lang="en-US" sz="3400" dirty="0"/>
-              <a:t>Open File – Create, if new</a:t>
-            </a:r>
-          </a:p>
-          <a:p>
-            <a:pPr lvl="1"/>
-            <a:r>
-              <a:rPr lang="en-US" sz="3400" dirty="0"/>
-              <a:t>Read / Write sequentially</a:t>
-            </a:r>
-          </a:p>
-          <a:p>
-            <a:pPr lvl="1"/>
-            <a:r>
-              <a:rPr lang="en-US" sz="3400" dirty="0"/>
-              <a:t>Close File</a:t>
-            </a:r>
-          </a:p>
-          <a:p>
-            <a:endParaRPr lang="en-US" sz="3600" dirty="0"/>
+            <a:pPr marL="400050" lvl="1" indent="0">
+              <a:buNone/>
+            </a:pPr>
+            <a:r>
+              <a:rPr lang="en-US" sz="3200" dirty="0">
+                <a:latin typeface="Tahoma" panose="020B0604030504040204" pitchFamily="34" charset="0"/>
+                <a:ea typeface="Tahoma" panose="020B0604030504040204" pitchFamily="34" charset="0"/>
+                <a:cs typeface="Tahoma" panose="020B0604030504040204" pitchFamily="34" charset="0"/>
+              </a:rPr>
+              <a:t>runners =   {  "tom" :   {   "count" : 5,</a:t>
+            </a:r>
+          </a:p>
+          <a:p>
+            <a:pPr marL="400050" lvl="1" indent="0">
+              <a:buNone/>
+            </a:pPr>
+            <a:r>
+              <a:rPr lang="en-US" sz="3200" dirty="0">
+                <a:latin typeface="Tahoma" panose="020B0604030504040204" pitchFamily="34" charset="0"/>
+                <a:ea typeface="Tahoma" panose="020B0604030504040204" pitchFamily="34" charset="0"/>
+                <a:cs typeface="Tahoma" panose="020B0604030504040204" pitchFamily="34" charset="0"/>
+              </a:rPr>
+              <a:t>                                      "time" : 3.8</a:t>
+            </a:r>
+          </a:p>
+          <a:p>
+            <a:pPr marL="400050" lvl="1" indent="0">
+              <a:buNone/>
+            </a:pPr>
+            <a:r>
+              <a:rPr lang="en-US" sz="3200" dirty="0">
+                <a:latin typeface="Tahoma" panose="020B0604030504040204" pitchFamily="34" charset="0"/>
+                <a:ea typeface="Tahoma" panose="020B0604030504040204" pitchFamily="34" charset="0"/>
+                <a:cs typeface="Tahoma" panose="020B0604030504040204" pitchFamily="34" charset="0"/>
+              </a:rPr>
+              <a:t>                                 },</a:t>
+            </a:r>
+          </a:p>
+          <a:p>
+            <a:pPr marL="400050" lvl="1" indent="0">
+              <a:buNone/>
+            </a:pPr>
+            <a:r>
+              <a:rPr lang="en-US" sz="3200" dirty="0">
+                <a:latin typeface="Tahoma" panose="020B0604030504040204" pitchFamily="34" charset="0"/>
+                <a:ea typeface="Tahoma" panose="020B0604030504040204" pitchFamily="34" charset="0"/>
+                <a:cs typeface="Tahoma" panose="020B0604030504040204" pitchFamily="34" charset="0"/>
+              </a:rPr>
+              <a:t>                    "joe" :    {   "count" : 7,</a:t>
+            </a:r>
+          </a:p>
+          <a:p>
+            <a:pPr marL="400050" lvl="1" indent="0">
+              <a:buNone/>
+            </a:pPr>
+            <a:r>
+              <a:rPr lang="en-US" sz="3200" dirty="0">
+                <a:latin typeface="Tahoma" panose="020B0604030504040204" pitchFamily="34" charset="0"/>
+                <a:ea typeface="Tahoma" panose="020B0604030504040204" pitchFamily="34" charset="0"/>
+                <a:cs typeface="Tahoma" panose="020B0604030504040204" pitchFamily="34" charset="0"/>
+              </a:rPr>
+              <a:t>                                     "time" : 5.728</a:t>
+            </a:r>
+          </a:p>
+          <a:p>
+            <a:pPr marL="400050" lvl="1" indent="0">
+              <a:buNone/>
+            </a:pPr>
+            <a:r>
+              <a:rPr lang="en-US" sz="3200" dirty="0">
+                <a:latin typeface="Tahoma" panose="020B0604030504040204" pitchFamily="34" charset="0"/>
+                <a:ea typeface="Tahoma" panose="020B0604030504040204" pitchFamily="34" charset="0"/>
+                <a:cs typeface="Tahoma" panose="020B0604030504040204" pitchFamily="34" charset="0"/>
+              </a:rPr>
+              <a:t>                                 },</a:t>
+            </a:r>
+          </a:p>
+          <a:p>
+            <a:pPr marL="400050" lvl="1" indent="0">
+              <a:buNone/>
+            </a:pPr>
+            <a:r>
+              <a:rPr lang="en-US" sz="3200" dirty="0">
+                <a:latin typeface="Tahoma" panose="020B0604030504040204" pitchFamily="34" charset="0"/>
+                <a:ea typeface="Tahoma" panose="020B0604030504040204" pitchFamily="34" charset="0"/>
+                <a:cs typeface="Tahoma" panose="020B0604030504040204" pitchFamily="34" charset="0"/>
+              </a:rPr>
+              <a:t>                   "</a:t>
+            </a:r>
+            <a:r>
+              <a:rPr lang="en-US" sz="3200" dirty="0" err="1">
+                <a:latin typeface="Tahoma" panose="020B0604030504040204" pitchFamily="34" charset="0"/>
+                <a:ea typeface="Tahoma" panose="020B0604030504040204" pitchFamily="34" charset="0"/>
+                <a:cs typeface="Tahoma" panose="020B0604030504040204" pitchFamily="34" charset="0"/>
+              </a:rPr>
+              <a:t>mary</a:t>
+            </a:r>
+            <a:r>
+              <a:rPr lang="en-US" sz="3200" dirty="0">
+                <a:latin typeface="Tahoma" panose="020B0604030504040204" pitchFamily="34" charset="0"/>
+                <a:ea typeface="Tahoma" panose="020B0604030504040204" pitchFamily="34" charset="0"/>
+                <a:cs typeface="Tahoma" panose="020B0604030504040204" pitchFamily="34" charset="0"/>
+              </a:rPr>
+              <a:t>" :  {   "count" : 10,</a:t>
+            </a:r>
+          </a:p>
+          <a:p>
+            <a:pPr marL="400050" lvl="1" indent="0">
+              <a:buNone/>
+            </a:pPr>
+            <a:r>
+              <a:rPr lang="en-US" sz="3200" dirty="0">
+                <a:latin typeface="Tahoma" panose="020B0604030504040204" pitchFamily="34" charset="0"/>
+                <a:ea typeface="Tahoma" panose="020B0604030504040204" pitchFamily="34" charset="0"/>
+                <a:cs typeface="Tahoma" panose="020B0604030504040204" pitchFamily="34" charset="0"/>
+              </a:rPr>
+              <a:t>                                     "time" : 7.62</a:t>
+            </a:r>
+          </a:p>
+          <a:p>
+            <a:pPr marL="400050" lvl="1" indent="0">
+              <a:buNone/>
+            </a:pPr>
+            <a:r>
+              <a:rPr lang="en-US" sz="3200" dirty="0">
+                <a:latin typeface="Tahoma" panose="020B0604030504040204" pitchFamily="34" charset="0"/>
+                <a:ea typeface="Tahoma" panose="020B0604030504040204" pitchFamily="34" charset="0"/>
+                <a:cs typeface="Tahoma" panose="020B0604030504040204" pitchFamily="34" charset="0"/>
+              </a:rPr>
+              <a:t>                                 }</a:t>
+            </a:r>
+          </a:p>
+          <a:p>
+            <a:pPr marL="400050" lvl="1" indent="0">
+              <a:buNone/>
+            </a:pPr>
+            <a:r>
+              <a:rPr lang="en-US" sz="3200" dirty="0">
+                <a:latin typeface="Tahoma" panose="020B0604030504040204" pitchFamily="34" charset="0"/>
+                <a:ea typeface="Tahoma" panose="020B0604030504040204" pitchFamily="34" charset="0"/>
+                <a:cs typeface="Tahoma" panose="020B0604030504040204" pitchFamily="34" charset="0"/>
+              </a:rPr>
+              <a:t>                }</a:t>
+            </a:r>
+          </a:p>
+          <a:p>
+            <a:pPr marL="857250" lvl="1" indent="-457200"/>
+            <a:endParaRPr lang="en-US" sz="3200" dirty="0">
+              <a:latin typeface="Tahoma" panose="020B0604030504040204" pitchFamily="34" charset="0"/>
+              <a:ea typeface="Tahoma" panose="020B0604030504040204" pitchFamily="34" charset="0"/>
+              <a:cs typeface="Tahoma" panose="020B0604030504040204" pitchFamily="34" charset="0"/>
+            </a:endParaRPr>
+          </a:p>
+          <a:p>
+            <a:pPr marL="857250" lvl="1" indent="-457200"/>
+            <a:endParaRPr lang="en-US" sz="3200" dirty="0">
+              <a:latin typeface="Tahoma" panose="020B0604030504040204" pitchFamily="34" charset="0"/>
+              <a:ea typeface="Tahoma" panose="020B0604030504040204" pitchFamily="34" charset="0"/>
+              <a:cs typeface="Tahoma" panose="020B0604030504040204" pitchFamily="34" charset="0"/>
+            </a:endParaRPr>
           </a:p>
         </p:txBody>
       </p:sp>
@@ -41196,7 +42335,7 @@
           <p:cNvPr id="4" name="Date Placeholder 3">
             <a:extLst>
               <a:ext uri="{FF2B5EF4-FFF2-40B4-BE49-F238E27FC236}">
-                <a16:creationId xmlns:a16="http://schemas.microsoft.com/office/drawing/2014/main" id="{D4B58B9C-2101-47C6-B21D-A9C4C0222113}"/>
+                <a16:creationId xmlns:a16="http://schemas.microsoft.com/office/drawing/2014/main" id="{7DBC778F-46A9-469B-AFCA-A7F523273D3A}"/>
               </a:ext>
             </a:extLst>
           </p:cNvPr>
@@ -41214,7 +42353,7 @@
           <a:p>
             <a:fld id="{A7119916-CD40-456D-ABE3-55F8822671F7}" type="datetime1">
               <a:rPr lang="en-US" smtClean="0"/>
-              <a:t>6/11/2020</a:t>
+              <a:t>6/18/2020</a:t>
             </a:fld>
             <a:endParaRPr lang="en-US" dirty="0"/>
           </a:p>
@@ -41225,7 +42364,7 @@
           <p:cNvPr id="5" name="Footer Placeholder 4">
             <a:extLst>
               <a:ext uri="{FF2B5EF4-FFF2-40B4-BE49-F238E27FC236}">
-                <a16:creationId xmlns:a16="http://schemas.microsoft.com/office/drawing/2014/main" id="{EB3CE92E-DA4C-49CE-8437-22304F783D2B}"/>
+                <a16:creationId xmlns:a16="http://schemas.microsoft.com/office/drawing/2014/main" id="{4351A704-7B25-4E2E-AEDE-6CB83EBFD759}"/>
               </a:ext>
             </a:extLst>
           </p:cNvPr>
@@ -41253,7 +42392,7 @@
           <p:cNvPr id="6" name="Slide Number Placeholder 5">
             <a:extLst>
               <a:ext uri="{FF2B5EF4-FFF2-40B4-BE49-F238E27FC236}">
-                <a16:creationId xmlns:a16="http://schemas.microsoft.com/office/drawing/2014/main" id="{B555E688-FCD7-4E06-BD33-DA64AB1C3FA4}"/>
+                <a16:creationId xmlns:a16="http://schemas.microsoft.com/office/drawing/2014/main" id="{56C88A13-9CB2-48B8-A37E-911D446CDA3D}"/>
               </a:ext>
             </a:extLst>
           </p:cNvPr>
@@ -41280,13 +42419,25 @@
     </p:spTree>
     <p:extLst>
       <p:ext uri="{BB962C8B-B14F-4D97-AF65-F5344CB8AC3E}">
-        <p14:creationId xmlns:p14="http://schemas.microsoft.com/office/powerpoint/2010/main" val="3118971386"/>
+        <p14:creationId xmlns:p14="http://schemas.microsoft.com/office/powerpoint/2010/main" val="541075202"/>
       </p:ext>
     </p:extLst>
   </p:cSld>
   <p:clrMapOvr>
     <a:masterClrMapping/>
   </p:clrMapOvr>
+  <mc:AlternateContent xmlns:mc="http://schemas.openxmlformats.org/markup-compatibility/2006" xmlns:p14="http://schemas.microsoft.com/office/powerpoint/2010/main">
+    <mc:Choice Requires="p14">
+      <p:transition spd="med" p14:dur="700">
+        <p:fade/>
+      </p:transition>
+    </mc:Choice>
+    <mc:Fallback xmlns="">
+      <p:transition spd="med">
+        <p:fade/>
+      </p:transition>
+    </mc:Fallback>
+  </mc:AlternateContent>
 </p:sld>
 </file>
 
@@ -41312,7 +42463,7 @@
           <p:cNvPr id="2" name="Title 1">
             <a:extLst>
               <a:ext uri="{FF2B5EF4-FFF2-40B4-BE49-F238E27FC236}">
-                <a16:creationId xmlns:a16="http://schemas.microsoft.com/office/drawing/2014/main" id="{00C99C45-A655-40FD-BF53-F03EF1F5E416}"/>
+                <a16:creationId xmlns:a16="http://schemas.microsoft.com/office/drawing/2014/main" id="{9E6A877F-A718-47D6-828D-F14357B0EE64}"/>
               </a:ext>
             </a:extLst>
           </p:cNvPr>
@@ -41323,14 +42474,19 @@
             <p:ph type="title"/>
           </p:nvPr>
         </p:nvSpPr>
-        <p:spPr/>
-        <p:txBody>
-          <a:bodyPr/>
-          <a:lstStyle/>
-          <a:p>
-            <a:r>
-              <a:rPr lang="en-US" dirty="0"/>
-              <a:t>Files - continued</a:t>
+        <p:spPr>
+          <a:xfrm>
+            <a:off x="677334" y="609600"/>
+            <a:ext cx="8596668" cy="1096537"/>
+          </a:xfrm>
+        </p:spPr>
+        <p:txBody>
+          <a:bodyPr/>
+          <a:lstStyle/>
+          <a:p>
+            <a:r>
+              <a:rPr lang="en-US" dirty="0"/>
+              <a:t>F-string – continued</a:t>
             </a:r>
           </a:p>
         </p:txBody>
@@ -41340,7 +42496,7 @@
           <p:cNvPr id="3" name="Content Placeholder 2">
             <a:extLst>
               <a:ext uri="{FF2B5EF4-FFF2-40B4-BE49-F238E27FC236}">
-                <a16:creationId xmlns:a16="http://schemas.microsoft.com/office/drawing/2014/main" id="{AAE989A4-422F-4666-8E03-249076443C19}"/>
+                <a16:creationId xmlns:a16="http://schemas.microsoft.com/office/drawing/2014/main" id="{64372DD4-6DBF-43CC-8728-9C2DC16B0267}"/>
               </a:ext>
             </a:extLst>
           </p:cNvPr>
@@ -41351,47 +42507,147 @@
             <p:ph idx="1"/>
           </p:nvPr>
         </p:nvSpPr>
-        <p:spPr/>
+        <p:spPr>
+          <a:xfrm>
+            <a:off x="423747" y="1706137"/>
+            <a:ext cx="11090920" cy="4335225"/>
+          </a:xfrm>
+        </p:spPr>
         <p:txBody>
           <a:bodyPr>
             <a:normAutofit/>
           </a:bodyPr>
           <a:lstStyle/>
           <a:p>
-            <a:r>
-              <a:rPr lang="en-US" sz="3600" dirty="0"/>
-              <a:t>Stream of bytes/characters "on disk"</a:t>
-            </a:r>
-          </a:p>
-          <a:p>
-            <a:r>
-              <a:rPr lang="en-US" sz="3600" dirty="0"/>
-              <a:t>Has a File Name</a:t>
-            </a:r>
-          </a:p>
-          <a:p>
-            <a:pPr lvl="1"/>
-            <a:r>
-              <a:rPr lang="en-US" sz="3400" dirty="0"/>
-              <a:t>Open File – Create, if new</a:t>
-            </a:r>
-          </a:p>
-          <a:p>
-            <a:pPr lvl="1"/>
-            <a:r>
-              <a:rPr lang="en-US" sz="3400" dirty="0"/>
-              <a:t>Read / Write sequentially</a:t>
-            </a:r>
-          </a:p>
-          <a:p>
-            <a:pPr lvl="1"/>
-            <a:r>
-              <a:rPr lang="en-US" sz="3400" dirty="0"/>
-              <a:t>Close File</a:t>
-            </a:r>
-          </a:p>
-          <a:p>
-            <a:endParaRPr lang="en-US" sz="3600" dirty="0"/>
+            <a:pPr marL="400050" lvl="1" indent="0">
+              <a:buNone/>
+            </a:pPr>
+            <a:r>
+              <a:rPr lang="en-US" sz="3200" dirty="0">
+                <a:latin typeface="Courier New" panose="02070309020205020404" pitchFamily="49" charset="0"/>
+                <a:ea typeface="Tahoma" panose="020B0604030504040204" pitchFamily="34" charset="0"/>
+                <a:cs typeface="Courier New" panose="02070309020205020404" pitchFamily="49" charset="0"/>
+              </a:rPr>
+              <a:t># Print Heading</a:t>
+            </a:r>
+          </a:p>
+          <a:p>
+            <a:pPr marL="400050" lvl="1" indent="0">
+              <a:buNone/>
+            </a:pPr>
+            <a:r>
+              <a:rPr lang="en-US" sz="3200" dirty="0">
+                <a:latin typeface="Courier New" panose="02070309020205020404" pitchFamily="49" charset="0"/>
+                <a:ea typeface="Tahoma" panose="020B0604030504040204" pitchFamily="34" charset="0"/>
+                <a:cs typeface="Courier New" panose="02070309020205020404" pitchFamily="49" charset="0"/>
+              </a:rPr>
+              <a:t>print(f"{'name':10}"</a:t>
+            </a:r>
+          </a:p>
+          <a:p>
+            <a:pPr marL="400050" lvl="1" indent="0">
+              <a:buNone/>
+            </a:pPr>
+            <a:r>
+              <a:rPr lang="en-US" sz="3200" dirty="0">
+                <a:latin typeface="Courier New" panose="02070309020205020404" pitchFamily="49" charset="0"/>
+                <a:ea typeface="Tahoma" panose="020B0604030504040204" pitchFamily="34" charset="0"/>
+                <a:cs typeface="Courier New" panose="02070309020205020404" pitchFamily="49" charset="0"/>
+              </a:rPr>
+              <a:t>      + f" {'count':5}{'time':&gt;5}") </a:t>
+            </a:r>
+          </a:p>
+          <a:p>
+            <a:pPr marL="400050" lvl="1" indent="0">
+              <a:buNone/>
+            </a:pPr>
+            <a:r>
+              <a:rPr lang="en-US" sz="3200" dirty="0">
+                <a:latin typeface="Courier New" panose="02070309020205020404" pitchFamily="49" charset="0"/>
+                <a:ea typeface="Tahoma" panose="020B0604030504040204" pitchFamily="34" charset="0"/>
+                <a:cs typeface="Courier New" panose="02070309020205020404" pitchFamily="49" charset="0"/>
+              </a:rPr>
+              <a:t>for </a:t>
+            </a:r>
+            <a:r>
+              <a:rPr lang="en-US" sz="3200" dirty="0" err="1">
+                <a:latin typeface="Courier New" panose="02070309020205020404" pitchFamily="49" charset="0"/>
+                <a:ea typeface="Tahoma" panose="020B0604030504040204" pitchFamily="34" charset="0"/>
+                <a:cs typeface="Courier New" panose="02070309020205020404" pitchFamily="49" charset="0"/>
+              </a:rPr>
+              <a:t>rname</a:t>
+            </a:r>
+            <a:r>
+              <a:rPr lang="en-US" sz="3200" dirty="0">
+                <a:latin typeface="Courier New" panose="02070309020205020404" pitchFamily="49" charset="0"/>
+                <a:ea typeface="Tahoma" panose="020B0604030504040204" pitchFamily="34" charset="0"/>
+                <a:cs typeface="Courier New" panose="02070309020205020404" pitchFamily="49" charset="0"/>
+              </a:rPr>
+              <a:t> in runners:</a:t>
+            </a:r>
+          </a:p>
+          <a:p>
+            <a:pPr marL="400050" lvl="1" indent="0">
+              <a:buNone/>
+            </a:pPr>
+            <a:r>
+              <a:rPr lang="en-US" sz="3200" dirty="0">
+                <a:latin typeface="Courier New" panose="02070309020205020404" pitchFamily="49" charset="0"/>
+                <a:ea typeface="Tahoma" panose="020B0604030504040204" pitchFamily="34" charset="0"/>
+                <a:cs typeface="Courier New" panose="02070309020205020404" pitchFamily="49" charset="0"/>
+              </a:rPr>
+              <a:t>    info = runners[</a:t>
+            </a:r>
+            <a:r>
+              <a:rPr lang="en-US" sz="3200" dirty="0" err="1">
+                <a:latin typeface="Courier New" panose="02070309020205020404" pitchFamily="49" charset="0"/>
+                <a:ea typeface="Tahoma" panose="020B0604030504040204" pitchFamily="34" charset="0"/>
+                <a:cs typeface="Courier New" panose="02070309020205020404" pitchFamily="49" charset="0"/>
+              </a:rPr>
+              <a:t>rname</a:t>
+            </a:r>
+            <a:r>
+              <a:rPr lang="en-US" sz="3200" dirty="0">
+                <a:latin typeface="Courier New" panose="02070309020205020404" pitchFamily="49" charset="0"/>
+                <a:ea typeface="Tahoma" panose="020B0604030504040204" pitchFamily="34" charset="0"/>
+                <a:cs typeface="Courier New" panose="02070309020205020404" pitchFamily="49" charset="0"/>
+              </a:rPr>
+              <a:t>]</a:t>
+            </a:r>
+          </a:p>
+          <a:p>
+            <a:pPr marL="400050" lvl="1" indent="0">
+              <a:buNone/>
+            </a:pPr>
+            <a:r>
+              <a:rPr lang="en-US" sz="3200" dirty="0">
+                <a:latin typeface="Courier New" panose="02070309020205020404" pitchFamily="49" charset="0"/>
+                <a:ea typeface="Tahoma" panose="020B0604030504040204" pitchFamily="34" charset="0"/>
+                <a:cs typeface="Courier New" panose="02070309020205020404" pitchFamily="49" charset="0"/>
+              </a:rPr>
+              <a:t>    print(f"{rname:10} {info['count']:5d}"</a:t>
+            </a:r>
+          </a:p>
+          <a:p>
+            <a:pPr marL="400050" lvl="1" indent="0">
+              <a:buNone/>
+            </a:pPr>
+            <a:r>
+              <a:rPr lang="en-US" sz="3200" dirty="0">
+                <a:latin typeface="Courier New" panose="02070309020205020404" pitchFamily="49" charset="0"/>
+                <a:ea typeface="Tahoma" panose="020B0604030504040204" pitchFamily="34" charset="0"/>
+                <a:cs typeface="Courier New" panose="02070309020205020404" pitchFamily="49" charset="0"/>
+              </a:rPr>
+              <a:t>          + f" {info['time']:5.3f}")</a:t>
+            </a:r>
+          </a:p>
+          <a:p>
+            <a:pPr marL="857250" lvl="1" indent="-457200"/>
+            <a:endParaRPr lang="en-US" sz="3200" dirty="0">
+              <a:latin typeface="Tahoma" panose="020B0604030504040204" pitchFamily="34" charset="0"/>
+              <a:ea typeface="Tahoma" panose="020B0604030504040204" pitchFamily="34" charset="0"/>
+              <a:cs typeface="Tahoma" panose="020B0604030504040204" pitchFamily="34" charset="0"/>
+            </a:endParaRPr>
           </a:p>
         </p:txBody>
       </p:sp>
@@ -41400,7 +42656,7 @@
           <p:cNvPr id="4" name="Date Placeholder 3">
             <a:extLst>
               <a:ext uri="{FF2B5EF4-FFF2-40B4-BE49-F238E27FC236}">
-                <a16:creationId xmlns:a16="http://schemas.microsoft.com/office/drawing/2014/main" id="{D4B58B9C-2101-47C6-B21D-A9C4C0222113}"/>
+                <a16:creationId xmlns:a16="http://schemas.microsoft.com/office/drawing/2014/main" id="{7DBC778F-46A9-469B-AFCA-A7F523273D3A}"/>
               </a:ext>
             </a:extLst>
           </p:cNvPr>
@@ -41418,7 +42674,7 @@
           <a:p>
             <a:fld id="{A7119916-CD40-456D-ABE3-55F8822671F7}" type="datetime1">
               <a:rPr lang="en-US" smtClean="0"/>
-              <a:t>6/11/2020</a:t>
+              <a:t>6/18/2020</a:t>
             </a:fld>
             <a:endParaRPr lang="en-US" dirty="0"/>
           </a:p>
@@ -41429,7 +42685,7 @@
           <p:cNvPr id="5" name="Footer Placeholder 4">
             <a:extLst>
               <a:ext uri="{FF2B5EF4-FFF2-40B4-BE49-F238E27FC236}">
-                <a16:creationId xmlns:a16="http://schemas.microsoft.com/office/drawing/2014/main" id="{EB3CE92E-DA4C-49CE-8437-22304F783D2B}"/>
+                <a16:creationId xmlns:a16="http://schemas.microsoft.com/office/drawing/2014/main" id="{4351A704-7B25-4E2E-AEDE-6CB83EBFD759}"/>
               </a:ext>
             </a:extLst>
           </p:cNvPr>
@@ -41457,7 +42713,7 @@
           <p:cNvPr id="6" name="Slide Number Placeholder 5">
             <a:extLst>
               <a:ext uri="{FF2B5EF4-FFF2-40B4-BE49-F238E27FC236}">
-                <a16:creationId xmlns:a16="http://schemas.microsoft.com/office/drawing/2014/main" id="{B555E688-FCD7-4E06-BD33-DA64AB1C3FA4}"/>
+                <a16:creationId xmlns:a16="http://schemas.microsoft.com/office/drawing/2014/main" id="{56C88A13-9CB2-48B8-A37E-911D446CDA3D}"/>
               </a:ext>
             </a:extLst>
           </p:cNvPr>
@@ -41484,13 +42740,25 @@
     </p:spTree>
     <p:extLst>
       <p:ext uri="{BB962C8B-B14F-4D97-AF65-F5344CB8AC3E}">
-        <p14:creationId xmlns:p14="http://schemas.microsoft.com/office/powerpoint/2010/main" val="318514314"/>
+        <p14:creationId xmlns:p14="http://schemas.microsoft.com/office/powerpoint/2010/main" val="2196127733"/>
       </p:ext>
     </p:extLst>
   </p:cSld>
   <p:clrMapOvr>
     <a:masterClrMapping/>
   </p:clrMapOvr>
+  <mc:AlternateContent xmlns:mc="http://schemas.openxmlformats.org/markup-compatibility/2006" xmlns:p14="http://schemas.microsoft.com/office/powerpoint/2010/main">
+    <mc:Choice Requires="p14">
+      <p:transition spd="med" p14:dur="700">
+        <p:fade/>
+      </p:transition>
+    </mc:Choice>
+    <mc:Fallback xmlns="">
+      <p:transition spd="med">
+        <p:fade/>
+      </p:transition>
+    </mc:Fallback>
+  </mc:AlternateContent>
 </p:sld>
 </file>
 
@@ -41516,7 +42784,7 @@
           <p:cNvPr id="2" name="Title 1">
             <a:extLst>
               <a:ext uri="{FF2B5EF4-FFF2-40B4-BE49-F238E27FC236}">
-                <a16:creationId xmlns:a16="http://schemas.microsoft.com/office/drawing/2014/main" id="{00C99C45-A655-40FD-BF53-F03EF1F5E416}"/>
+                <a16:creationId xmlns:a16="http://schemas.microsoft.com/office/drawing/2014/main" id="{9E6A877F-A718-47D6-828D-F14357B0EE64}"/>
               </a:ext>
             </a:extLst>
           </p:cNvPr>
@@ -41527,14 +42795,19 @@
             <p:ph type="title"/>
           </p:nvPr>
         </p:nvSpPr>
-        <p:spPr/>
-        <p:txBody>
-          <a:bodyPr/>
-          <a:lstStyle/>
-          <a:p>
-            <a:r>
-              <a:rPr lang="en-US" dirty="0"/>
-              <a:t>Files - continued</a:t>
+        <p:spPr>
+          <a:xfrm>
+            <a:off x="677334" y="609600"/>
+            <a:ext cx="8596668" cy="1096537"/>
+          </a:xfrm>
+        </p:spPr>
+        <p:txBody>
+          <a:bodyPr/>
+          <a:lstStyle/>
+          <a:p>
+            <a:r>
+              <a:rPr lang="en-US" dirty="0"/>
+              <a:t>F-string – continued</a:t>
             </a:r>
           </a:p>
         </p:txBody>
@@ -41544,7 +42817,7 @@
           <p:cNvPr id="3" name="Content Placeholder 2">
             <a:extLst>
               <a:ext uri="{FF2B5EF4-FFF2-40B4-BE49-F238E27FC236}">
-                <a16:creationId xmlns:a16="http://schemas.microsoft.com/office/drawing/2014/main" id="{AAE989A4-422F-4666-8E03-249076443C19}"/>
+                <a16:creationId xmlns:a16="http://schemas.microsoft.com/office/drawing/2014/main" id="{64372DD4-6DBF-43CC-8728-9C2DC16B0267}"/>
               </a:ext>
             </a:extLst>
           </p:cNvPr>
@@ -41555,7 +42828,12 @@
             <p:ph idx="1"/>
           </p:nvPr>
         </p:nvSpPr>
-        <p:spPr/>
+        <p:spPr>
+          <a:xfrm>
+            <a:off x="423747" y="1706137"/>
+            <a:ext cx="11090920" cy="4335225"/>
+          </a:xfrm>
+        </p:spPr>
         <p:txBody>
           <a:bodyPr>
             <a:normAutofit/>
@@ -41566,177 +42844,81 @@
               <a:buNone/>
             </a:pPr>
             <a:r>
-              <a:rPr lang="en-US" sz="3400" dirty="0">
+              <a:rPr lang="en-US" sz="3200" dirty="0">
+                <a:latin typeface="Tahoma" panose="020B0604030504040204" pitchFamily="34" charset="0"/>
+                <a:ea typeface="Tahoma" panose="020B0604030504040204" pitchFamily="34" charset="0"/>
+                <a:cs typeface="Tahoma" panose="020B0604030504040204" pitchFamily="34" charset="0"/>
+              </a:rPr>
+              <a:t>Output:</a:t>
+            </a:r>
+          </a:p>
+          <a:p>
+            <a:pPr marL="800100" lvl="2" indent="0">
+              <a:buNone/>
+            </a:pPr>
+            <a:r>
+              <a:rPr lang="en-US" sz="3000" dirty="0">
                 <a:latin typeface="Courier New" panose="02070309020205020404" pitchFamily="49" charset="0"/>
+                <a:ea typeface="Tahoma" panose="020B0604030504040204" pitchFamily="34" charset="0"/>
                 <a:cs typeface="Courier New" panose="02070309020205020404" pitchFamily="49" charset="0"/>
               </a:rPr>
-              <a:t>file_name </a:t>
-            </a:r>
-            <a:r>
-              <a:rPr lang="en-US" sz="3400" b="1" dirty="0">
+              <a:t>name       count  time</a:t>
+            </a:r>
+          </a:p>
+          <a:p>
+            <a:pPr marL="800100" lvl="2" indent="0">
+              <a:buNone/>
+            </a:pPr>
+            <a:r>
+              <a:rPr lang="en-US" sz="3000" dirty="0">
                 <a:latin typeface="Courier New" panose="02070309020205020404" pitchFamily="49" charset="0"/>
+                <a:ea typeface="Tahoma" panose="020B0604030504040204" pitchFamily="34" charset="0"/>
                 <a:cs typeface="Courier New" panose="02070309020205020404" pitchFamily="49" charset="0"/>
               </a:rPr>
-              <a:t>=</a:t>
-            </a:r>
-            <a:r>
-              <a:rPr lang="en-US" sz="3400" dirty="0">
+              <a:t>tom            5 3.800</a:t>
+            </a:r>
+          </a:p>
+          <a:p>
+            <a:pPr marL="800100" lvl="2" indent="0">
+              <a:buNone/>
+            </a:pPr>
+            <a:r>
+              <a:rPr lang="en-US" sz="3000" dirty="0">
                 <a:latin typeface="Courier New" panose="02070309020205020404" pitchFamily="49" charset="0"/>
+                <a:ea typeface="Tahoma" panose="020B0604030504040204" pitchFamily="34" charset="0"/>
                 <a:cs typeface="Courier New" panose="02070309020205020404" pitchFamily="49" charset="0"/>
               </a:rPr>
-              <a:t> "my.txt"</a:t>
-            </a:r>
-          </a:p>
-          <a:p>
-            <a:pPr marL="400050" lvl="1" indent="0">
+              <a:t>joe            7 5.728</a:t>
+            </a:r>
+          </a:p>
+          <a:p>
+            <a:pPr marL="800100" lvl="2" indent="0">
               <a:buNone/>
             </a:pPr>
             <a:r>
-              <a:rPr lang="en-US" sz="3400" b="1" dirty="0">
+              <a:rPr lang="en-US" sz="3000" dirty="0" err="1">
                 <a:latin typeface="Courier New" panose="02070309020205020404" pitchFamily="49" charset="0"/>
+                <a:ea typeface="Tahoma" panose="020B0604030504040204" pitchFamily="34" charset="0"/>
                 <a:cs typeface="Courier New" panose="02070309020205020404" pitchFamily="49" charset="0"/>
               </a:rPr>
-              <a:t>with</a:t>
-            </a:r>
-            <a:r>
-              <a:rPr lang="en-US" sz="3400" dirty="0">
+              <a:t>mary</a:t>
+            </a:r>
+            <a:r>
+              <a:rPr lang="en-US" sz="3000" dirty="0">
                 <a:latin typeface="Courier New" panose="02070309020205020404" pitchFamily="49" charset="0"/>
+                <a:ea typeface="Tahoma" panose="020B0604030504040204" pitchFamily="34" charset="0"/>
                 <a:cs typeface="Courier New" panose="02070309020205020404" pitchFamily="49" charset="0"/>
               </a:rPr>
-              <a:t> </a:t>
-            </a:r>
-            <a:r>
-              <a:rPr lang="en-US" sz="3400" b="1" dirty="0">
-                <a:latin typeface="Courier New" panose="02070309020205020404" pitchFamily="49" charset="0"/>
-                <a:cs typeface="Courier New" panose="02070309020205020404" pitchFamily="49" charset="0"/>
-              </a:rPr>
-              <a:t>open(</a:t>
-            </a:r>
-            <a:r>
-              <a:rPr lang="en-US" sz="3400" dirty="0">
-                <a:latin typeface="Courier New" panose="02070309020205020404" pitchFamily="49" charset="0"/>
-                <a:cs typeface="Courier New" panose="02070309020205020404" pitchFamily="49" charset="0"/>
-              </a:rPr>
-              <a:t>file_name</a:t>
-            </a:r>
-            <a:r>
-              <a:rPr lang="en-US" sz="3400" b="1" dirty="0">
-                <a:latin typeface="Courier New" panose="02070309020205020404" pitchFamily="49" charset="0"/>
-                <a:cs typeface="Courier New" panose="02070309020205020404" pitchFamily="49" charset="0"/>
-              </a:rPr>
-              <a:t>)</a:t>
-            </a:r>
-            <a:r>
-              <a:rPr lang="en-US" sz="3400" dirty="0">
-                <a:latin typeface="Courier New" panose="02070309020205020404" pitchFamily="49" charset="0"/>
-                <a:cs typeface="Courier New" panose="02070309020205020404" pitchFamily="49" charset="0"/>
-              </a:rPr>
-              <a:t> </a:t>
-            </a:r>
-            <a:r>
-              <a:rPr lang="en-US" sz="3400" b="1" dirty="0">
-                <a:latin typeface="Courier New" panose="02070309020205020404" pitchFamily="49" charset="0"/>
-                <a:cs typeface="Courier New" panose="02070309020205020404" pitchFamily="49" charset="0"/>
-              </a:rPr>
-              <a:t>as</a:t>
-            </a:r>
-            <a:r>
-              <a:rPr lang="en-US" sz="3400" dirty="0">
-                <a:latin typeface="Courier New" panose="02070309020205020404" pitchFamily="49" charset="0"/>
-                <a:cs typeface="Courier New" panose="02070309020205020404" pitchFamily="49" charset="0"/>
-              </a:rPr>
-              <a:t> finp</a:t>
-            </a:r>
-            <a:r>
-              <a:rPr lang="en-US" sz="3400" b="1" dirty="0">
-                <a:latin typeface="Courier New" panose="02070309020205020404" pitchFamily="49" charset="0"/>
-                <a:cs typeface="Courier New" panose="02070309020205020404" pitchFamily="49" charset="0"/>
-              </a:rPr>
-              <a:t>:</a:t>
-            </a:r>
-          </a:p>
-          <a:p>
-            <a:pPr marL="400050" lvl="1" indent="0">
-              <a:buNone/>
-            </a:pPr>
-            <a:r>
-              <a:rPr lang="en-US" sz="3200" dirty="0">
-                <a:latin typeface="Courier New" panose="02070309020205020404" pitchFamily="49" charset="0"/>
-                <a:cs typeface="Courier New" panose="02070309020205020404" pitchFamily="49" charset="0"/>
-              </a:rPr>
-              <a:t>    </a:t>
-            </a:r>
-            <a:r>
-              <a:rPr lang="en-US" sz="3200" b="1" dirty="0">
-                <a:latin typeface="Courier New" panose="02070309020205020404" pitchFamily="49" charset="0"/>
-                <a:cs typeface="Courier New" panose="02070309020205020404" pitchFamily="49" charset="0"/>
-              </a:rPr>
-              <a:t>for</a:t>
-            </a:r>
-            <a:r>
-              <a:rPr lang="en-US" sz="3200" dirty="0">
-                <a:latin typeface="Courier New" panose="02070309020205020404" pitchFamily="49" charset="0"/>
-                <a:cs typeface="Courier New" panose="02070309020205020404" pitchFamily="49" charset="0"/>
-              </a:rPr>
-              <a:t> line </a:t>
-            </a:r>
-            <a:r>
-              <a:rPr lang="en-US" sz="3200" b="1" dirty="0">
-                <a:latin typeface="Courier New" panose="02070309020205020404" pitchFamily="49" charset="0"/>
-                <a:cs typeface="Courier New" panose="02070309020205020404" pitchFamily="49" charset="0"/>
-              </a:rPr>
-              <a:t>in</a:t>
-            </a:r>
-            <a:r>
-              <a:rPr lang="en-US" sz="3200" dirty="0">
-                <a:latin typeface="Courier New" panose="02070309020205020404" pitchFamily="49" charset="0"/>
-                <a:cs typeface="Courier New" panose="02070309020205020404" pitchFamily="49" charset="0"/>
-              </a:rPr>
-              <a:t> finp</a:t>
-            </a:r>
-            <a:r>
-              <a:rPr lang="en-US" sz="3200" b="1" dirty="0">
-                <a:latin typeface="Courier New" panose="02070309020205020404" pitchFamily="49" charset="0"/>
-                <a:cs typeface="Courier New" panose="02070309020205020404" pitchFamily="49" charset="0"/>
-              </a:rPr>
-              <a:t>:</a:t>
-            </a:r>
-          </a:p>
-          <a:p>
-            <a:pPr marL="400050" lvl="1" indent="0">
-              <a:buNone/>
-            </a:pPr>
-            <a:r>
-              <a:rPr lang="en-US" sz="3200" dirty="0">
-                <a:latin typeface="Courier New" panose="02070309020205020404" pitchFamily="49" charset="0"/>
-                <a:cs typeface="Courier New" panose="02070309020205020404" pitchFamily="49" charset="0"/>
-              </a:rPr>
-              <a:t>	        </a:t>
-            </a:r>
-            <a:r>
-              <a:rPr lang="en-US" sz="3200" b="1" dirty="0">
-                <a:latin typeface="Courier New" panose="02070309020205020404" pitchFamily="49" charset="0"/>
-                <a:cs typeface="Courier New" panose="02070309020205020404" pitchFamily="49" charset="0"/>
-              </a:rPr>
-              <a:t>print(</a:t>
-            </a:r>
-            <a:r>
-              <a:rPr lang="en-US" sz="3200" dirty="0">
-                <a:latin typeface="Courier New" panose="02070309020205020404" pitchFamily="49" charset="0"/>
-                <a:cs typeface="Courier New" panose="02070309020205020404" pitchFamily="49" charset="0"/>
-              </a:rPr>
-              <a:t>line, end=""</a:t>
-            </a:r>
-            <a:r>
-              <a:rPr lang="en-US" sz="3200" b="1" dirty="0">
-                <a:latin typeface="Courier New" panose="02070309020205020404" pitchFamily="49" charset="0"/>
-                <a:cs typeface="Courier New" panose="02070309020205020404" pitchFamily="49" charset="0"/>
-              </a:rPr>
-              <a:t>)</a:t>
-            </a:r>
-          </a:p>
-          <a:p>
-            <a:endParaRPr lang="en-US" sz="3600" dirty="0"/>
+              <a:t>          10 7.620</a:t>
+            </a:r>
+          </a:p>
+          <a:p>
+            <a:pPr marL="857250" lvl="1" indent="-457200"/>
+            <a:endParaRPr lang="en-US" sz="3200" dirty="0">
+              <a:latin typeface="Tahoma" panose="020B0604030504040204" pitchFamily="34" charset="0"/>
+              <a:ea typeface="Tahoma" panose="020B0604030504040204" pitchFamily="34" charset="0"/>
+              <a:cs typeface="Tahoma" panose="020B0604030504040204" pitchFamily="34" charset="0"/>
+            </a:endParaRPr>
           </a:p>
         </p:txBody>
       </p:sp>
@@ -41745,7 +42927,7 @@
           <p:cNvPr id="4" name="Date Placeholder 3">
             <a:extLst>
               <a:ext uri="{FF2B5EF4-FFF2-40B4-BE49-F238E27FC236}">
-                <a16:creationId xmlns:a16="http://schemas.microsoft.com/office/drawing/2014/main" id="{D4B58B9C-2101-47C6-B21D-A9C4C0222113}"/>
+                <a16:creationId xmlns:a16="http://schemas.microsoft.com/office/drawing/2014/main" id="{7DBC778F-46A9-469B-AFCA-A7F523273D3A}"/>
               </a:ext>
             </a:extLst>
           </p:cNvPr>
@@ -41763,7 +42945,7 @@
           <a:p>
             <a:fld id="{A7119916-CD40-456D-ABE3-55F8822671F7}" type="datetime1">
               <a:rPr lang="en-US" smtClean="0"/>
-              <a:t>6/11/2020</a:t>
+              <a:t>6/18/2020</a:t>
             </a:fld>
             <a:endParaRPr lang="en-US" dirty="0"/>
           </a:p>
@@ -41774,7 +42956,7 @@
           <p:cNvPr id="5" name="Footer Placeholder 4">
             <a:extLst>
               <a:ext uri="{FF2B5EF4-FFF2-40B4-BE49-F238E27FC236}">
-                <a16:creationId xmlns:a16="http://schemas.microsoft.com/office/drawing/2014/main" id="{EB3CE92E-DA4C-49CE-8437-22304F783D2B}"/>
+                <a16:creationId xmlns:a16="http://schemas.microsoft.com/office/drawing/2014/main" id="{4351A704-7B25-4E2E-AEDE-6CB83EBFD759}"/>
               </a:ext>
             </a:extLst>
           </p:cNvPr>
@@ -41802,7 +42984,7 @@
           <p:cNvPr id="6" name="Slide Number Placeholder 5">
             <a:extLst>
               <a:ext uri="{FF2B5EF4-FFF2-40B4-BE49-F238E27FC236}">
-                <a16:creationId xmlns:a16="http://schemas.microsoft.com/office/drawing/2014/main" id="{B555E688-FCD7-4E06-BD33-DA64AB1C3FA4}"/>
+                <a16:creationId xmlns:a16="http://schemas.microsoft.com/office/drawing/2014/main" id="{56C88A13-9CB2-48B8-A37E-911D446CDA3D}"/>
               </a:ext>
             </a:extLst>
           </p:cNvPr>
@@ -41829,13 +43011,25 @@
     </p:spTree>
     <p:extLst>
       <p:ext uri="{BB962C8B-B14F-4D97-AF65-F5344CB8AC3E}">
-        <p14:creationId xmlns:p14="http://schemas.microsoft.com/office/powerpoint/2010/main" val="654441149"/>
+        <p14:creationId xmlns:p14="http://schemas.microsoft.com/office/powerpoint/2010/main" val="403989308"/>
       </p:ext>
     </p:extLst>
   </p:cSld>
   <p:clrMapOvr>
     <a:masterClrMapping/>
   </p:clrMapOvr>
+  <mc:AlternateContent xmlns:mc="http://schemas.openxmlformats.org/markup-compatibility/2006" xmlns:p14="http://schemas.microsoft.com/office/powerpoint/2010/main">
+    <mc:Choice Requires="p14">
+      <p:transition spd="med" p14:dur="700">
+        <p:fade/>
+      </p:transition>
+    </mc:Choice>
+    <mc:Fallback xmlns="">
+      <p:transition spd="med">
+        <p:fade/>
+      </p:transition>
+    </mc:Fallback>
+  </mc:AlternateContent>
 </p:sld>
 </file>
 
@@ -41879,7 +43073,14 @@
           <a:p>
             <a:r>
               <a:rPr lang="en-US" dirty="0"/>
-              <a:t>Files – continued – Creating</a:t>
+              <a:t>Files</a:t>
+            </a:r>
+            <a:br>
+              <a:rPr lang="en-US" dirty="0"/>
+            </a:br>
+            <a:r>
+              <a:rPr lang="en-US" dirty="0"/>
+              <a:t>Data that remains</a:t>
             </a:r>
           </a:p>
         </p:txBody>
@@ -41900,12 +43101,7 @@
             <p:ph idx="1"/>
           </p:nvPr>
         </p:nvSpPr>
-        <p:spPr>
-          <a:xfrm>
-            <a:off x="677333" y="2160589"/>
-            <a:ext cx="9815965" cy="3880773"/>
-          </a:xfrm>
-        </p:spPr>
+        <p:spPr/>
         <p:txBody>
           <a:bodyPr>
             <a:normAutofit/>
@@ -41914,144 +43110,38 @@
           <a:p>
             <a:r>
               <a:rPr lang="en-US" sz="3600" dirty="0"/>
-              <a:t>Be careful with names- don't overwrite</a:t>
-            </a:r>
-          </a:p>
-          <a:p>
-            <a:pPr marL="0" indent="0">
-              <a:buNone/>
-            </a:pPr>
-            <a:endParaRPr lang="en-US" sz="3200" b="1" dirty="0">
-              <a:latin typeface="Courier New" panose="02070309020205020404" pitchFamily="49" charset="0"/>
-              <a:cs typeface="Courier New" panose="02070309020205020404" pitchFamily="49" charset="0"/>
-            </a:endParaRPr>
-          </a:p>
-          <a:p>
-            <a:pPr marL="0" indent="0">
-              <a:buNone/>
-            </a:pPr>
-            <a:r>
-              <a:rPr lang="en-US" sz="3200" b="1" dirty="0">
-                <a:latin typeface="Courier New" panose="02070309020205020404" pitchFamily="49" charset="0"/>
-                <a:cs typeface="Courier New" panose="02070309020205020404" pitchFamily="49" charset="0"/>
-              </a:rPr>
-              <a:t>with</a:t>
-            </a:r>
-            <a:r>
-              <a:rPr lang="en-US" sz="3200" dirty="0">
-                <a:latin typeface="Courier New" panose="02070309020205020404" pitchFamily="49" charset="0"/>
-                <a:cs typeface="Courier New" panose="02070309020205020404" pitchFamily="49" charset="0"/>
-              </a:rPr>
-              <a:t> open("my.txt", "a") </a:t>
-            </a:r>
-            <a:r>
-              <a:rPr lang="en-US" sz="3200" b="1" dirty="0">
-                <a:latin typeface="Courier New" panose="02070309020205020404" pitchFamily="49" charset="0"/>
-                <a:cs typeface="Courier New" panose="02070309020205020404" pitchFamily="49" charset="0"/>
-              </a:rPr>
-              <a:t>as</a:t>
-            </a:r>
-            <a:r>
-              <a:rPr lang="en-US" sz="3200" dirty="0">
-                <a:latin typeface="Courier New" panose="02070309020205020404" pitchFamily="49" charset="0"/>
-                <a:cs typeface="Courier New" panose="02070309020205020404" pitchFamily="49" charset="0"/>
-              </a:rPr>
-              <a:t> fout:</a:t>
-            </a:r>
-          </a:p>
-          <a:p>
-            <a:pPr marL="0" indent="0">
-              <a:buNone/>
-            </a:pPr>
-            <a:r>
-              <a:rPr lang="en-US" sz="3200" dirty="0">
-                <a:latin typeface="Courier New" panose="02070309020205020404" pitchFamily="49" charset="0"/>
-                <a:cs typeface="Courier New" panose="02070309020205020404" pitchFamily="49" charset="0"/>
-              </a:rPr>
-              <a:t>    </a:t>
-            </a:r>
-            <a:r>
-              <a:rPr lang="en-US" sz="3200" b="1" dirty="0">
-                <a:latin typeface="Courier New" panose="02070309020205020404" pitchFamily="49" charset="0"/>
-                <a:cs typeface="Courier New" panose="02070309020205020404" pitchFamily="49" charset="0"/>
-              </a:rPr>
-              <a:t>for</a:t>
-            </a:r>
-            <a:r>
-              <a:rPr lang="en-US" sz="3200" dirty="0">
-                <a:latin typeface="Courier New" panose="02070309020205020404" pitchFamily="49" charset="0"/>
-                <a:cs typeface="Courier New" panose="02070309020205020404" pitchFamily="49" charset="0"/>
-              </a:rPr>
-              <a:t> i </a:t>
-            </a:r>
-            <a:r>
-              <a:rPr lang="en-US" sz="3200" b="1" dirty="0">
-                <a:latin typeface="Courier New" panose="02070309020205020404" pitchFamily="49" charset="0"/>
-                <a:cs typeface="Courier New" panose="02070309020205020404" pitchFamily="49" charset="0"/>
-              </a:rPr>
-              <a:t>in</a:t>
-            </a:r>
-            <a:r>
-              <a:rPr lang="en-US" sz="3200" dirty="0">
-                <a:latin typeface="Courier New" panose="02070309020205020404" pitchFamily="49" charset="0"/>
-                <a:cs typeface="Courier New" panose="02070309020205020404" pitchFamily="49" charset="0"/>
-              </a:rPr>
-              <a:t> </a:t>
-            </a:r>
-            <a:r>
-              <a:rPr lang="en-US" sz="3200" b="1" dirty="0">
-                <a:latin typeface="Courier New" panose="02070309020205020404" pitchFamily="49" charset="0"/>
-                <a:cs typeface="Courier New" panose="02070309020205020404" pitchFamily="49" charset="0"/>
-              </a:rPr>
-              <a:t>range(</a:t>
-            </a:r>
-            <a:r>
-              <a:rPr lang="en-US" sz="3200" dirty="0">
-                <a:latin typeface="Courier New" panose="02070309020205020404" pitchFamily="49" charset="0"/>
-                <a:cs typeface="Courier New" panose="02070309020205020404" pitchFamily="49" charset="0"/>
-              </a:rPr>
-              <a:t>1,5</a:t>
-            </a:r>
-            <a:r>
-              <a:rPr lang="en-US" sz="3200" b="1" dirty="0">
-                <a:latin typeface="Courier New" panose="02070309020205020404" pitchFamily="49" charset="0"/>
-                <a:cs typeface="Courier New" panose="02070309020205020404" pitchFamily="49" charset="0"/>
-              </a:rPr>
-              <a:t>):</a:t>
-            </a:r>
-          </a:p>
-          <a:p>
-            <a:pPr marL="0" indent="0">
-              <a:buNone/>
-            </a:pPr>
-            <a:r>
-              <a:rPr lang="en-US" sz="3200" dirty="0">
-                <a:latin typeface="Courier New" panose="02070309020205020404" pitchFamily="49" charset="0"/>
-                <a:cs typeface="Courier New" panose="02070309020205020404" pitchFamily="49" charset="0"/>
-              </a:rPr>
-              <a:t>        print</a:t>
-            </a:r>
-            <a:r>
-              <a:rPr lang="en-US" sz="3200" b="1" dirty="0">
-                <a:latin typeface="Courier New" panose="02070309020205020404" pitchFamily="49" charset="0"/>
-                <a:cs typeface="Courier New" panose="02070309020205020404" pitchFamily="49" charset="0"/>
-              </a:rPr>
-              <a:t>(</a:t>
-            </a:r>
-            <a:r>
-              <a:rPr lang="en-US" sz="3200" dirty="0">
-                <a:latin typeface="Courier New" panose="02070309020205020404" pitchFamily="49" charset="0"/>
-                <a:cs typeface="Courier New" panose="02070309020205020404" pitchFamily="49" charset="0"/>
-              </a:rPr>
-              <a:t>"line %d" % i, file=fout</a:t>
-            </a:r>
-            <a:r>
-              <a:rPr lang="en-US" sz="3200" b="1" dirty="0">
-                <a:latin typeface="Courier New" panose="02070309020205020404" pitchFamily="49" charset="0"/>
-                <a:cs typeface="Courier New" panose="02070309020205020404" pitchFamily="49" charset="0"/>
-              </a:rPr>
-              <a:t>)</a:t>
-            </a:r>
+              <a:t>Stream of bytes/characters "on disk"</a:t>
+            </a:r>
+          </a:p>
+          <a:p>
+            <a:r>
+              <a:rPr lang="en-US" sz="3600" dirty="0"/>
+              <a:t>Has a File Name</a:t>
+            </a:r>
+          </a:p>
+          <a:p>
+            <a:pPr lvl="1"/>
+            <a:r>
+              <a:rPr lang="en-US" sz="3400" dirty="0"/>
+              <a:t>Open File – Create, if new</a:t>
+            </a:r>
+          </a:p>
+          <a:p>
+            <a:pPr lvl="1"/>
+            <a:r>
+              <a:rPr lang="en-US" sz="3400" dirty="0"/>
+              <a:t>Read / Write sequentially</a:t>
+            </a:r>
+          </a:p>
+          <a:p>
+            <a:pPr lvl="1"/>
+            <a:r>
+              <a:rPr lang="en-US" sz="3400" dirty="0"/>
+              <a:t>Close File</a:t>
+            </a:r>
+          </a:p>
+          <a:p>
+            <a:endParaRPr lang="en-US" sz="3600" dirty="0"/>
           </a:p>
         </p:txBody>
       </p:sp>
@@ -42078,7 +43168,7 @@
           <a:p>
             <a:fld id="{A7119916-CD40-456D-ABE3-55F8822671F7}" type="datetime1">
               <a:rPr lang="en-US" smtClean="0"/>
-              <a:t>6/11/2020</a:t>
+              <a:t>6/18/2020</a:t>
             </a:fld>
             <a:endParaRPr lang="en-US" dirty="0"/>
           </a:p>
@@ -42144,7 +43234,7 @@
     </p:spTree>
     <p:extLst>
       <p:ext uri="{BB962C8B-B14F-4D97-AF65-F5344CB8AC3E}">
-        <p14:creationId xmlns:p14="http://schemas.microsoft.com/office/powerpoint/2010/main" val="3557904411"/>
+        <p14:creationId xmlns:p14="http://schemas.microsoft.com/office/powerpoint/2010/main" val="3118971386"/>
       </p:ext>
     </p:extLst>
   </p:cSld>
@@ -42194,7 +43284,7 @@
           <a:p>
             <a:r>
               <a:rPr lang="en-US" dirty="0"/>
-              <a:t>Files – continued – Exercises</a:t>
+              <a:t>Files - continued</a:t>
             </a:r>
           </a:p>
         </p:txBody>
@@ -42215,12 +43305,7 @@
             <p:ph idx="1"/>
           </p:nvPr>
         </p:nvSpPr>
-        <p:spPr>
-          <a:xfrm>
-            <a:off x="677333" y="2160589"/>
-            <a:ext cx="9815965" cy="3880773"/>
-          </a:xfrm>
-        </p:spPr>
+        <p:spPr/>
         <p:txBody>
           <a:bodyPr>
             <a:normAutofit/>
@@ -42229,42 +43314,38 @@
           <a:p>
             <a:r>
               <a:rPr lang="en-US" sz="3600" dirty="0"/>
-              <a:t>Create your own two examples</a:t>
+              <a:t>Stream of bytes/characters "on disk"</a:t>
+            </a:r>
+          </a:p>
+          <a:p>
+            <a:r>
+              <a:rPr lang="en-US" sz="3600" dirty="0"/>
+              <a:t>Has a File Name</a:t>
             </a:r>
           </a:p>
           <a:p>
             <a:pPr lvl="1"/>
             <a:r>
               <a:rPr lang="en-US" sz="3400" dirty="0"/>
-              <a:t>1. create_file.py - </a:t>
-            </a:r>
-            <a:r>
-              <a:rPr lang="en-US" sz="3600" b="1" dirty="0">
-                <a:latin typeface="Courier New" panose="02070309020205020404" pitchFamily="49" charset="0"/>
-                <a:cs typeface="Courier New" panose="02070309020205020404" pitchFamily="49" charset="0"/>
-              </a:rPr>
-              <a:t>Write and check</a:t>
-            </a:r>
-          </a:p>
-          <a:p>
-            <a:pPr lvl="2"/>
-            <a:r>
-              <a:rPr lang="en-US" sz="3400" dirty="0">
-                <a:latin typeface="+mj-lt"/>
-                <a:cs typeface="Courier New" panose="02070309020205020404" pitchFamily="49" charset="0"/>
-              </a:rPr>
-              <a:t>Save as read_file.py</a:t>
-            </a:r>
-            <a:endParaRPr lang="en-US" sz="3200" dirty="0">
-              <a:latin typeface="+mj-lt"/>
-            </a:endParaRPr>
+              <a:t>Open File – Create, if new</a:t>
+            </a:r>
           </a:p>
           <a:p>
             <a:pPr lvl="1"/>
             <a:r>
               <a:rPr lang="en-US" sz="3400" dirty="0"/>
-              <a:t>2. read_file.py – Modify to do reading…</a:t>
-            </a:r>
+              <a:t>Read / Write sequentially</a:t>
+            </a:r>
+          </a:p>
+          <a:p>
+            <a:pPr lvl="1"/>
+            <a:r>
+              <a:rPr lang="en-US" sz="3400" dirty="0"/>
+              <a:t>Close File</a:t>
+            </a:r>
+          </a:p>
+          <a:p>
+            <a:endParaRPr lang="en-US" sz="3600" dirty="0"/>
           </a:p>
         </p:txBody>
       </p:sp>
@@ -42291,7 +43372,7 @@
           <a:p>
             <a:fld id="{A7119916-CD40-456D-ABE3-55F8822671F7}" type="datetime1">
               <a:rPr lang="en-US" smtClean="0"/>
-              <a:t>6/11/2020</a:t>
+              <a:t>6/18/2020</a:t>
             </a:fld>
             <a:endParaRPr lang="en-US" dirty="0"/>
           </a:p>
@@ -42357,7 +43438,7 @@
     </p:spTree>
     <p:extLst>
       <p:ext uri="{BB962C8B-B14F-4D97-AF65-F5344CB8AC3E}">
-        <p14:creationId xmlns:p14="http://schemas.microsoft.com/office/powerpoint/2010/main" val="3504030455"/>
+        <p14:creationId xmlns:p14="http://schemas.microsoft.com/office/powerpoint/2010/main" val="318514314"/>
       </p:ext>
     </p:extLst>
   </p:cSld>
@@ -42402,91 +43483,214 @@
         </p:nvSpPr>
         <p:spPr/>
         <p:txBody>
+          <a:bodyPr/>
+          <a:lstStyle/>
+          <a:p>
+            <a:r>
+              <a:rPr lang="en-US" dirty="0"/>
+              <a:t>Files - continued</a:t>
+            </a:r>
+          </a:p>
+        </p:txBody>
+      </p:sp>
+      <p:sp>
+        <p:nvSpPr>
+          <p:cNvPr id="3" name="Content Placeholder 2">
+            <a:extLst>
+              <a:ext uri="{FF2B5EF4-FFF2-40B4-BE49-F238E27FC236}">
+                <a16:creationId xmlns:a16="http://schemas.microsoft.com/office/drawing/2014/main" id="{AAE989A4-422F-4666-8E03-249076443C19}"/>
+              </a:ext>
+            </a:extLst>
+          </p:cNvPr>
+          <p:cNvSpPr>
+            <a:spLocks noGrp="1"/>
+          </p:cNvSpPr>
+          <p:nvPr>
+            <p:ph idx="1"/>
+          </p:nvPr>
+        </p:nvSpPr>
+        <p:spPr/>
+        <p:txBody>
           <a:bodyPr>
             <a:normAutofit/>
           </a:bodyPr>
           <a:lstStyle/>
           <a:p>
-            <a:r>
-              <a:rPr lang="en-US" dirty="0"/>
-              <a:t>Files – continued</a:t>
-            </a:r>
-            <a:br>
-              <a:rPr lang="en-US" dirty="0"/>
-            </a:br>
-            <a:r>
-              <a:rPr lang="en-US" dirty="0"/>
-              <a:t>Notes - A Simple Data Base</a:t>
-            </a:r>
-          </a:p>
-        </p:txBody>
-      </p:sp>
-      <p:sp>
-        <p:nvSpPr>
-          <p:cNvPr id="3" name="Content Placeholder 2">
-            <a:extLst>
-              <a:ext uri="{FF2B5EF4-FFF2-40B4-BE49-F238E27FC236}">
-                <a16:creationId xmlns:a16="http://schemas.microsoft.com/office/drawing/2014/main" id="{AAE989A4-422F-4666-8E03-249076443C19}"/>
-              </a:ext>
-            </a:extLst>
-          </p:cNvPr>
-          <p:cNvSpPr>
-            <a:spLocks noGrp="1"/>
-          </p:cNvSpPr>
-          <p:nvPr>
-            <p:ph idx="1"/>
-          </p:nvPr>
-        </p:nvSpPr>
-        <p:spPr>
-          <a:xfrm>
-            <a:off x="677333" y="2160589"/>
-            <a:ext cx="9815965" cy="3880773"/>
-          </a:xfrm>
-        </p:spPr>
-        <p:txBody>
-          <a:bodyPr>
-            <a:normAutofit/>
-          </a:bodyPr>
-          <a:lstStyle/>
-          <a:p>
-            <a:r>
-              <a:rPr lang="en-US" sz="3400" dirty="0"/>
-              <a:t>Goal:</a:t>
-            </a:r>
-          </a:p>
-          <a:p>
-            <a:pPr lvl="1"/>
-            <a:r>
-              <a:rPr lang="en-US" sz="3200" dirty="0"/>
-              <a:t>Access to my data by name</a:t>
-            </a:r>
-          </a:p>
-          <a:p>
-            <a:r>
-              <a:rPr lang="en-US" sz="3400" dirty="0"/>
-              <a:t>Plan:</a:t>
-            </a:r>
-          </a:p>
-          <a:p>
-            <a:pPr lvl="1"/>
-            <a:r>
-              <a:rPr lang="en-US" sz="3200" dirty="0"/>
-              <a:t>Save data in  a text file</a:t>
-            </a:r>
-          </a:p>
-          <a:p>
-            <a:pPr lvl="1"/>
-            <a:r>
-              <a:rPr lang="en-US" sz="3200" dirty="0"/>
-              <a:t>Search all lines for patterns e.g. name</a:t>
-            </a:r>
-          </a:p>
-          <a:p>
-            <a:pPr lvl="1"/>
-            <a:r>
-              <a:rPr lang="en-US" sz="3200" dirty="0"/>
-              <a:t>Print lines where found</a:t>
-            </a:r>
+            <a:pPr marL="400050" lvl="1" indent="0">
+              <a:buNone/>
+            </a:pPr>
+            <a:r>
+              <a:rPr lang="en-US" sz="3400" dirty="0">
+                <a:latin typeface="Courier New" panose="02070309020205020404" pitchFamily="49" charset="0"/>
+                <a:cs typeface="Courier New" panose="02070309020205020404" pitchFamily="49" charset="0"/>
+              </a:rPr>
+              <a:t>file_name </a:t>
+            </a:r>
+            <a:r>
+              <a:rPr lang="en-US" sz="3400" b="1" dirty="0">
+                <a:latin typeface="Courier New" panose="02070309020205020404" pitchFamily="49" charset="0"/>
+                <a:cs typeface="Courier New" panose="02070309020205020404" pitchFamily="49" charset="0"/>
+              </a:rPr>
+              <a:t>=</a:t>
+            </a:r>
+            <a:r>
+              <a:rPr lang="en-US" sz="3400" dirty="0">
+                <a:latin typeface="Courier New" panose="02070309020205020404" pitchFamily="49" charset="0"/>
+                <a:cs typeface="Courier New" panose="02070309020205020404" pitchFamily="49" charset="0"/>
+              </a:rPr>
+              <a:t> "my.txt"</a:t>
+            </a:r>
+          </a:p>
+          <a:p>
+            <a:pPr marL="400050" lvl="1" indent="0">
+              <a:buNone/>
+            </a:pPr>
+            <a:r>
+              <a:rPr lang="en-US" sz="3400" b="1" dirty="0">
+                <a:latin typeface="Courier New" panose="02070309020205020404" pitchFamily="49" charset="0"/>
+                <a:cs typeface="Courier New" panose="02070309020205020404" pitchFamily="49" charset="0"/>
+              </a:rPr>
+              <a:t>with</a:t>
+            </a:r>
+            <a:r>
+              <a:rPr lang="en-US" sz="3400" dirty="0">
+                <a:latin typeface="Courier New" panose="02070309020205020404" pitchFamily="49" charset="0"/>
+                <a:cs typeface="Courier New" panose="02070309020205020404" pitchFamily="49" charset="0"/>
+              </a:rPr>
+              <a:t> </a:t>
+            </a:r>
+            <a:r>
+              <a:rPr lang="en-US" sz="3400" b="1" dirty="0">
+                <a:latin typeface="Courier New" panose="02070309020205020404" pitchFamily="49" charset="0"/>
+                <a:cs typeface="Courier New" panose="02070309020205020404" pitchFamily="49" charset="0"/>
+              </a:rPr>
+              <a:t>open(</a:t>
+            </a:r>
+            <a:r>
+              <a:rPr lang="en-US" sz="3400" dirty="0">
+                <a:latin typeface="Courier New" panose="02070309020205020404" pitchFamily="49" charset="0"/>
+                <a:cs typeface="Courier New" panose="02070309020205020404" pitchFamily="49" charset="0"/>
+              </a:rPr>
+              <a:t>file_name</a:t>
+            </a:r>
+            <a:r>
+              <a:rPr lang="en-US" sz="3400" b="1" dirty="0">
+                <a:latin typeface="Courier New" panose="02070309020205020404" pitchFamily="49" charset="0"/>
+                <a:cs typeface="Courier New" panose="02070309020205020404" pitchFamily="49" charset="0"/>
+              </a:rPr>
+              <a:t>)</a:t>
+            </a:r>
+            <a:r>
+              <a:rPr lang="en-US" sz="3400" dirty="0">
+                <a:latin typeface="Courier New" panose="02070309020205020404" pitchFamily="49" charset="0"/>
+                <a:cs typeface="Courier New" panose="02070309020205020404" pitchFamily="49" charset="0"/>
+              </a:rPr>
+              <a:t> </a:t>
+            </a:r>
+            <a:r>
+              <a:rPr lang="en-US" sz="3400" b="1" dirty="0">
+                <a:latin typeface="Courier New" panose="02070309020205020404" pitchFamily="49" charset="0"/>
+                <a:cs typeface="Courier New" panose="02070309020205020404" pitchFamily="49" charset="0"/>
+              </a:rPr>
+              <a:t>as</a:t>
+            </a:r>
+            <a:r>
+              <a:rPr lang="en-US" sz="3400" dirty="0">
+                <a:latin typeface="Courier New" panose="02070309020205020404" pitchFamily="49" charset="0"/>
+                <a:cs typeface="Courier New" panose="02070309020205020404" pitchFamily="49" charset="0"/>
+              </a:rPr>
+              <a:t> finp</a:t>
+            </a:r>
+            <a:r>
+              <a:rPr lang="en-US" sz="3400" b="1" dirty="0">
+                <a:latin typeface="Courier New" panose="02070309020205020404" pitchFamily="49" charset="0"/>
+                <a:cs typeface="Courier New" panose="02070309020205020404" pitchFamily="49" charset="0"/>
+              </a:rPr>
+              <a:t>:</a:t>
+            </a:r>
+          </a:p>
+          <a:p>
+            <a:pPr marL="400050" lvl="1" indent="0">
+              <a:buNone/>
+            </a:pPr>
+            <a:r>
+              <a:rPr lang="en-US" sz="3200" dirty="0">
+                <a:latin typeface="Courier New" panose="02070309020205020404" pitchFamily="49" charset="0"/>
+                <a:cs typeface="Courier New" panose="02070309020205020404" pitchFamily="49" charset="0"/>
+              </a:rPr>
+              <a:t>    </a:t>
+            </a:r>
+            <a:r>
+              <a:rPr lang="en-US" sz="3200" b="1" dirty="0">
+                <a:latin typeface="Courier New" panose="02070309020205020404" pitchFamily="49" charset="0"/>
+                <a:cs typeface="Courier New" panose="02070309020205020404" pitchFamily="49" charset="0"/>
+              </a:rPr>
+              <a:t>for</a:t>
+            </a:r>
+            <a:r>
+              <a:rPr lang="en-US" sz="3200" dirty="0">
+                <a:latin typeface="Courier New" panose="02070309020205020404" pitchFamily="49" charset="0"/>
+                <a:cs typeface="Courier New" panose="02070309020205020404" pitchFamily="49" charset="0"/>
+              </a:rPr>
+              <a:t> line </a:t>
+            </a:r>
+            <a:r>
+              <a:rPr lang="en-US" sz="3200" b="1" dirty="0">
+                <a:latin typeface="Courier New" panose="02070309020205020404" pitchFamily="49" charset="0"/>
+                <a:cs typeface="Courier New" panose="02070309020205020404" pitchFamily="49" charset="0"/>
+              </a:rPr>
+              <a:t>in</a:t>
+            </a:r>
+            <a:r>
+              <a:rPr lang="en-US" sz="3200" dirty="0">
+                <a:latin typeface="Courier New" panose="02070309020205020404" pitchFamily="49" charset="0"/>
+                <a:cs typeface="Courier New" panose="02070309020205020404" pitchFamily="49" charset="0"/>
+              </a:rPr>
+              <a:t> finp</a:t>
+            </a:r>
+            <a:r>
+              <a:rPr lang="en-US" sz="3200" b="1" dirty="0">
+                <a:latin typeface="Courier New" panose="02070309020205020404" pitchFamily="49" charset="0"/>
+                <a:cs typeface="Courier New" panose="02070309020205020404" pitchFamily="49" charset="0"/>
+              </a:rPr>
+              <a:t>:</a:t>
+            </a:r>
+          </a:p>
+          <a:p>
+            <a:pPr marL="400050" lvl="1" indent="0">
+              <a:buNone/>
+            </a:pPr>
+            <a:r>
+              <a:rPr lang="en-US" sz="3200" dirty="0">
+                <a:latin typeface="Courier New" panose="02070309020205020404" pitchFamily="49" charset="0"/>
+                <a:cs typeface="Courier New" panose="02070309020205020404" pitchFamily="49" charset="0"/>
+              </a:rPr>
+              <a:t>	        </a:t>
+            </a:r>
+            <a:r>
+              <a:rPr lang="en-US" sz="3200" b="1" dirty="0">
+                <a:latin typeface="Courier New" panose="02070309020205020404" pitchFamily="49" charset="0"/>
+                <a:cs typeface="Courier New" panose="02070309020205020404" pitchFamily="49" charset="0"/>
+              </a:rPr>
+              <a:t>print(</a:t>
+            </a:r>
+            <a:r>
+              <a:rPr lang="en-US" sz="3200" dirty="0">
+                <a:latin typeface="Courier New" panose="02070309020205020404" pitchFamily="49" charset="0"/>
+                <a:cs typeface="Courier New" panose="02070309020205020404" pitchFamily="49" charset="0"/>
+              </a:rPr>
+              <a:t>line, end=""</a:t>
+            </a:r>
+            <a:r>
+              <a:rPr lang="en-US" sz="3200" b="1" dirty="0">
+                <a:latin typeface="Courier New" panose="02070309020205020404" pitchFamily="49" charset="0"/>
+                <a:cs typeface="Courier New" panose="02070309020205020404" pitchFamily="49" charset="0"/>
+              </a:rPr>
+              <a:t>)</a:t>
+            </a:r>
+          </a:p>
+          <a:p>
+            <a:endParaRPr lang="en-US" sz="3600" dirty="0"/>
           </a:p>
         </p:txBody>
       </p:sp>
@@ -42513,7 +43717,7 @@
           <a:p>
             <a:fld id="{A7119916-CD40-456D-ABE3-55F8822671F7}" type="datetime1">
               <a:rPr lang="en-US" smtClean="0"/>
-              <a:t>6/11/2020</a:t>
+              <a:t>6/18/2020</a:t>
             </a:fld>
             <a:endParaRPr lang="en-US" dirty="0"/>
           </a:p>
@@ -42579,7 +43783,7 @@
     </p:spTree>
     <p:extLst>
       <p:ext uri="{BB962C8B-B14F-4D97-AF65-F5344CB8AC3E}">
-        <p14:creationId xmlns:p14="http://schemas.microsoft.com/office/powerpoint/2010/main" val="3121108463"/>
+        <p14:creationId xmlns:p14="http://schemas.microsoft.com/office/powerpoint/2010/main" val="654441149"/>
       </p:ext>
     </p:extLst>
   </p:cSld>
@@ -42624,25 +43828,12 @@
         </p:nvSpPr>
         <p:spPr/>
         <p:txBody>
-          <a:bodyPr>
-            <a:normAutofit/>
-          </a:bodyPr>
-          <a:lstStyle/>
-          <a:p>
-            <a:r>
-              <a:rPr lang="en-US" dirty="0"/>
-              <a:t>Notes - A Simple Data Base – </a:t>
-            </a:r>
-            <a:r>
-              <a:rPr lang="en-US" sz="2800" dirty="0"/>
-              <a:t>Continued</a:t>
-            </a:r>
-            <a:br>
-              <a:rPr lang="en-US" sz="2800" dirty="0"/>
-            </a:br>
-            <a:r>
-              <a:rPr lang="en-US" sz="2800" dirty="0"/>
-              <a:t>Details</a:t>
+          <a:bodyPr/>
+          <a:lstStyle/>
+          <a:p>
+            <a:r>
+              <a:rPr lang="en-US" dirty="0"/>
+              <a:t>Files – continued – Creating</a:t>
             </a:r>
           </a:p>
         </p:txBody>
@@ -42676,58 +43867,144 @@
           <a:lstStyle/>
           <a:p>
             <a:r>
-              <a:rPr lang="en-US" sz="3200" dirty="0"/>
-              <a:t>Create two test files</a:t>
-            </a:r>
-          </a:p>
-          <a:p>
-            <a:pPr lvl="1"/>
-            <a:r>
-              <a:rPr lang="en-US" sz="3000" dirty="0"/>
-              <a:t>test.notes – real short just a couple of lines</a:t>
-            </a:r>
-          </a:p>
-          <a:p>
-            <a:pPr marL="1314450" lvl="3" indent="0">
+              <a:rPr lang="en-US" sz="3600" dirty="0"/>
+              <a:t>Be careful with names- don't overwrite</a:t>
+            </a:r>
+          </a:p>
+          <a:p>
+            <a:pPr marL="0" indent="0">
               <a:buNone/>
             </a:pPr>
-            <a:r>
-              <a:rPr lang="en-US" sz="2600" dirty="0"/>
-              <a:t>Joe Name	Joe Smith</a:t>
-            </a:r>
-          </a:p>
-          <a:p>
-            <a:pPr marL="1314450" lvl="3" indent="0">
+            <a:endParaRPr lang="en-US" sz="3200" b="1" dirty="0">
+              <a:latin typeface="Courier New" panose="02070309020205020404" pitchFamily="49" charset="0"/>
+              <a:cs typeface="Courier New" panose="02070309020205020404" pitchFamily="49" charset="0"/>
+            </a:endParaRPr>
+          </a:p>
+          <a:p>
+            <a:pPr marL="0" indent="0">
               <a:buNone/>
             </a:pPr>
             <a:r>
-              <a:rPr lang="en-US" sz="2600" dirty="0"/>
-              <a:t>Joe Address 100 Main</a:t>
-            </a:r>
-          </a:p>
-          <a:p>
-            <a:pPr marL="1314450" lvl="3" indent="0">
+              <a:rPr lang="en-US" sz="3200" b="1" dirty="0">
+                <a:latin typeface="Courier New" panose="02070309020205020404" pitchFamily="49" charset="0"/>
+                <a:cs typeface="Courier New" panose="02070309020205020404" pitchFamily="49" charset="0"/>
+              </a:rPr>
+              <a:t>with</a:t>
+            </a:r>
+            <a:r>
+              <a:rPr lang="en-US" sz="3200" dirty="0">
+                <a:latin typeface="Courier New" panose="02070309020205020404" pitchFamily="49" charset="0"/>
+                <a:cs typeface="Courier New" panose="02070309020205020404" pitchFamily="49" charset="0"/>
+              </a:rPr>
+              <a:t> open("my.txt", "a") </a:t>
+            </a:r>
+            <a:r>
+              <a:rPr lang="en-US" sz="3200" b="1" dirty="0">
+                <a:latin typeface="Courier New" panose="02070309020205020404" pitchFamily="49" charset="0"/>
+                <a:cs typeface="Courier New" panose="02070309020205020404" pitchFamily="49" charset="0"/>
+              </a:rPr>
+              <a:t>as</a:t>
+            </a:r>
+            <a:r>
+              <a:rPr lang="en-US" sz="3200" dirty="0">
+                <a:latin typeface="Courier New" panose="02070309020205020404" pitchFamily="49" charset="0"/>
+                <a:cs typeface="Courier New" panose="02070309020205020404" pitchFamily="49" charset="0"/>
+              </a:rPr>
+              <a:t> fout:</a:t>
+            </a:r>
+          </a:p>
+          <a:p>
+            <a:pPr marL="0" indent="0">
               <a:buNone/>
             </a:pPr>
             <a:r>
-              <a:rPr lang="en-US" sz="2600" dirty="0"/>
-              <a:t>Sam Name Sam Jones</a:t>
-            </a:r>
-          </a:p>
-          <a:p>
-            <a:pPr marL="1314450" lvl="3" indent="0">
+              <a:rPr lang="en-US" sz="3200" dirty="0">
+                <a:latin typeface="Courier New" panose="02070309020205020404" pitchFamily="49" charset="0"/>
+                <a:cs typeface="Courier New" panose="02070309020205020404" pitchFamily="49" charset="0"/>
+              </a:rPr>
+              <a:t>    </a:t>
+            </a:r>
+            <a:r>
+              <a:rPr lang="en-US" sz="3200" b="1" dirty="0">
+                <a:latin typeface="Courier New" panose="02070309020205020404" pitchFamily="49" charset="0"/>
+                <a:cs typeface="Courier New" panose="02070309020205020404" pitchFamily="49" charset="0"/>
+              </a:rPr>
+              <a:t>for</a:t>
+            </a:r>
+            <a:r>
+              <a:rPr lang="en-US" sz="3200" dirty="0">
+                <a:latin typeface="Courier New" panose="02070309020205020404" pitchFamily="49" charset="0"/>
+                <a:cs typeface="Courier New" panose="02070309020205020404" pitchFamily="49" charset="0"/>
+              </a:rPr>
+              <a:t> i </a:t>
+            </a:r>
+            <a:r>
+              <a:rPr lang="en-US" sz="3200" b="1" dirty="0">
+                <a:latin typeface="Courier New" panose="02070309020205020404" pitchFamily="49" charset="0"/>
+                <a:cs typeface="Courier New" panose="02070309020205020404" pitchFamily="49" charset="0"/>
+              </a:rPr>
+              <a:t>in</a:t>
+            </a:r>
+            <a:r>
+              <a:rPr lang="en-US" sz="3200" dirty="0">
+                <a:latin typeface="Courier New" panose="02070309020205020404" pitchFamily="49" charset="0"/>
+                <a:cs typeface="Courier New" panose="02070309020205020404" pitchFamily="49" charset="0"/>
+              </a:rPr>
+              <a:t> </a:t>
+            </a:r>
+            <a:r>
+              <a:rPr lang="en-US" sz="3200" b="1" dirty="0">
+                <a:latin typeface="Courier New" panose="02070309020205020404" pitchFamily="49" charset="0"/>
+                <a:cs typeface="Courier New" panose="02070309020205020404" pitchFamily="49" charset="0"/>
+              </a:rPr>
+              <a:t>range(</a:t>
+            </a:r>
+            <a:r>
+              <a:rPr lang="en-US" sz="3200" dirty="0">
+                <a:latin typeface="Courier New" panose="02070309020205020404" pitchFamily="49" charset="0"/>
+                <a:cs typeface="Courier New" panose="02070309020205020404" pitchFamily="49" charset="0"/>
+              </a:rPr>
+              <a:t>1,5</a:t>
+            </a:r>
+            <a:r>
+              <a:rPr lang="en-US" sz="3200" b="1" dirty="0">
+                <a:latin typeface="Courier New" panose="02070309020205020404" pitchFamily="49" charset="0"/>
+                <a:cs typeface="Courier New" panose="02070309020205020404" pitchFamily="49" charset="0"/>
+              </a:rPr>
+              <a:t>):</a:t>
+            </a:r>
+          </a:p>
+          <a:p>
+            <a:pPr marL="0" indent="0">
               <a:buNone/>
             </a:pPr>
             <a:r>
-              <a:rPr lang="en-US" sz="2600" dirty="0"/>
-              <a:t>Sam Address 20 Center</a:t>
-            </a:r>
-          </a:p>
-          <a:p>
-            <a:pPr lvl="1"/>
-            <a:r>
-              <a:rPr lang="en-US" sz="3000" dirty="0"/>
-              <a:t>Watertown.notes – longer with more varied data</a:t>
+              <a:rPr lang="en-US" sz="3200" dirty="0">
+                <a:latin typeface="Courier New" panose="02070309020205020404" pitchFamily="49" charset="0"/>
+                <a:cs typeface="Courier New" panose="02070309020205020404" pitchFamily="49" charset="0"/>
+              </a:rPr>
+              <a:t>        print</a:t>
+            </a:r>
+            <a:r>
+              <a:rPr lang="en-US" sz="3200" b="1" dirty="0">
+                <a:latin typeface="Courier New" panose="02070309020205020404" pitchFamily="49" charset="0"/>
+                <a:cs typeface="Courier New" panose="02070309020205020404" pitchFamily="49" charset="0"/>
+              </a:rPr>
+              <a:t>(</a:t>
+            </a:r>
+            <a:r>
+              <a:rPr lang="en-US" sz="3200" dirty="0">
+                <a:latin typeface="Courier New" panose="02070309020205020404" pitchFamily="49" charset="0"/>
+                <a:cs typeface="Courier New" panose="02070309020205020404" pitchFamily="49" charset="0"/>
+              </a:rPr>
+              <a:t>"line %d" % i, file=fout</a:t>
+            </a:r>
+            <a:r>
+              <a:rPr lang="en-US" sz="3200" b="1" dirty="0">
+                <a:latin typeface="Courier New" panose="02070309020205020404" pitchFamily="49" charset="0"/>
+                <a:cs typeface="Courier New" panose="02070309020205020404" pitchFamily="49" charset="0"/>
+              </a:rPr>
+              <a:t>)</a:t>
             </a:r>
           </a:p>
         </p:txBody>
@@ -42755,7 +44032,7 @@
           <a:p>
             <a:fld id="{A7119916-CD40-456D-ABE3-55F8822671F7}" type="datetime1">
               <a:rPr lang="en-US" smtClean="0"/>
-              <a:t>6/11/2020</a:t>
+              <a:t>6/18/2020</a:t>
             </a:fld>
             <a:endParaRPr lang="en-US" dirty="0"/>
           </a:p>
@@ -42821,7 +44098,7 @@
     </p:spTree>
     <p:extLst>
       <p:ext uri="{BB962C8B-B14F-4D97-AF65-F5344CB8AC3E}">
-        <p14:creationId xmlns:p14="http://schemas.microsoft.com/office/powerpoint/2010/main" val="282029939"/>
+        <p14:creationId xmlns:p14="http://schemas.microsoft.com/office/powerpoint/2010/main" val="3557904411"/>
       </p:ext>
     </p:extLst>
   </p:cSld>
@@ -42866,25 +44143,12 @@
         </p:nvSpPr>
         <p:spPr/>
         <p:txBody>
-          <a:bodyPr>
-            <a:normAutofit/>
-          </a:bodyPr>
-          <a:lstStyle/>
-          <a:p>
-            <a:r>
-              <a:rPr lang="en-US" dirty="0"/>
-              <a:t>Notes - A Simple Data Base – </a:t>
-            </a:r>
-            <a:r>
-              <a:rPr lang="en-US" sz="2800" dirty="0"/>
-              <a:t>Continued</a:t>
-            </a:r>
-            <a:br>
-              <a:rPr lang="en-US" sz="2800" dirty="0"/>
-            </a:br>
-            <a:r>
-              <a:rPr lang="en-US" sz="2800" dirty="0"/>
-              <a:t>Details</a:t>
+          <a:bodyPr/>
+          <a:lstStyle/>
+          <a:p>
+            <a:r>
+              <a:rPr lang="en-US" dirty="0"/>
+              <a:t>Files – continued – Exercises</a:t>
             </a:r>
           </a:p>
         </p:txBody>
@@ -42919,21 +44183,41 @@
           <a:p>
             <a:r>
               <a:rPr lang="en-US" sz="3600" dirty="0"/>
-              <a:t>Make "notes.py" program file.</a:t>
+              <a:t>Create your own two examples</a:t>
             </a:r>
           </a:p>
           <a:p>
             <a:pPr lvl="1"/>
             <a:r>
-              <a:rPr lang="en-US" sz="3600" dirty="0"/>
-              <a:t>Will display lines from a text file</a:t>
-            </a:r>
+              <a:rPr lang="en-US" sz="3400" dirty="0"/>
+              <a:t>1. create_file.py - </a:t>
+            </a:r>
+            <a:r>
+              <a:rPr lang="en-US" sz="3600" b="1" dirty="0">
+                <a:latin typeface="Courier New" panose="02070309020205020404" pitchFamily="49" charset="0"/>
+                <a:cs typeface="Courier New" panose="02070309020205020404" pitchFamily="49" charset="0"/>
+              </a:rPr>
+              <a:t>Write and check</a:t>
+            </a:r>
+          </a:p>
+          <a:p>
+            <a:pPr lvl="2"/>
+            <a:r>
+              <a:rPr lang="en-US" sz="3400" dirty="0">
+                <a:latin typeface="+mj-lt"/>
+                <a:cs typeface="Courier New" panose="02070309020205020404" pitchFamily="49" charset="0"/>
+              </a:rPr>
+              <a:t>Save as read_file.py</a:t>
+            </a:r>
+            <a:endParaRPr lang="en-US" sz="3200" dirty="0">
+              <a:latin typeface="+mj-lt"/>
+            </a:endParaRPr>
           </a:p>
           <a:p>
             <a:pPr lvl="1"/>
             <a:r>
-              <a:rPr lang="en-US" sz="3600" dirty="0"/>
-              <a:t>that contain a given text string.</a:t>
+              <a:rPr lang="en-US" sz="3400" dirty="0"/>
+              <a:t>2. read_file.py – Modify to do reading…</a:t>
             </a:r>
           </a:p>
         </p:txBody>
@@ -42961,7 +44245,7 @@
           <a:p>
             <a:fld id="{A7119916-CD40-456D-ABE3-55F8822671F7}" type="datetime1">
               <a:rPr lang="en-US" smtClean="0"/>
-              <a:t>6/11/2020</a:t>
+              <a:t>6/18/2020</a:t>
             </a:fld>
             <a:endParaRPr lang="en-US" dirty="0"/>
           </a:p>
@@ -43027,7 +44311,7 @@
     </p:spTree>
     <p:extLst>
       <p:ext uri="{BB962C8B-B14F-4D97-AF65-F5344CB8AC3E}">
-        <p14:creationId xmlns:p14="http://schemas.microsoft.com/office/powerpoint/2010/main" val="1062552091"/>
+        <p14:creationId xmlns:p14="http://schemas.microsoft.com/office/powerpoint/2010/main" val="3504030455"/>
       </p:ext>
     </p:extLst>
   </p:cSld>
